--- a/CPEE1/02. Week 2/00. Presentation/Week 2.pptx
+++ b/CPEE1/02. Week 2/00. Presentation/Week 2.pptx
@@ -56,18 +56,23 @@
     <p:sldId id="356" r:id="rId50"/>
     <p:sldId id="346" r:id="rId51"/>
     <p:sldId id="347" r:id="rId52"/>
-    <p:sldId id="357" r:id="rId53"/>
-    <p:sldId id="348" r:id="rId54"/>
-    <p:sldId id="349" r:id="rId55"/>
-    <p:sldId id="358" r:id="rId56"/>
-    <p:sldId id="342" r:id="rId57"/>
-    <p:sldId id="343" r:id="rId58"/>
-    <p:sldId id="344" r:id="rId59"/>
-    <p:sldId id="345" r:id="rId60"/>
-    <p:sldId id="359" r:id="rId61"/>
-    <p:sldId id="350" r:id="rId62"/>
-    <p:sldId id="351" r:id="rId63"/>
-    <p:sldId id="360" r:id="rId64"/>
+    <p:sldId id="365" r:id="rId53"/>
+    <p:sldId id="366" r:id="rId54"/>
+    <p:sldId id="357" r:id="rId55"/>
+    <p:sldId id="348" r:id="rId56"/>
+    <p:sldId id="349" r:id="rId57"/>
+    <p:sldId id="358" r:id="rId58"/>
+    <p:sldId id="342" r:id="rId59"/>
+    <p:sldId id="343" r:id="rId60"/>
+    <p:sldId id="344" r:id="rId61"/>
+    <p:sldId id="345" r:id="rId62"/>
+    <p:sldId id="359" r:id="rId63"/>
+    <p:sldId id="350" r:id="rId64"/>
+    <p:sldId id="351" r:id="rId65"/>
+    <p:sldId id="360" r:id="rId66"/>
+    <p:sldId id="362" r:id="rId67"/>
+    <p:sldId id="363" r:id="rId68"/>
+    <p:sldId id="364" r:id="rId69"/>
   </p:sldIdLst>
   <p:sldSz cx="9144000" cy="6858000" type="screen4x3"/>
   <p:notesSz cx="6858000" cy="9144000"/>
@@ -350,7 +355,7 @@
           <a:p>
             <a:fld id="{713DCFBF-1251-4F71-8BFB-150CFD910DA2}" type="datetimeFigureOut">
               <a:rPr lang="en-US" smtClean="0"/>
-              <a:t>1/23/2018</a:t>
+              <a:t>1/24/2018</a:t>
             </a:fld>
             <a:endParaRPr lang="en-US"/>
           </a:p>
@@ -520,7 +525,7 @@
           <a:p>
             <a:fld id="{713DCFBF-1251-4F71-8BFB-150CFD910DA2}" type="datetimeFigureOut">
               <a:rPr lang="en-US" smtClean="0"/>
-              <a:t>1/23/2018</a:t>
+              <a:t>1/24/2018</a:t>
             </a:fld>
             <a:endParaRPr lang="en-US"/>
           </a:p>
@@ -700,7 +705,7 @@
           <a:p>
             <a:fld id="{713DCFBF-1251-4F71-8BFB-150CFD910DA2}" type="datetimeFigureOut">
               <a:rPr lang="en-US" smtClean="0"/>
-              <a:t>1/23/2018</a:t>
+              <a:t>1/24/2018</a:t>
             </a:fld>
             <a:endParaRPr lang="en-US"/>
           </a:p>
@@ -870,7 +875,7 @@
           <a:p>
             <a:fld id="{713DCFBF-1251-4F71-8BFB-150CFD910DA2}" type="datetimeFigureOut">
               <a:rPr lang="en-US" smtClean="0"/>
-              <a:t>1/23/2018</a:t>
+              <a:t>1/24/2018</a:t>
             </a:fld>
             <a:endParaRPr lang="en-US"/>
           </a:p>
@@ -1116,7 +1121,7 @@
           <a:p>
             <a:fld id="{713DCFBF-1251-4F71-8BFB-150CFD910DA2}" type="datetimeFigureOut">
               <a:rPr lang="en-US" smtClean="0"/>
-              <a:t>1/23/2018</a:t>
+              <a:t>1/24/2018</a:t>
             </a:fld>
             <a:endParaRPr lang="en-US"/>
           </a:p>
@@ -1404,7 +1409,7 @@
           <a:p>
             <a:fld id="{713DCFBF-1251-4F71-8BFB-150CFD910DA2}" type="datetimeFigureOut">
               <a:rPr lang="en-US" smtClean="0"/>
-              <a:t>1/23/2018</a:t>
+              <a:t>1/24/2018</a:t>
             </a:fld>
             <a:endParaRPr lang="en-US"/>
           </a:p>
@@ -1826,7 +1831,7 @@
           <a:p>
             <a:fld id="{713DCFBF-1251-4F71-8BFB-150CFD910DA2}" type="datetimeFigureOut">
               <a:rPr lang="en-US" smtClean="0"/>
-              <a:t>1/23/2018</a:t>
+              <a:t>1/24/2018</a:t>
             </a:fld>
             <a:endParaRPr lang="en-US"/>
           </a:p>
@@ -1944,7 +1949,7 @@
           <a:p>
             <a:fld id="{713DCFBF-1251-4F71-8BFB-150CFD910DA2}" type="datetimeFigureOut">
               <a:rPr lang="en-US" smtClean="0"/>
-              <a:t>1/23/2018</a:t>
+              <a:t>1/24/2018</a:t>
             </a:fld>
             <a:endParaRPr lang="en-US"/>
           </a:p>
@@ -2039,7 +2044,7 @@
           <a:p>
             <a:fld id="{713DCFBF-1251-4F71-8BFB-150CFD910DA2}" type="datetimeFigureOut">
               <a:rPr lang="en-US" smtClean="0"/>
-              <a:t>1/23/2018</a:t>
+              <a:t>1/24/2018</a:t>
             </a:fld>
             <a:endParaRPr lang="en-US"/>
           </a:p>
@@ -2316,7 +2321,7 @@
           <a:p>
             <a:fld id="{713DCFBF-1251-4F71-8BFB-150CFD910DA2}" type="datetimeFigureOut">
               <a:rPr lang="en-US" smtClean="0"/>
-              <a:t>1/23/2018</a:t>
+              <a:t>1/24/2018</a:t>
             </a:fld>
             <a:endParaRPr lang="en-US"/>
           </a:p>
@@ -2569,7 +2574,7 @@
           <a:p>
             <a:fld id="{713DCFBF-1251-4F71-8BFB-150CFD910DA2}" type="datetimeFigureOut">
               <a:rPr lang="en-US" smtClean="0"/>
-              <a:t>1/23/2018</a:t>
+              <a:t>1/24/2018</a:t>
             </a:fld>
             <a:endParaRPr lang="en-US"/>
           </a:p>
@@ -2782,7 +2787,7 @@
           <a:p>
             <a:fld id="{713DCFBF-1251-4F71-8BFB-150CFD910DA2}" type="datetimeFigureOut">
               <a:rPr lang="en-US" smtClean="0"/>
-              <a:t>1/23/2018</a:t>
+              <a:t>1/24/2018</a:t>
             </a:fld>
             <a:endParaRPr lang="en-US"/>
           </a:p>
@@ -3181,10 +3186,15 @@
           <a:p>
             <a:pPr algn="ctr"/>
             <a:r>
-              <a:rPr lang="en-US" sz="11500" dirty="0" smtClean="0"/>
+              <a:rPr lang="en-US" sz="11500" dirty="0" smtClean="0">
+                <a:solidFill>
+                  <a:schemeClr val="accent6">
+                    <a:lumMod val="75000"/>
+                  </a:schemeClr>
+                </a:solidFill>
+              </a:rPr>
               <a:t>Form Validations</a:t>
             </a:r>
-            <a:endParaRPr lang="en-US" sz="11500" dirty="0" smtClean="0"/>
           </a:p>
           <a:p>
             <a:pPr algn="ctr"/>
@@ -3361,7 +3371,6 @@
               <a:rPr lang="en-US" sz="4400" dirty="0" smtClean="0"/>
               <a:t>	}</a:t>
             </a:r>
-            <a:endParaRPr lang="en-US" sz="4400" dirty="0" smtClean="0"/>
           </a:p>
         </p:txBody>
       </p:sp>
@@ -3531,7 +3540,6 @@
               <a:rPr lang="en-US" sz="4400" dirty="0" smtClean="0"/>
               <a:t>	}</a:t>
             </a:r>
-            <a:endParaRPr lang="en-US" sz="4400" dirty="0" smtClean="0"/>
           </a:p>
         </p:txBody>
       </p:sp>
@@ -3676,45 +3684,57 @@
                   <a:srgbClr val="00B0F0"/>
                 </a:solidFill>
               </a:rPr>
-              <a:t>i</a:t>
+              <a:t>inline </a:t>
             </a:r>
             <a:r>
               <a:rPr lang="en-US" sz="8800" dirty="0" smtClean="0">
                 <a:solidFill>
+                  <a:srgbClr val="FF0000"/>
+                </a:solidFill>
+              </a:rPr>
+              <a:t>(bad) </a:t>
+            </a:r>
+          </a:p>
+          <a:p>
+            <a:pPr algn="ctr"/>
+            <a:r>
+              <a:rPr lang="en-US" sz="8800" dirty="0" smtClean="0">
+                <a:solidFill>
                   <a:srgbClr val="00B0F0"/>
                 </a:solidFill>
               </a:rPr>
-              <a:t>nline</a:t>
-            </a:r>
-            <a:r>
-              <a:rPr lang="en-US" sz="8800" dirty="0" smtClean="0"/>
-              <a:t> </a:t>
-            </a:r>
-          </a:p>
-          <a:p>
-            <a:pPr algn="ctr"/>
+              <a:t>style tag </a:t>
+            </a:r>
             <a:r>
               <a:rPr lang="en-US" sz="8800" dirty="0" smtClean="0">
                 <a:solidFill>
+                  <a:srgbClr val="FF0000"/>
+                </a:solidFill>
+              </a:rPr>
+              <a:t>(bad)</a:t>
+            </a:r>
+          </a:p>
+          <a:p>
+            <a:pPr algn="ctr"/>
+            <a:r>
+              <a:rPr lang="en-US" sz="8800" dirty="0" smtClean="0">
+                <a:solidFill>
                   <a:srgbClr val="00B0F0"/>
                 </a:solidFill>
               </a:rPr>
-              <a:t>style tag </a:t>
-            </a:r>
-          </a:p>
-          <a:p>
-            <a:pPr algn="ctr"/>
+              <a:t>link </a:t>
+            </a:r>
             <a:r>
               <a:rPr lang="en-US" sz="8800" dirty="0" smtClean="0">
                 <a:solidFill>
-                  <a:srgbClr val="00B0F0"/>
-                </a:solidFill>
-              </a:rPr>
-              <a:t>link</a:t>
+                  <a:srgbClr val="00B050"/>
+                </a:solidFill>
+              </a:rPr>
+              <a:t>(great!)</a:t>
             </a:r>
             <a:endParaRPr lang="en-US" sz="4800" dirty="0" smtClean="0">
               <a:solidFill>
-                <a:srgbClr val="00B0F0"/>
+                <a:srgbClr val="00B050"/>
               </a:solidFill>
             </a:endParaRPr>
           </a:p>
@@ -4085,11 +4105,7 @@
             <a:pPr algn="ctr"/>
             <a:r>
               <a:rPr lang="en-US" sz="8800" dirty="0" smtClean="0"/>
-              <a:t>Class</a:t>
-            </a:r>
-            <a:r>
-              <a:rPr lang="en-US" sz="8800" dirty="0" smtClean="0"/>
-              <a:t> Selector</a:t>
+              <a:t>Class Selector</a:t>
             </a:r>
           </a:p>
           <a:p>
@@ -4180,11 +4196,7 @@
             <a:pPr algn="ctr"/>
             <a:r>
               <a:rPr lang="en-US" sz="8800" dirty="0" smtClean="0"/>
-              <a:t>ID</a:t>
-            </a:r>
-            <a:r>
-              <a:rPr lang="en-US" sz="8800" dirty="0" smtClean="0"/>
-              <a:t> Selector</a:t>
+              <a:t>ID Selector</a:t>
             </a:r>
           </a:p>
           <a:p>
@@ -4350,11 +4362,7 @@
             <a:pPr algn="ctr"/>
             <a:r>
               <a:rPr lang="en-US" sz="8800" dirty="0" smtClean="0"/>
-              <a:t>Universal</a:t>
-            </a:r>
-            <a:r>
-              <a:rPr lang="en-US" sz="8800" dirty="0" smtClean="0"/>
-              <a:t> Selector</a:t>
+              <a:t>Universal Selector</a:t>
             </a:r>
           </a:p>
           <a:p>
@@ -4437,11 +4445,7 @@
             <a:pPr algn="ctr"/>
             <a:r>
               <a:rPr lang="en-US" sz="8800" dirty="0" smtClean="0"/>
-              <a:t>Attribute</a:t>
-            </a:r>
-            <a:r>
-              <a:rPr lang="en-US" sz="8800" dirty="0" smtClean="0"/>
-              <a:t> Selector</a:t>
+              <a:t>Attribute Selector</a:t>
             </a:r>
           </a:p>
           <a:p>
@@ -5778,7 +5782,6 @@
               <a:rPr lang="en-US" sz="4800" dirty="0" smtClean="0"/>
               <a:t>(There’s a lot!)</a:t>
             </a:r>
-            <a:endParaRPr lang="en-US" sz="4800" dirty="0" smtClean="0"/>
           </a:p>
         </p:txBody>
       </p:sp>
@@ -6958,7 +6961,6 @@
               <a:rPr lang="en-US" sz="5400" dirty="0" smtClean="0"/>
               <a:t>(common only)</a:t>
             </a:r>
-            <a:endParaRPr lang="en-US" sz="5400" dirty="0" smtClean="0"/>
           </a:p>
         </p:txBody>
       </p:sp>
@@ -7492,7 +7494,6 @@
               <a:rPr lang="en-US" sz="5400" dirty="0" smtClean="0"/>
               <a:t>(common only)</a:t>
             </a:r>
-            <a:endParaRPr lang="en-US" sz="5400" dirty="0" smtClean="0"/>
           </a:p>
         </p:txBody>
       </p:sp>
@@ -7625,8 +7626,8 @@
         </p:nvSpPr>
         <p:spPr>
           <a:xfrm>
-            <a:off x="685800" y="2523964"/>
-            <a:ext cx="7620000" cy="1862048"/>
+            <a:off x="762000" y="1939022"/>
+            <a:ext cx="7620000" cy="2785378"/>
           </a:xfrm>
           <a:prstGeom prst="rect">
             <a:avLst/>
@@ -7643,23 +7644,25 @@
             <a:r>
               <a:rPr lang="en-US" sz="11500" dirty="0" smtClean="0">
                 <a:solidFill>
-                  <a:srgbClr val="FFFF00"/>
-                </a:solidFill>
-              </a:rPr>
-              <a:t>DEMO</a:t>
-            </a:r>
-            <a:endParaRPr lang="en-US" sz="4800" dirty="0" smtClean="0">
-              <a:solidFill>
-                <a:srgbClr val="FFFF00"/>
-              </a:solidFill>
-            </a:endParaRPr>
+                  <a:srgbClr val="00B0F0"/>
+                </a:solidFill>
+              </a:rPr>
+              <a:t>Table</a:t>
+            </a:r>
+          </a:p>
+          <a:p>
+            <a:pPr algn="ctr"/>
+            <a:r>
+              <a:rPr lang="en-US" sz="5400" dirty="0" smtClean="0"/>
+              <a:t>(common only)</a:t>
+            </a:r>
           </a:p>
         </p:txBody>
       </p:sp>
     </p:spTree>
     <p:extLst>
       <p:ext uri="{BB962C8B-B14F-4D97-AF65-F5344CB8AC3E}">
-        <p14:creationId xmlns:p14="http://schemas.microsoft.com/office/powerpoint/2010/main" val="138788744"/>
+        <p14:creationId xmlns:p14="http://schemas.microsoft.com/office/powerpoint/2010/main" val="2474316614"/>
       </p:ext>
     </p:extLst>
   </p:cSld>
@@ -7701,8 +7704,8 @@
         </p:nvSpPr>
         <p:spPr>
           <a:xfrm>
-            <a:off x="762000" y="1939022"/>
-            <a:ext cx="7620000" cy="2785378"/>
+            <a:off x="381000" y="3039070"/>
+            <a:ext cx="8534400" cy="830997"/>
           </a:xfrm>
           <a:prstGeom prst="rect">
             <a:avLst/>
@@ -7717,28 +7720,33 @@
           <a:p>
             <a:pPr algn="ctr"/>
             <a:r>
-              <a:rPr lang="en-US" sz="11500" dirty="0" smtClean="0">
-                <a:solidFill>
-                  <a:srgbClr val="00B0F0"/>
-                </a:solidFill>
-              </a:rPr>
-              <a:t>Line Box</a:t>
-            </a:r>
-          </a:p>
-          <a:p>
-            <a:pPr algn="ctr"/>
-            <a:r>
-              <a:rPr lang="en-US" sz="5400" dirty="0" smtClean="0"/>
-              <a:t>(common only)</a:t>
-            </a:r>
-            <a:endParaRPr lang="en-US" sz="5400" dirty="0" smtClean="0"/>
+              <a:rPr lang="en-US" sz="4800" i="1" dirty="0" smtClean="0">
+                <a:solidFill>
+                  <a:srgbClr val="FFFF00"/>
+                </a:solidFill>
+              </a:rPr>
+              <a:t>border-collapse: </a:t>
+            </a:r>
+            <a:r>
+              <a:rPr lang="en-US" sz="4800" i="1" dirty="0" smtClean="0">
+                <a:solidFill>
+                  <a:srgbClr val="00B050"/>
+                </a:solidFill>
+              </a:rPr>
+              <a:t>collapse</a:t>
+            </a:r>
+            <a:r>
+              <a:rPr lang="en-US" sz="4800" i="1" dirty="0" smtClean="0"/>
+              <a:t>;</a:t>
+            </a:r>
+            <a:endParaRPr lang="en-US" sz="4800" i="1" dirty="0"/>
           </a:p>
         </p:txBody>
       </p:sp>
     </p:spTree>
     <p:extLst>
       <p:ext uri="{BB962C8B-B14F-4D97-AF65-F5344CB8AC3E}">
-        <p14:creationId xmlns:p14="http://schemas.microsoft.com/office/powerpoint/2010/main" val="1499006292"/>
+        <p14:creationId xmlns:p14="http://schemas.microsoft.com/office/powerpoint/2010/main" val="245361999"/>
       </p:ext>
     </p:extLst>
   </p:cSld>
@@ -7780,8 +7788,8 @@
         </p:nvSpPr>
         <p:spPr>
           <a:xfrm>
-            <a:off x="304800" y="2590800"/>
-            <a:ext cx="8534400" cy="1754326"/>
+            <a:off x="685800" y="2523964"/>
+            <a:ext cx="7620000" cy="1862048"/>
           </a:xfrm>
           <a:prstGeom prst="rect">
             <a:avLst/>
@@ -7796,64 +7804,25 @@
           <a:p>
             <a:pPr algn="ctr"/>
             <a:r>
-              <a:rPr lang="en-US" sz="5400" i="1" dirty="0">
+              <a:rPr lang="en-US" sz="11500" dirty="0" smtClean="0">
                 <a:solidFill>
                   <a:srgbClr val="FFFF00"/>
                 </a:solidFill>
               </a:rPr>
-              <a:t>l</a:t>
-            </a:r>
-            <a:r>
-              <a:rPr lang="en-US" sz="5400" i="1" dirty="0" smtClean="0">
-                <a:solidFill>
-                  <a:srgbClr val="FFFF00"/>
-                </a:solidFill>
-              </a:rPr>
-              <a:t>ine-height: </a:t>
-            </a:r>
-            <a:r>
-              <a:rPr lang="en-US" sz="5400" i="1" dirty="0" smtClean="0">
-                <a:solidFill>
-                  <a:srgbClr val="00B050"/>
-                </a:solidFill>
-              </a:rPr>
-              <a:t>1.25</a:t>
-            </a:r>
-            <a:r>
-              <a:rPr lang="en-US" sz="5400" i="1" dirty="0" smtClean="0"/>
-              <a:t>;</a:t>
-            </a:r>
-          </a:p>
-          <a:p>
-            <a:pPr algn="ctr"/>
-            <a:r>
-              <a:rPr lang="en-US" sz="5400" i="1" dirty="0" smtClean="0">
-                <a:solidFill>
-                  <a:srgbClr val="FFFF00"/>
-                </a:solidFill>
-              </a:rPr>
-              <a:t>vertical-align: </a:t>
-            </a:r>
-            <a:r>
-              <a:rPr lang="en-US" sz="5400" i="1" dirty="0" smtClean="0">
-                <a:solidFill>
-                  <a:srgbClr val="00B050"/>
-                </a:solidFill>
-              </a:rPr>
-              <a:t>super</a:t>
-            </a:r>
-            <a:r>
-              <a:rPr lang="en-US" sz="5400" i="1" dirty="0" smtClean="0"/>
-              <a:t>;</a:t>
-            </a:r>
-            <a:endParaRPr lang="en-US" sz="5400" i="1" dirty="0"/>
+              <a:t>DEMO</a:t>
+            </a:r>
+            <a:endParaRPr lang="en-US" sz="4800" dirty="0" smtClean="0">
+              <a:solidFill>
+                <a:srgbClr val="FFFF00"/>
+              </a:solidFill>
+            </a:endParaRPr>
           </a:p>
         </p:txBody>
       </p:sp>
     </p:spTree>
     <p:extLst>
       <p:ext uri="{BB962C8B-B14F-4D97-AF65-F5344CB8AC3E}">
-        <p14:creationId xmlns:p14="http://schemas.microsoft.com/office/powerpoint/2010/main" val="2170897843"/>
+        <p14:creationId xmlns:p14="http://schemas.microsoft.com/office/powerpoint/2010/main" val="138788744"/>
       </p:ext>
     </p:extLst>
   </p:cSld>
@@ -7895,8 +7864,8 @@
         </p:nvSpPr>
         <p:spPr>
           <a:xfrm>
-            <a:off x="685800" y="2523964"/>
-            <a:ext cx="7620000" cy="1862048"/>
+            <a:off x="762000" y="1939022"/>
+            <a:ext cx="7620000" cy="2785378"/>
           </a:xfrm>
           <a:prstGeom prst="rect">
             <a:avLst/>
@@ -7913,23 +7882,25 @@
             <a:r>
               <a:rPr lang="en-US" sz="11500" dirty="0" smtClean="0">
                 <a:solidFill>
-                  <a:srgbClr val="FFFF00"/>
-                </a:solidFill>
-              </a:rPr>
-              <a:t>DEMO</a:t>
-            </a:r>
-            <a:endParaRPr lang="en-US" sz="4800" dirty="0" smtClean="0">
-              <a:solidFill>
-                <a:srgbClr val="FFFF00"/>
-              </a:solidFill>
-            </a:endParaRPr>
+                  <a:srgbClr val="00B0F0"/>
+                </a:solidFill>
+              </a:rPr>
+              <a:t>Line Box</a:t>
+            </a:r>
+          </a:p>
+          <a:p>
+            <a:pPr algn="ctr"/>
+            <a:r>
+              <a:rPr lang="en-US" sz="5400" dirty="0" smtClean="0"/>
+              <a:t>(common only)</a:t>
+            </a:r>
           </a:p>
         </p:txBody>
       </p:sp>
     </p:spTree>
     <p:extLst>
       <p:ext uri="{BB962C8B-B14F-4D97-AF65-F5344CB8AC3E}">
-        <p14:creationId xmlns:p14="http://schemas.microsoft.com/office/powerpoint/2010/main" val="138788744"/>
+        <p14:creationId xmlns:p14="http://schemas.microsoft.com/office/powerpoint/2010/main" val="1499006292"/>
       </p:ext>
     </p:extLst>
   </p:cSld>
@@ -7971,8 +7942,8 @@
         </p:nvSpPr>
         <p:spPr>
           <a:xfrm>
-            <a:off x="762000" y="1939022"/>
-            <a:ext cx="7620000" cy="2785378"/>
+            <a:off x="304800" y="2590800"/>
+            <a:ext cx="8534400" cy="1754326"/>
           </a:xfrm>
           <a:prstGeom prst="rect">
             <a:avLst/>
@@ -7987,28 +7958,64 @@
           <a:p>
             <a:pPr algn="ctr"/>
             <a:r>
-              <a:rPr lang="en-US" sz="11500" dirty="0" smtClean="0">
-                <a:solidFill>
-                  <a:srgbClr val="00B0F0"/>
-                </a:solidFill>
-              </a:rPr>
-              <a:t>Box Model</a:t>
-            </a:r>
-          </a:p>
-          <a:p>
-            <a:pPr algn="ctr"/>
-            <a:r>
-              <a:rPr lang="en-US" sz="5400" dirty="0" smtClean="0"/>
-              <a:t>(!important)</a:t>
-            </a:r>
-            <a:endParaRPr lang="en-US" sz="5400" dirty="0" smtClean="0"/>
+              <a:rPr lang="en-US" sz="5400" i="1" dirty="0">
+                <a:solidFill>
+                  <a:srgbClr val="FFFF00"/>
+                </a:solidFill>
+              </a:rPr>
+              <a:t>l</a:t>
+            </a:r>
+            <a:r>
+              <a:rPr lang="en-US" sz="5400" i="1" dirty="0" smtClean="0">
+                <a:solidFill>
+                  <a:srgbClr val="FFFF00"/>
+                </a:solidFill>
+              </a:rPr>
+              <a:t>ine-height: </a:t>
+            </a:r>
+            <a:r>
+              <a:rPr lang="en-US" sz="5400" i="1" dirty="0" smtClean="0">
+                <a:solidFill>
+                  <a:srgbClr val="00B050"/>
+                </a:solidFill>
+              </a:rPr>
+              <a:t>1.25</a:t>
+            </a:r>
+            <a:r>
+              <a:rPr lang="en-US" sz="5400" i="1" dirty="0" smtClean="0"/>
+              <a:t>;</a:t>
+            </a:r>
+          </a:p>
+          <a:p>
+            <a:pPr algn="ctr"/>
+            <a:r>
+              <a:rPr lang="en-US" sz="5400" i="1" dirty="0" smtClean="0">
+                <a:solidFill>
+                  <a:srgbClr val="FFFF00"/>
+                </a:solidFill>
+              </a:rPr>
+              <a:t>vertical-align: </a:t>
+            </a:r>
+            <a:r>
+              <a:rPr lang="en-US" sz="5400" i="1" dirty="0" smtClean="0">
+                <a:solidFill>
+                  <a:srgbClr val="00B050"/>
+                </a:solidFill>
+              </a:rPr>
+              <a:t>super</a:t>
+            </a:r>
+            <a:r>
+              <a:rPr lang="en-US" sz="5400" i="1" dirty="0" smtClean="0"/>
+              <a:t>;</a:t>
+            </a:r>
+            <a:endParaRPr lang="en-US" sz="5400" i="1" dirty="0"/>
           </a:p>
         </p:txBody>
       </p:sp>
     </p:spTree>
     <p:extLst>
       <p:ext uri="{BB962C8B-B14F-4D97-AF65-F5344CB8AC3E}">
-        <p14:creationId xmlns:p14="http://schemas.microsoft.com/office/powerpoint/2010/main" val="2109212291"/>
+        <p14:creationId xmlns:p14="http://schemas.microsoft.com/office/powerpoint/2010/main" val="2170897843"/>
       </p:ext>
     </p:extLst>
   </p:cSld>
@@ -8050,8 +8057,8 @@
         </p:nvSpPr>
         <p:spPr>
           <a:xfrm>
-            <a:off x="803564" y="2107555"/>
-            <a:ext cx="7620000" cy="2585323"/>
+            <a:off x="685800" y="2523964"/>
+            <a:ext cx="7620000" cy="1862048"/>
           </a:xfrm>
           <a:prstGeom prst="rect">
             <a:avLst/>
@@ -8066,75 +8073,25 @@
           <a:p>
             <a:pPr algn="ctr"/>
             <a:r>
-              <a:rPr lang="en-US" sz="5400" i="1" dirty="0" smtClean="0">
+              <a:rPr lang="en-US" sz="11500" dirty="0" smtClean="0">
                 <a:solidFill>
                   <a:srgbClr val="FFFF00"/>
                 </a:solidFill>
               </a:rPr>
-              <a:t>display: </a:t>
-            </a:r>
-            <a:r>
-              <a:rPr lang="en-US" sz="5400" i="1" dirty="0" smtClean="0">
-                <a:solidFill>
-                  <a:srgbClr val="00B050"/>
-                </a:solidFill>
-              </a:rPr>
-              <a:t>block;</a:t>
-            </a:r>
-          </a:p>
-          <a:p>
-            <a:pPr algn="ctr"/>
-            <a:r>
-              <a:rPr lang="en-US" sz="5400" i="1" dirty="0" smtClean="0">
-                <a:solidFill>
-                  <a:srgbClr val="FFFF00"/>
-                </a:solidFill>
-              </a:rPr>
-              <a:t>height: </a:t>
-            </a:r>
-            <a:r>
-              <a:rPr lang="en-US" sz="5400" i="1" dirty="0" smtClean="0">
-                <a:solidFill>
-                  <a:srgbClr val="00B050"/>
-                </a:solidFill>
-              </a:rPr>
-              <a:t>50px</a:t>
-            </a:r>
-            <a:r>
-              <a:rPr lang="en-US" sz="5400" i="1" dirty="0" smtClean="0"/>
-              <a:t>;</a:t>
-            </a:r>
-          </a:p>
-          <a:p>
-            <a:pPr algn="ctr"/>
-            <a:r>
-              <a:rPr lang="en-US" sz="5400" i="1" dirty="0" smtClean="0">
-                <a:solidFill>
-                  <a:srgbClr val="FFFF00"/>
-                </a:solidFill>
-              </a:rPr>
-              <a:t>width: </a:t>
-            </a:r>
-            <a:r>
-              <a:rPr lang="en-US" sz="5400" i="1" dirty="0" smtClean="0">
-                <a:solidFill>
-                  <a:srgbClr val="00B050"/>
-                </a:solidFill>
-              </a:rPr>
-              <a:t>50px</a:t>
-            </a:r>
-            <a:r>
-              <a:rPr lang="en-US" sz="5400" i="1" dirty="0" smtClean="0"/>
-              <a:t>;</a:t>
-            </a:r>
-            <a:endParaRPr lang="en-US" sz="5400" i="1" dirty="0"/>
+              <a:t>DEMO</a:t>
+            </a:r>
+            <a:endParaRPr lang="en-US" sz="4800" dirty="0" smtClean="0">
+              <a:solidFill>
+                <a:srgbClr val="FFFF00"/>
+              </a:solidFill>
+            </a:endParaRPr>
           </a:p>
         </p:txBody>
       </p:sp>
     </p:spTree>
     <p:extLst>
       <p:ext uri="{BB962C8B-B14F-4D97-AF65-F5344CB8AC3E}">
-        <p14:creationId xmlns:p14="http://schemas.microsoft.com/office/powerpoint/2010/main" val="2759055379"/>
+        <p14:creationId xmlns:p14="http://schemas.microsoft.com/office/powerpoint/2010/main" val="138788744"/>
       </p:ext>
     </p:extLst>
   </p:cSld>
@@ -8176,8 +8133,8 @@
         </p:nvSpPr>
         <p:spPr>
           <a:xfrm>
-            <a:off x="803564" y="1392972"/>
-            <a:ext cx="7620000" cy="4093428"/>
+            <a:off x="762000" y="1939022"/>
+            <a:ext cx="7620000" cy="2785378"/>
           </a:xfrm>
           <a:prstGeom prst="rect">
             <a:avLst/>
@@ -8192,109 +8149,19 @@
           <a:p>
             <a:pPr algn="ctr"/>
             <a:r>
-              <a:rPr lang="en-US" sz="5400" i="1" dirty="0" smtClean="0">
-                <a:solidFill>
-                  <a:srgbClr val="FFFF00"/>
-                </a:solidFill>
-              </a:rPr>
-              <a:t>margin: </a:t>
-            </a:r>
-            <a:r>
-              <a:rPr lang="en-US" sz="5400" i="1" dirty="0" smtClean="0">
-                <a:solidFill>
-                  <a:srgbClr val="00B050"/>
-                </a:solidFill>
-              </a:rPr>
-              <a:t>20px</a:t>
-            </a:r>
-            <a:r>
-              <a:rPr lang="en-US" sz="5400" i="1" dirty="0" smtClean="0"/>
-              <a:t>;</a:t>
-            </a:r>
-          </a:p>
-          <a:p>
-            <a:pPr algn="ctr"/>
-            <a:r>
-              <a:rPr lang="en-US" sz="5400" i="1" dirty="0" smtClean="0">
-                <a:solidFill>
-                  <a:srgbClr val="FFFF00"/>
-                </a:solidFill>
-              </a:rPr>
-              <a:t>padding: </a:t>
-            </a:r>
-            <a:r>
-              <a:rPr lang="en-US" sz="5400" i="1" dirty="0" smtClean="0">
-                <a:solidFill>
-                  <a:srgbClr val="00B050"/>
-                </a:solidFill>
-              </a:rPr>
-              <a:t>20px</a:t>
-            </a:r>
-            <a:r>
-              <a:rPr lang="en-US" sz="5400" i="1" dirty="0" smtClean="0"/>
-              <a:t>;</a:t>
-            </a:r>
-          </a:p>
-          <a:p>
-            <a:pPr algn="ctr"/>
-            <a:endParaRPr lang="en-US" sz="4400" i="1" dirty="0"/>
-          </a:p>
-          <a:p>
-            <a:pPr algn="ctr"/>
-            <a:r>
-              <a:rPr lang="en-US" sz="5400" i="1" dirty="0">
-                <a:solidFill>
-                  <a:srgbClr val="FFFF00"/>
-                </a:solidFill>
-              </a:rPr>
-              <a:t>overflow: </a:t>
-            </a:r>
-            <a:r>
-              <a:rPr lang="en-US" sz="5400" i="1" dirty="0" smtClean="0">
-                <a:solidFill>
-                  <a:srgbClr val="00B050"/>
-                </a:solidFill>
-              </a:rPr>
-              <a:t>visible</a:t>
-            </a:r>
-            <a:r>
-              <a:rPr lang="en-US" sz="5400" i="1" dirty="0" smtClean="0">
-                <a:solidFill>
-                  <a:schemeClr val="tx1">
-                    <a:lumMod val="95000"/>
-                  </a:schemeClr>
-                </a:solidFill>
-              </a:rPr>
-              <a:t>;</a:t>
-            </a:r>
-          </a:p>
-          <a:p>
-            <a:pPr algn="ctr"/>
-            <a:r>
-              <a:rPr lang="en-US" sz="5400" i="1" dirty="0" smtClean="0">
-                <a:solidFill>
-                  <a:srgbClr val="FFFF00"/>
-                </a:solidFill>
-              </a:rPr>
-              <a:t>visibility: </a:t>
-            </a:r>
-            <a:r>
-              <a:rPr lang="en-US" sz="5400" i="1" dirty="0" smtClean="0">
-                <a:solidFill>
-                  <a:srgbClr val="00B050"/>
-                </a:solidFill>
-              </a:rPr>
-              <a:t>hidden</a:t>
-            </a:r>
-            <a:r>
-              <a:rPr lang="en-US" sz="5400" i="1" dirty="0" smtClean="0">
-                <a:solidFill>
-                  <a:schemeClr val="tx1">
-                    <a:lumMod val="95000"/>
-                  </a:schemeClr>
-                </a:solidFill>
-              </a:rPr>
-              <a:t>;</a:t>
+              <a:rPr lang="en-US" sz="11500" dirty="0" smtClean="0">
+                <a:solidFill>
+                  <a:srgbClr val="00B0F0"/>
+                </a:solidFill>
+              </a:rPr>
+              <a:t>Box Model</a:t>
+            </a:r>
+          </a:p>
+          <a:p>
+            <a:pPr algn="ctr"/>
+            <a:r>
+              <a:rPr lang="en-US" sz="5400" dirty="0" smtClean="0"/>
+              <a:t>(!important)</a:t>
             </a:r>
           </a:p>
         </p:txBody>
@@ -8302,7 +8169,7 @@
     </p:spTree>
     <p:extLst>
       <p:ext uri="{BB962C8B-B14F-4D97-AF65-F5344CB8AC3E}">
-        <p14:creationId xmlns:p14="http://schemas.microsoft.com/office/powerpoint/2010/main" val="1754351441"/>
+        <p14:creationId xmlns:p14="http://schemas.microsoft.com/office/powerpoint/2010/main" val="2109212291"/>
       </p:ext>
     </p:extLst>
   </p:cSld>
@@ -8344,8 +8211,8 @@
         </p:nvSpPr>
         <p:spPr>
           <a:xfrm>
-            <a:off x="803564" y="2590800"/>
-            <a:ext cx="7620000" cy="1754326"/>
+            <a:off x="803564" y="2107555"/>
+            <a:ext cx="7620000" cy="2585323"/>
           </a:xfrm>
           <a:prstGeom prst="rect">
             <a:avLst/>
@@ -8365,7 +8232,7 @@
                   <a:srgbClr val="FFFF00"/>
                 </a:solidFill>
               </a:rPr>
-              <a:t>float: </a:t>
+              <a:t>display: </a:t>
             </a:r>
             <a:r>
               <a:rPr lang="en-US" sz="5400" i="1" dirty="0" smtClean="0">
@@ -8373,7 +8240,26 @@
                   <a:srgbClr val="00B050"/>
                 </a:solidFill>
               </a:rPr>
-              <a:t>left</a:t>
+              <a:t>block;</a:t>
+            </a:r>
+          </a:p>
+          <a:p>
+            <a:pPr algn="ctr"/>
+            <a:r>
+              <a:rPr lang="en-US" sz="5400" i="1" dirty="0" smtClean="0">
+                <a:solidFill>
+                  <a:srgbClr val="FFFF00"/>
+                </a:solidFill>
+              </a:rPr>
+              <a:t>height: </a:t>
+            </a:r>
+            <a:r>
+              <a:rPr lang="en-US" sz="5400" i="1" dirty="0" smtClean="0">
+                <a:solidFill>
+                  <a:srgbClr val="00B050"/>
+                </a:solidFill>
+              </a:rPr>
+              <a:t>50px</a:t>
             </a:r>
             <a:r>
               <a:rPr lang="en-US" sz="5400" i="1" dirty="0" smtClean="0"/>
@@ -8388,7 +8274,7 @@
                   <a:srgbClr val="FFFF00"/>
                 </a:solidFill>
               </a:rPr>
-              <a:t>clear: </a:t>
+              <a:t>width: </a:t>
             </a:r>
             <a:r>
               <a:rPr lang="en-US" sz="5400" i="1" dirty="0" smtClean="0">
@@ -8396,19 +8282,20 @@
                   <a:srgbClr val="00B050"/>
                 </a:solidFill>
               </a:rPr>
-              <a:t>both</a:t>
+              <a:t>50px</a:t>
             </a:r>
             <a:r>
               <a:rPr lang="en-US" sz="5400" i="1" dirty="0" smtClean="0"/>
               <a:t>;</a:t>
             </a:r>
+            <a:endParaRPr lang="en-US" sz="5400" i="1" dirty="0"/>
           </a:p>
         </p:txBody>
       </p:sp>
     </p:spTree>
     <p:extLst>
       <p:ext uri="{BB962C8B-B14F-4D97-AF65-F5344CB8AC3E}">
-        <p14:creationId xmlns:p14="http://schemas.microsoft.com/office/powerpoint/2010/main" val="1363097861"/>
+        <p14:creationId xmlns:p14="http://schemas.microsoft.com/office/powerpoint/2010/main" val="2759055379"/>
       </p:ext>
     </p:extLst>
   </p:cSld>
@@ -8526,8 +8413,8 @@
         </p:nvSpPr>
         <p:spPr>
           <a:xfrm>
-            <a:off x="685800" y="2523964"/>
-            <a:ext cx="7620000" cy="1862048"/>
+            <a:off x="803564" y="1392972"/>
+            <a:ext cx="7620000" cy="4093428"/>
           </a:xfrm>
           <a:prstGeom prst="rect">
             <a:avLst/>
@@ -8542,25 +8429,117 @@
           <a:p>
             <a:pPr algn="ctr"/>
             <a:r>
-              <a:rPr lang="en-US" sz="11500" dirty="0" smtClean="0">
+              <a:rPr lang="en-US" sz="5400" i="1" dirty="0" smtClean="0">
                 <a:solidFill>
                   <a:srgbClr val="FFFF00"/>
                 </a:solidFill>
               </a:rPr>
-              <a:t>DEMO</a:t>
-            </a:r>
-            <a:endParaRPr lang="en-US" sz="4800" dirty="0" smtClean="0">
-              <a:solidFill>
-                <a:srgbClr val="FFFF00"/>
-              </a:solidFill>
-            </a:endParaRPr>
+              <a:t>margin: </a:t>
+            </a:r>
+            <a:r>
+              <a:rPr lang="en-US" sz="5400" i="1" dirty="0" smtClean="0">
+                <a:solidFill>
+                  <a:srgbClr val="00B050"/>
+                </a:solidFill>
+              </a:rPr>
+              <a:t>20px</a:t>
+            </a:r>
+            <a:r>
+              <a:rPr lang="en-US" sz="5400" i="1" dirty="0" smtClean="0"/>
+              <a:t>;</a:t>
+            </a:r>
+          </a:p>
+          <a:p>
+            <a:pPr algn="ctr"/>
+            <a:r>
+              <a:rPr lang="en-US" sz="5400" i="1" dirty="0" smtClean="0">
+                <a:solidFill>
+                  <a:srgbClr val="FFFF00"/>
+                </a:solidFill>
+              </a:rPr>
+              <a:t>padding: </a:t>
+            </a:r>
+            <a:r>
+              <a:rPr lang="en-US" sz="5400" i="1" dirty="0" smtClean="0">
+                <a:solidFill>
+                  <a:srgbClr val="00B050"/>
+                </a:solidFill>
+              </a:rPr>
+              <a:t>20px</a:t>
+            </a:r>
+            <a:r>
+              <a:rPr lang="en-US" sz="5400" i="1" dirty="0" smtClean="0"/>
+              <a:t>;</a:t>
+            </a:r>
+          </a:p>
+          <a:p>
+            <a:pPr algn="ctr"/>
+            <a:endParaRPr lang="en-US" sz="4400" i="1" dirty="0"/>
+          </a:p>
+          <a:p>
+            <a:pPr algn="ctr"/>
+            <a:r>
+              <a:rPr lang="en-US" sz="5400" i="1" dirty="0">
+                <a:solidFill>
+                  <a:srgbClr val="FFFF00"/>
+                </a:solidFill>
+              </a:rPr>
+              <a:t>overflow: </a:t>
+            </a:r>
+            <a:r>
+              <a:rPr lang="en-US" sz="5400" i="1" dirty="0" smtClean="0">
+                <a:solidFill>
+                  <a:srgbClr val="00B050"/>
+                </a:solidFill>
+              </a:rPr>
+              <a:t>visible</a:t>
+            </a:r>
+            <a:r>
+              <a:rPr lang="en-US" sz="5400" i="1" dirty="0" smtClean="0">
+                <a:solidFill>
+                  <a:schemeClr val="tx1">
+                    <a:lumMod val="95000"/>
+                  </a:schemeClr>
+                </a:solidFill>
+              </a:rPr>
+              <a:t>;</a:t>
+            </a:r>
+          </a:p>
+          <a:p>
+            <a:pPr algn="ctr"/>
+            <a:r>
+              <a:rPr lang="en-US" sz="5400" i="1" dirty="0" smtClean="0">
+                <a:solidFill>
+                  <a:srgbClr val="FFFF00"/>
+                </a:solidFill>
+              </a:rPr>
+              <a:t>visibility: </a:t>
+            </a:r>
+            <a:r>
+              <a:rPr lang="en-US" sz="5400" i="1" dirty="0" smtClean="0">
+                <a:solidFill>
+                  <a:srgbClr val="00B050"/>
+                </a:solidFill>
+              </a:rPr>
+              <a:t>hidden</a:t>
+            </a:r>
+            <a:r>
+              <a:rPr lang="en-US" sz="5400" i="1" dirty="0" smtClean="0">
+                <a:solidFill>
+                  <a:schemeClr val="tx1">
+                    <a:lumMod val="95000"/>
+                  </a:schemeClr>
+                </a:solidFill>
+              </a:rPr>
+              <a:t>;</a:t>
+            </a:r>
           </a:p>
         </p:txBody>
       </p:sp>
     </p:spTree>
     <p:extLst>
       <p:ext uri="{BB962C8B-B14F-4D97-AF65-F5344CB8AC3E}">
-        <p14:creationId xmlns:p14="http://schemas.microsoft.com/office/powerpoint/2010/main" val="138788744"/>
+        <p14:creationId xmlns:p14="http://schemas.microsoft.com/office/powerpoint/2010/main" val="1754351441"/>
       </p:ext>
     </p:extLst>
   </p:cSld>
@@ -8602,8 +8581,8 @@
         </p:nvSpPr>
         <p:spPr>
           <a:xfrm>
-            <a:off x="762000" y="1939022"/>
-            <a:ext cx="7620000" cy="2785378"/>
+            <a:off x="803564" y="2590800"/>
+            <a:ext cx="7620000" cy="1754326"/>
           </a:xfrm>
           <a:prstGeom prst="rect">
             <a:avLst/>
@@ -8618,28 +8597,55 @@
           <a:p>
             <a:pPr algn="ctr"/>
             <a:r>
-              <a:rPr lang="en-US" sz="11500" dirty="0" smtClean="0">
-                <a:solidFill>
-                  <a:srgbClr val="00B0F0"/>
-                </a:solidFill>
-              </a:rPr>
-              <a:t>Positioning</a:t>
-            </a:r>
-          </a:p>
-          <a:p>
-            <a:pPr algn="ctr"/>
-            <a:r>
-              <a:rPr lang="en-US" sz="5400" dirty="0" smtClean="0"/>
-              <a:t>(!important)</a:t>
-            </a:r>
-            <a:endParaRPr lang="en-US" sz="5400" dirty="0" smtClean="0"/>
+              <a:rPr lang="en-US" sz="5400" i="1" dirty="0" smtClean="0">
+                <a:solidFill>
+                  <a:srgbClr val="FFFF00"/>
+                </a:solidFill>
+              </a:rPr>
+              <a:t>float: </a:t>
+            </a:r>
+            <a:r>
+              <a:rPr lang="en-US" sz="5400" i="1" dirty="0" smtClean="0">
+                <a:solidFill>
+                  <a:srgbClr val="00B050"/>
+                </a:solidFill>
+              </a:rPr>
+              <a:t>left</a:t>
+            </a:r>
+            <a:r>
+              <a:rPr lang="en-US" sz="5400" i="1" dirty="0" smtClean="0"/>
+              <a:t>;</a:t>
+            </a:r>
+          </a:p>
+          <a:p>
+            <a:pPr algn="ctr"/>
+            <a:r>
+              <a:rPr lang="en-US" sz="5400" i="1" dirty="0" smtClean="0">
+                <a:solidFill>
+                  <a:srgbClr val="FFFF00"/>
+                </a:solidFill>
+              </a:rPr>
+              <a:t>clear: </a:t>
+            </a:r>
+            <a:r>
+              <a:rPr lang="en-US" sz="5400" i="1" dirty="0" smtClean="0">
+                <a:solidFill>
+                  <a:srgbClr val="00B050"/>
+                </a:solidFill>
+              </a:rPr>
+              <a:t>both</a:t>
+            </a:r>
+            <a:r>
+              <a:rPr lang="en-US" sz="5400" i="1" dirty="0" smtClean="0"/>
+              <a:t>;</a:t>
+            </a:r>
           </a:p>
         </p:txBody>
       </p:sp>
     </p:spTree>
     <p:extLst>
       <p:ext uri="{BB962C8B-B14F-4D97-AF65-F5344CB8AC3E}">
-        <p14:creationId xmlns:p14="http://schemas.microsoft.com/office/powerpoint/2010/main" val="1530872543"/>
+        <p14:creationId xmlns:p14="http://schemas.microsoft.com/office/powerpoint/2010/main" val="1363097861"/>
       </p:ext>
     </p:extLst>
   </p:cSld>
@@ -8681,8 +8687,8 @@
         </p:nvSpPr>
         <p:spPr>
           <a:xfrm>
-            <a:off x="762000" y="152400"/>
-            <a:ext cx="7620000" cy="6586418"/>
+            <a:off x="685800" y="2523964"/>
+            <a:ext cx="7620000" cy="1862048"/>
           </a:xfrm>
           <a:prstGeom prst="rect">
             <a:avLst/>
@@ -8697,189 +8703,16 @@
           <a:p>
             <a:pPr algn="ctr"/>
             <a:r>
-              <a:rPr lang="en-US" sz="5400" i="1" dirty="0" smtClean="0">
+              <a:rPr lang="en-US" sz="11500" dirty="0" smtClean="0">
                 <a:solidFill>
                   <a:srgbClr val="FFFF00"/>
                 </a:solidFill>
               </a:rPr>
-              <a:t>position: </a:t>
-            </a:r>
-            <a:r>
-              <a:rPr lang="en-US" sz="5400" i="1" dirty="0" smtClean="0">
-                <a:solidFill>
-                  <a:srgbClr val="00B050"/>
-                </a:solidFill>
-              </a:rPr>
-              <a:t>absolute</a:t>
-            </a:r>
-            <a:r>
-              <a:rPr lang="en-US" sz="5400" i="1" dirty="0" smtClean="0"/>
-              <a:t>;</a:t>
-            </a:r>
-          </a:p>
-          <a:p>
-            <a:pPr algn="ctr"/>
-            <a:endParaRPr lang="en-US" sz="4400" i="1" dirty="0"/>
-          </a:p>
-          <a:p>
-            <a:pPr algn="ctr"/>
-            <a:r>
-              <a:rPr lang="en-US" sz="5400" i="1" dirty="0" smtClean="0">
-                <a:solidFill>
-                  <a:srgbClr val="FFFF00"/>
-                </a:solidFill>
-              </a:rPr>
-              <a:t>left: </a:t>
-            </a:r>
-            <a:r>
-              <a:rPr lang="en-US" sz="5400" i="1" dirty="0" smtClean="0">
-                <a:solidFill>
-                  <a:srgbClr val="00B050"/>
-                </a:solidFill>
-              </a:rPr>
-              <a:t>5px</a:t>
-            </a:r>
-            <a:r>
-              <a:rPr lang="en-US" sz="5400" i="1" dirty="0" smtClean="0">
-                <a:solidFill>
-                  <a:schemeClr val="tx1">
-                    <a:lumMod val="95000"/>
-                  </a:schemeClr>
-                </a:solidFill>
-              </a:rPr>
-              <a:t>;</a:t>
-            </a:r>
-          </a:p>
-          <a:p>
-            <a:pPr algn="ctr"/>
-            <a:r>
-              <a:rPr lang="en-US" sz="5400" i="1" dirty="0" smtClean="0">
-                <a:solidFill>
-                  <a:srgbClr val="FFFF00"/>
-                </a:solidFill>
-              </a:rPr>
-              <a:t>right: </a:t>
-            </a:r>
-            <a:r>
-              <a:rPr lang="en-US" sz="5400" i="1" dirty="0" smtClean="0">
-                <a:solidFill>
-                  <a:srgbClr val="00B050"/>
-                </a:solidFill>
-              </a:rPr>
-              <a:t>5px</a:t>
-            </a:r>
-            <a:r>
-              <a:rPr lang="en-US" sz="5400" i="1" dirty="0" smtClean="0">
-                <a:solidFill>
-                  <a:schemeClr val="tx1">
-                    <a:lumMod val="95000"/>
-                  </a:schemeClr>
-                </a:solidFill>
-              </a:rPr>
-              <a:t>;</a:t>
-            </a:r>
-          </a:p>
-          <a:p>
-            <a:pPr algn="ctr"/>
-            <a:r>
-              <a:rPr lang="en-US" sz="5400" i="1" dirty="0" smtClean="0">
-                <a:solidFill>
-                  <a:srgbClr val="FFFF00"/>
-                </a:solidFill>
-              </a:rPr>
-              <a:t>top: </a:t>
-            </a:r>
-            <a:r>
-              <a:rPr lang="en-US" sz="5400" i="1" dirty="0">
-                <a:solidFill>
-                  <a:srgbClr val="00B050"/>
-                </a:solidFill>
-              </a:rPr>
-              <a:t>5px</a:t>
-            </a:r>
-            <a:r>
-              <a:rPr lang="en-US" sz="5400" i="1" dirty="0">
-                <a:solidFill>
-                  <a:schemeClr val="tx1">
-                    <a:lumMod val="95000"/>
-                  </a:schemeClr>
-                </a:solidFill>
-              </a:rPr>
-              <a:t>;</a:t>
-            </a:r>
-          </a:p>
-          <a:p>
-            <a:pPr algn="ctr"/>
-            <a:r>
-              <a:rPr lang="en-US" sz="5400" i="1" dirty="0" smtClean="0">
-                <a:solidFill>
-                  <a:srgbClr val="FFFF00"/>
-                </a:solidFill>
-              </a:rPr>
-              <a:t>bottom: </a:t>
-            </a:r>
-            <a:r>
-              <a:rPr lang="en-US" sz="5400" i="1" dirty="0">
-                <a:solidFill>
-                  <a:srgbClr val="00B050"/>
-                </a:solidFill>
-              </a:rPr>
-              <a:t>5px</a:t>
-            </a:r>
-            <a:r>
-              <a:rPr lang="en-US" sz="5400" i="1" dirty="0" smtClean="0">
-                <a:solidFill>
-                  <a:schemeClr val="tx1">
-                    <a:lumMod val="95000"/>
-                  </a:schemeClr>
-                </a:solidFill>
-              </a:rPr>
-              <a:t>;</a:t>
-            </a:r>
-          </a:p>
-          <a:p>
-            <a:pPr algn="ctr"/>
-            <a:endParaRPr lang="en-US" sz="5400" i="1" dirty="0">
+              <a:t>DEMO</a:t>
+            </a:r>
+            <a:endParaRPr lang="en-US" sz="4800" dirty="0" smtClean="0">
               <a:solidFill>
-                <a:schemeClr val="tx1">
-                  <a:lumMod val="95000"/>
-                </a:schemeClr>
-              </a:solidFill>
-            </a:endParaRPr>
-          </a:p>
-          <a:p>
-            <a:pPr algn="ctr"/>
-            <a:r>
-              <a:rPr lang="en-US" sz="5400" i="1" dirty="0" smtClean="0">
-                <a:solidFill>
-                  <a:srgbClr val="FFFF00"/>
-                </a:solidFill>
-              </a:rPr>
-              <a:t>z-index: </a:t>
-            </a:r>
-            <a:r>
-              <a:rPr lang="en-US" sz="5400" i="1" dirty="0" smtClean="0">
-                <a:solidFill>
-                  <a:srgbClr val="00B050"/>
-                </a:solidFill>
-              </a:rPr>
-              <a:t>1</a:t>
-            </a:r>
-            <a:r>
-              <a:rPr lang="en-US" sz="5400" i="1" dirty="0" smtClean="0">
-                <a:solidFill>
-                  <a:schemeClr val="tx1">
-                    <a:lumMod val="95000"/>
-                  </a:schemeClr>
-                </a:solidFill>
-              </a:rPr>
-              <a:t>;</a:t>
-            </a:r>
-            <a:endParaRPr lang="en-US" sz="5400" i="1" dirty="0">
-              <a:solidFill>
-                <a:schemeClr val="tx1">
-                  <a:lumMod val="95000"/>
-                </a:schemeClr>
+                <a:srgbClr val="FFFF00"/>
               </a:solidFill>
             </a:endParaRPr>
           </a:p>
@@ -8888,7 +8721,7 @@
     </p:spTree>
     <p:extLst>
       <p:ext uri="{BB962C8B-B14F-4D97-AF65-F5344CB8AC3E}">
-        <p14:creationId xmlns:p14="http://schemas.microsoft.com/office/powerpoint/2010/main" val="2115067458"/>
+        <p14:creationId xmlns:p14="http://schemas.microsoft.com/office/powerpoint/2010/main" val="138788744"/>
       </p:ext>
     </p:extLst>
   </p:cSld>
@@ -8930,6 +8763,333 @@
         </p:nvSpPr>
         <p:spPr>
           <a:xfrm>
+            <a:off x="762000" y="1939022"/>
+            <a:ext cx="7620000" cy="2785378"/>
+          </a:xfrm>
+          <a:prstGeom prst="rect">
+            <a:avLst/>
+          </a:prstGeom>
+          <a:noFill/>
+        </p:spPr>
+        <p:txBody>
+          <a:bodyPr wrap="square" rtlCol="0">
+            <a:spAutoFit/>
+          </a:bodyPr>
+          <a:lstStyle/>
+          <a:p>
+            <a:pPr algn="ctr"/>
+            <a:r>
+              <a:rPr lang="en-US" sz="11500" dirty="0" smtClean="0">
+                <a:solidFill>
+                  <a:srgbClr val="00B0F0"/>
+                </a:solidFill>
+              </a:rPr>
+              <a:t>Positioning</a:t>
+            </a:r>
+          </a:p>
+          <a:p>
+            <a:pPr algn="ctr"/>
+            <a:r>
+              <a:rPr lang="en-US" sz="5400" dirty="0" smtClean="0"/>
+              <a:t>(!important)</a:t>
+            </a:r>
+          </a:p>
+        </p:txBody>
+      </p:sp>
+    </p:spTree>
+    <p:extLst>
+      <p:ext uri="{BB962C8B-B14F-4D97-AF65-F5344CB8AC3E}">
+        <p14:creationId xmlns:p14="http://schemas.microsoft.com/office/powerpoint/2010/main" val="1530872543"/>
+      </p:ext>
+    </p:extLst>
+  </p:cSld>
+  <p:clrMapOvr>
+    <a:masterClrMapping/>
+  </p:clrMapOvr>
+  <p:timing>
+    <p:tnLst>
+      <p:par>
+        <p:cTn id="1" dur="indefinite" restart="never" nodeType="tmRoot"/>
+      </p:par>
+    </p:tnLst>
+  </p:timing>
+</p:sld>
+</file>
+
+<file path=ppt/slides/slide64.xml><?xml version="1.0" encoding="utf-8"?>
+<p:sld xmlns:a="http://schemas.openxmlformats.org/drawingml/2006/main" xmlns:r="http://schemas.openxmlformats.org/officeDocument/2006/relationships" xmlns:p="http://schemas.openxmlformats.org/presentationml/2006/main">
+  <p:cSld>
+    <p:spTree>
+      <p:nvGrpSpPr>
+        <p:cNvPr id="1" name=""/>
+        <p:cNvGrpSpPr/>
+        <p:nvPr/>
+      </p:nvGrpSpPr>
+      <p:grpSpPr>
+        <a:xfrm>
+          <a:off x="0" y="0"/>
+          <a:ext cx="0" cy="0"/>
+          <a:chOff x="0" y="0"/>
+          <a:chExt cx="0" cy="0"/>
+        </a:xfrm>
+      </p:grpSpPr>
+      <p:sp>
+        <p:nvSpPr>
+          <p:cNvPr id="4" name="TextBox 3"/>
+          <p:cNvSpPr txBox="1"/>
+          <p:nvPr/>
+        </p:nvSpPr>
+        <p:spPr>
+          <a:xfrm>
+            <a:off x="762000" y="152400"/>
+            <a:ext cx="7620000" cy="6586418"/>
+          </a:xfrm>
+          <a:prstGeom prst="rect">
+            <a:avLst/>
+          </a:prstGeom>
+          <a:noFill/>
+        </p:spPr>
+        <p:txBody>
+          <a:bodyPr wrap="square" rtlCol="0">
+            <a:spAutoFit/>
+          </a:bodyPr>
+          <a:lstStyle/>
+          <a:p>
+            <a:pPr algn="ctr"/>
+            <a:r>
+              <a:rPr lang="en-US" sz="5400" i="1" dirty="0" smtClean="0">
+                <a:solidFill>
+                  <a:srgbClr val="FFFF00"/>
+                </a:solidFill>
+              </a:rPr>
+              <a:t>position: </a:t>
+            </a:r>
+            <a:r>
+              <a:rPr lang="en-US" sz="5400" i="1" dirty="0" smtClean="0">
+                <a:solidFill>
+                  <a:srgbClr val="00B050"/>
+                </a:solidFill>
+              </a:rPr>
+              <a:t>absolute</a:t>
+            </a:r>
+            <a:r>
+              <a:rPr lang="en-US" sz="5400" i="1" dirty="0" smtClean="0"/>
+              <a:t>;</a:t>
+            </a:r>
+          </a:p>
+          <a:p>
+            <a:pPr algn="ctr"/>
+            <a:endParaRPr lang="en-US" sz="4400" i="1" dirty="0"/>
+          </a:p>
+          <a:p>
+            <a:pPr algn="ctr"/>
+            <a:r>
+              <a:rPr lang="en-US" sz="5400" i="1" dirty="0" smtClean="0">
+                <a:solidFill>
+                  <a:srgbClr val="FFFF00"/>
+                </a:solidFill>
+              </a:rPr>
+              <a:t>left: </a:t>
+            </a:r>
+            <a:r>
+              <a:rPr lang="en-US" sz="5400" i="1" dirty="0" smtClean="0">
+                <a:solidFill>
+                  <a:srgbClr val="00B050"/>
+                </a:solidFill>
+              </a:rPr>
+              <a:t>5px</a:t>
+            </a:r>
+            <a:r>
+              <a:rPr lang="en-US" sz="5400" i="1" dirty="0" smtClean="0">
+                <a:solidFill>
+                  <a:schemeClr val="tx1">
+                    <a:lumMod val="95000"/>
+                  </a:schemeClr>
+                </a:solidFill>
+              </a:rPr>
+              <a:t>;</a:t>
+            </a:r>
+          </a:p>
+          <a:p>
+            <a:pPr algn="ctr"/>
+            <a:r>
+              <a:rPr lang="en-US" sz="5400" i="1" dirty="0" smtClean="0">
+                <a:solidFill>
+                  <a:srgbClr val="FFFF00"/>
+                </a:solidFill>
+              </a:rPr>
+              <a:t>right: </a:t>
+            </a:r>
+            <a:r>
+              <a:rPr lang="en-US" sz="5400" i="1" dirty="0" smtClean="0">
+                <a:solidFill>
+                  <a:srgbClr val="00B050"/>
+                </a:solidFill>
+              </a:rPr>
+              <a:t>5px</a:t>
+            </a:r>
+            <a:r>
+              <a:rPr lang="en-US" sz="5400" i="1" dirty="0" smtClean="0">
+                <a:solidFill>
+                  <a:schemeClr val="tx1">
+                    <a:lumMod val="95000"/>
+                  </a:schemeClr>
+                </a:solidFill>
+              </a:rPr>
+              <a:t>;</a:t>
+            </a:r>
+          </a:p>
+          <a:p>
+            <a:pPr algn="ctr"/>
+            <a:r>
+              <a:rPr lang="en-US" sz="5400" i="1" dirty="0" smtClean="0">
+                <a:solidFill>
+                  <a:srgbClr val="FFFF00"/>
+                </a:solidFill>
+              </a:rPr>
+              <a:t>top: </a:t>
+            </a:r>
+            <a:r>
+              <a:rPr lang="en-US" sz="5400" i="1" dirty="0">
+                <a:solidFill>
+                  <a:srgbClr val="00B050"/>
+                </a:solidFill>
+              </a:rPr>
+              <a:t>5px</a:t>
+            </a:r>
+            <a:r>
+              <a:rPr lang="en-US" sz="5400" i="1" dirty="0">
+                <a:solidFill>
+                  <a:schemeClr val="tx1">
+                    <a:lumMod val="95000"/>
+                  </a:schemeClr>
+                </a:solidFill>
+              </a:rPr>
+              <a:t>;</a:t>
+            </a:r>
+          </a:p>
+          <a:p>
+            <a:pPr algn="ctr"/>
+            <a:r>
+              <a:rPr lang="en-US" sz="5400" i="1" dirty="0" smtClean="0">
+                <a:solidFill>
+                  <a:srgbClr val="FFFF00"/>
+                </a:solidFill>
+              </a:rPr>
+              <a:t>bottom: </a:t>
+            </a:r>
+            <a:r>
+              <a:rPr lang="en-US" sz="5400" i="1" dirty="0">
+                <a:solidFill>
+                  <a:srgbClr val="00B050"/>
+                </a:solidFill>
+              </a:rPr>
+              <a:t>5px</a:t>
+            </a:r>
+            <a:r>
+              <a:rPr lang="en-US" sz="5400" i="1" dirty="0" smtClean="0">
+                <a:solidFill>
+                  <a:schemeClr val="tx1">
+                    <a:lumMod val="95000"/>
+                  </a:schemeClr>
+                </a:solidFill>
+              </a:rPr>
+              <a:t>;</a:t>
+            </a:r>
+          </a:p>
+          <a:p>
+            <a:pPr algn="ctr"/>
+            <a:endParaRPr lang="en-US" sz="5400" i="1" dirty="0">
+              <a:solidFill>
+                <a:schemeClr val="tx1">
+                  <a:lumMod val="95000"/>
+                </a:schemeClr>
+              </a:solidFill>
+            </a:endParaRPr>
+          </a:p>
+          <a:p>
+            <a:pPr algn="ctr"/>
+            <a:r>
+              <a:rPr lang="en-US" sz="5400" i="1" dirty="0" smtClean="0">
+                <a:solidFill>
+                  <a:srgbClr val="FFFF00"/>
+                </a:solidFill>
+              </a:rPr>
+              <a:t>z-index: </a:t>
+            </a:r>
+            <a:r>
+              <a:rPr lang="en-US" sz="5400" i="1" dirty="0" smtClean="0">
+                <a:solidFill>
+                  <a:srgbClr val="00B050"/>
+                </a:solidFill>
+              </a:rPr>
+              <a:t>1</a:t>
+            </a:r>
+            <a:r>
+              <a:rPr lang="en-US" sz="5400" i="1" dirty="0" smtClean="0">
+                <a:solidFill>
+                  <a:schemeClr val="tx1">
+                    <a:lumMod val="95000"/>
+                  </a:schemeClr>
+                </a:solidFill>
+              </a:rPr>
+              <a:t>;</a:t>
+            </a:r>
+            <a:endParaRPr lang="en-US" sz="5400" i="1" dirty="0">
+              <a:solidFill>
+                <a:schemeClr val="tx1">
+                  <a:lumMod val="95000"/>
+                </a:schemeClr>
+              </a:solidFill>
+            </a:endParaRPr>
+          </a:p>
+        </p:txBody>
+      </p:sp>
+    </p:spTree>
+    <p:extLst>
+      <p:ext uri="{BB962C8B-B14F-4D97-AF65-F5344CB8AC3E}">
+        <p14:creationId xmlns:p14="http://schemas.microsoft.com/office/powerpoint/2010/main" val="2115067458"/>
+      </p:ext>
+    </p:extLst>
+  </p:cSld>
+  <p:clrMapOvr>
+    <a:masterClrMapping/>
+  </p:clrMapOvr>
+  <p:timing>
+    <p:tnLst>
+      <p:par>
+        <p:cTn id="1" dur="indefinite" restart="never" nodeType="tmRoot"/>
+      </p:par>
+    </p:tnLst>
+  </p:timing>
+</p:sld>
+</file>
+
+<file path=ppt/slides/slide65.xml><?xml version="1.0" encoding="utf-8"?>
+<p:sld xmlns:a="http://schemas.openxmlformats.org/drawingml/2006/main" xmlns:r="http://schemas.openxmlformats.org/officeDocument/2006/relationships" xmlns:p="http://schemas.openxmlformats.org/presentationml/2006/main">
+  <p:cSld>
+    <p:spTree>
+      <p:nvGrpSpPr>
+        <p:cNvPr id="1" name=""/>
+        <p:cNvGrpSpPr/>
+        <p:nvPr/>
+      </p:nvGrpSpPr>
+      <p:grpSpPr>
+        <a:xfrm>
+          <a:off x="0" y="0"/>
+          <a:ext cx="0" cy="0"/>
+          <a:chOff x="0" y="0"/>
+          <a:chExt cx="0" cy="0"/>
+        </a:xfrm>
+      </p:grpSpPr>
+      <p:sp>
+        <p:nvSpPr>
+          <p:cNvPr id="4" name="TextBox 3"/>
+          <p:cNvSpPr txBox="1"/>
+          <p:nvPr/>
+        </p:nvSpPr>
+        <p:spPr>
+          <a:xfrm>
             <a:off x="685800" y="2523964"/>
             <a:ext cx="7620000" cy="1862048"/>
           </a:xfrm>
@@ -8965,6 +9125,253 @@
     <p:extLst>
       <p:ext uri="{BB962C8B-B14F-4D97-AF65-F5344CB8AC3E}">
         <p14:creationId xmlns:p14="http://schemas.microsoft.com/office/powerpoint/2010/main" val="138788744"/>
+      </p:ext>
+    </p:extLst>
+  </p:cSld>
+  <p:clrMapOvr>
+    <a:masterClrMapping/>
+  </p:clrMapOvr>
+  <p:timing>
+    <p:tnLst>
+      <p:par>
+        <p:cTn id="1" dur="indefinite" restart="never" nodeType="tmRoot"/>
+      </p:par>
+    </p:tnLst>
+  </p:timing>
+</p:sld>
+</file>
+
+<file path=ppt/slides/slide66.xml><?xml version="1.0" encoding="utf-8"?>
+<p:sld xmlns:a="http://schemas.openxmlformats.org/drawingml/2006/main" xmlns:r="http://schemas.openxmlformats.org/officeDocument/2006/relationships" xmlns:p="http://schemas.openxmlformats.org/presentationml/2006/main">
+  <p:cSld>
+    <p:spTree>
+      <p:nvGrpSpPr>
+        <p:cNvPr id="1" name=""/>
+        <p:cNvGrpSpPr/>
+        <p:nvPr/>
+      </p:nvGrpSpPr>
+      <p:grpSpPr>
+        <a:xfrm>
+          <a:off x="0" y="0"/>
+          <a:ext cx="0" cy="0"/>
+          <a:chOff x="0" y="0"/>
+          <a:chExt cx="0" cy="0"/>
+        </a:xfrm>
+      </p:grpSpPr>
+      <p:sp>
+        <p:nvSpPr>
+          <p:cNvPr id="4" name="TextBox 3"/>
+          <p:cNvSpPr txBox="1"/>
+          <p:nvPr/>
+        </p:nvSpPr>
+        <p:spPr>
+          <a:xfrm>
+            <a:off x="810491" y="1101328"/>
+            <a:ext cx="7620000" cy="4308872"/>
+          </a:xfrm>
+          <a:prstGeom prst="rect">
+            <a:avLst/>
+          </a:prstGeom>
+          <a:noFill/>
+        </p:spPr>
+        <p:txBody>
+          <a:bodyPr wrap="square" rtlCol="0">
+            <a:spAutoFit/>
+          </a:bodyPr>
+          <a:lstStyle/>
+          <a:p>
+            <a:pPr algn="ctr"/>
+            <a:r>
+              <a:rPr lang="en-US" sz="11500" dirty="0" smtClean="0">
+                <a:solidFill>
+                  <a:schemeClr val="accent6">
+                    <a:lumMod val="75000"/>
+                  </a:schemeClr>
+                </a:solidFill>
+              </a:rPr>
+              <a:t>CSS Specificity</a:t>
+            </a:r>
+          </a:p>
+          <a:p>
+            <a:pPr algn="ctr"/>
+            <a:r>
+              <a:rPr lang="en-US" sz="4400" dirty="0" smtClean="0"/>
+              <a:t>(More Specific = Higher Priority)</a:t>
+            </a:r>
+          </a:p>
+        </p:txBody>
+      </p:sp>
+    </p:spTree>
+    <p:extLst>
+      <p:ext uri="{BB962C8B-B14F-4D97-AF65-F5344CB8AC3E}">
+        <p14:creationId xmlns:p14="http://schemas.microsoft.com/office/powerpoint/2010/main" val="1498101011"/>
+      </p:ext>
+    </p:extLst>
+  </p:cSld>
+  <p:clrMapOvr>
+    <a:masterClrMapping/>
+  </p:clrMapOvr>
+  <p:timing>
+    <p:tnLst>
+      <p:par>
+        <p:cTn id="1" dur="indefinite" restart="never" nodeType="tmRoot"/>
+      </p:par>
+    </p:tnLst>
+  </p:timing>
+</p:sld>
+</file>
+
+<file path=ppt/slides/slide67.xml><?xml version="1.0" encoding="utf-8"?>
+<p:sld xmlns:a="http://schemas.openxmlformats.org/drawingml/2006/main" xmlns:r="http://schemas.openxmlformats.org/officeDocument/2006/relationships" xmlns:p="http://schemas.openxmlformats.org/presentationml/2006/main">
+  <p:cSld>
+    <p:spTree>
+      <p:nvGrpSpPr>
+        <p:cNvPr id="1" name=""/>
+        <p:cNvGrpSpPr/>
+        <p:nvPr/>
+      </p:nvGrpSpPr>
+      <p:grpSpPr>
+        <a:xfrm>
+          <a:off x="0" y="0"/>
+          <a:ext cx="0" cy="0"/>
+          <a:chOff x="0" y="0"/>
+          <a:chExt cx="0" cy="0"/>
+        </a:xfrm>
+      </p:grpSpPr>
+      <p:pic>
+        <p:nvPicPr>
+          <p:cNvPr id="1026" name="Picture 2"/>
+          <p:cNvPicPr>
+            <a:picLocks noChangeAspect="1" noChangeArrowheads="1"/>
+          </p:cNvPicPr>
+          <p:nvPr/>
+        </p:nvPicPr>
+        <p:blipFill>
+          <a:blip r:embed="rId2">
+            <a:extLst>
+              <a:ext uri="{28A0092B-C50C-407E-A947-70E740481C1C}">
+                <a14:useLocalDpi xmlns:a14="http://schemas.microsoft.com/office/drawing/2010/main" val="0"/>
+              </a:ext>
+            </a:extLst>
+          </a:blip>
+          <a:srcRect/>
+          <a:stretch>
+            <a:fillRect/>
+          </a:stretch>
+        </p:blipFill>
+        <p:spPr bwMode="auto">
+          <a:xfrm>
+            <a:off x="685800" y="1347788"/>
+            <a:ext cx="7772400" cy="4162425"/>
+          </a:xfrm>
+          <a:prstGeom prst="rect">
+            <a:avLst/>
+          </a:prstGeom>
+          <a:noFill/>
+          <a:ln>
+            <a:noFill/>
+          </a:ln>
+          <a:extLst>
+            <a:ext uri="{909E8E84-426E-40DD-AFC4-6F175D3DCCD1}">
+              <a14:hiddenFill xmlns:a14="http://schemas.microsoft.com/office/drawing/2010/main">
+                <a:solidFill>
+                  <a:schemeClr val="accent1"/>
+                </a:solidFill>
+              </a14:hiddenFill>
+            </a:ext>
+            <a:ext uri="{91240B29-F687-4F45-9708-019B960494DF}">
+              <a14:hiddenLine xmlns:a14="http://schemas.microsoft.com/office/drawing/2010/main" w="9525">
+                <a:solidFill>
+                  <a:schemeClr val="tx1"/>
+                </a:solidFill>
+                <a:miter lim="800000"/>
+                <a:headEnd/>
+                <a:tailEnd/>
+              </a14:hiddenLine>
+            </a:ext>
+          </a:extLst>
+        </p:spPr>
+      </p:pic>
+    </p:spTree>
+    <p:extLst>
+      <p:ext uri="{BB962C8B-B14F-4D97-AF65-F5344CB8AC3E}">
+        <p14:creationId xmlns:p14="http://schemas.microsoft.com/office/powerpoint/2010/main" val="271065658"/>
+      </p:ext>
+    </p:extLst>
+  </p:cSld>
+  <p:clrMapOvr>
+    <a:masterClrMapping/>
+  </p:clrMapOvr>
+  <p:timing>
+    <p:tnLst>
+      <p:par>
+        <p:cTn id="1" dur="indefinite" restart="never" nodeType="tmRoot"/>
+      </p:par>
+    </p:tnLst>
+  </p:timing>
+</p:sld>
+</file>
+
+<file path=ppt/slides/slide68.xml><?xml version="1.0" encoding="utf-8"?>
+<p:sld xmlns:a="http://schemas.openxmlformats.org/drawingml/2006/main" xmlns:r="http://schemas.openxmlformats.org/officeDocument/2006/relationships" xmlns:p="http://schemas.openxmlformats.org/presentationml/2006/main">
+  <p:cSld>
+    <p:spTree>
+      <p:nvGrpSpPr>
+        <p:cNvPr id="1" name=""/>
+        <p:cNvGrpSpPr/>
+        <p:nvPr/>
+      </p:nvGrpSpPr>
+      <p:grpSpPr>
+        <a:xfrm>
+          <a:off x="0" y="0"/>
+          <a:ext cx="0" cy="0"/>
+          <a:chOff x="0" y="0"/>
+          <a:chExt cx="0" cy="0"/>
+        </a:xfrm>
+      </p:grpSpPr>
+      <p:sp>
+        <p:nvSpPr>
+          <p:cNvPr id="4" name="TextBox 3"/>
+          <p:cNvSpPr txBox="1"/>
+          <p:nvPr/>
+        </p:nvSpPr>
+        <p:spPr>
+          <a:xfrm>
+            <a:off x="685800" y="2523964"/>
+            <a:ext cx="7620000" cy="1862048"/>
+          </a:xfrm>
+          <a:prstGeom prst="rect">
+            <a:avLst/>
+          </a:prstGeom>
+          <a:noFill/>
+        </p:spPr>
+        <p:txBody>
+          <a:bodyPr wrap="square" rtlCol="0">
+            <a:spAutoFit/>
+          </a:bodyPr>
+          <a:lstStyle/>
+          <a:p>
+            <a:pPr algn="ctr"/>
+            <a:r>
+              <a:rPr lang="en-US" sz="11500" dirty="0" smtClean="0">
+                <a:solidFill>
+                  <a:srgbClr val="FFFF00"/>
+                </a:solidFill>
+              </a:rPr>
+              <a:t>DEMO</a:t>
+            </a:r>
+            <a:endParaRPr lang="en-US" sz="4800" dirty="0" smtClean="0">
+              <a:solidFill>
+                <a:srgbClr val="FFFF00"/>
+              </a:solidFill>
+            </a:endParaRPr>
+          </a:p>
+        </p:txBody>
+      </p:sp>
+    </p:spTree>
+    <p:extLst>
+      <p:ext uri="{BB962C8B-B14F-4D97-AF65-F5344CB8AC3E}">
+        <p14:creationId xmlns:p14="http://schemas.microsoft.com/office/powerpoint/2010/main" val="2468503566"/>
       </p:ext>
     </p:extLst>
   </p:cSld>
@@ -9140,7 +9547,6 @@
               <a:rPr lang="en-US" sz="4400" dirty="0" smtClean="0"/>
               <a:t>(Cascading Style Sheets)</a:t>
             </a:r>
-            <a:endParaRPr lang="en-US" sz="4400" dirty="0" smtClean="0"/>
           </a:p>
         </p:txBody>
       </p:sp>

--- a/CPEE1/02. Week 2/00. Presentation/Week 2.pptx
+++ b/CPEE1/02. Week 2/00. Presentation/Week 2.pptx
@@ -65,14 +65,17 @@
     <p:sldId id="342" r:id="rId59"/>
     <p:sldId id="343" r:id="rId60"/>
     <p:sldId id="344" r:id="rId61"/>
-    <p:sldId id="345" r:id="rId62"/>
-    <p:sldId id="359" r:id="rId63"/>
-    <p:sldId id="350" r:id="rId64"/>
-    <p:sldId id="351" r:id="rId65"/>
-    <p:sldId id="360" r:id="rId66"/>
-    <p:sldId id="362" r:id="rId67"/>
-    <p:sldId id="363" r:id="rId68"/>
-    <p:sldId id="364" r:id="rId69"/>
+    <p:sldId id="367" r:id="rId62"/>
+    <p:sldId id="345" r:id="rId63"/>
+    <p:sldId id="359" r:id="rId64"/>
+    <p:sldId id="350" r:id="rId65"/>
+    <p:sldId id="351" r:id="rId66"/>
+    <p:sldId id="368" r:id="rId67"/>
+    <p:sldId id="369" r:id="rId68"/>
+    <p:sldId id="360" r:id="rId69"/>
+    <p:sldId id="362" r:id="rId70"/>
+    <p:sldId id="363" r:id="rId71"/>
+    <p:sldId id="364" r:id="rId72"/>
   </p:sldIdLst>
   <p:sldSz cx="9144000" cy="6858000" type="screen4x3"/>
   <p:notesSz cx="6858000" cy="9144000"/>
@@ -355,7 +358,7 @@
           <a:p>
             <a:fld id="{713DCFBF-1251-4F71-8BFB-150CFD910DA2}" type="datetimeFigureOut">
               <a:rPr lang="en-US" smtClean="0"/>
-              <a:t>1/24/2018</a:t>
+              <a:t>1/25/2018</a:t>
             </a:fld>
             <a:endParaRPr lang="en-US"/>
           </a:p>
@@ -525,7 +528,7 @@
           <a:p>
             <a:fld id="{713DCFBF-1251-4F71-8BFB-150CFD910DA2}" type="datetimeFigureOut">
               <a:rPr lang="en-US" smtClean="0"/>
-              <a:t>1/24/2018</a:t>
+              <a:t>1/25/2018</a:t>
             </a:fld>
             <a:endParaRPr lang="en-US"/>
           </a:p>
@@ -705,7 +708,7 @@
           <a:p>
             <a:fld id="{713DCFBF-1251-4F71-8BFB-150CFD910DA2}" type="datetimeFigureOut">
               <a:rPr lang="en-US" smtClean="0"/>
-              <a:t>1/24/2018</a:t>
+              <a:t>1/25/2018</a:t>
             </a:fld>
             <a:endParaRPr lang="en-US"/>
           </a:p>
@@ -875,7 +878,7 @@
           <a:p>
             <a:fld id="{713DCFBF-1251-4F71-8BFB-150CFD910DA2}" type="datetimeFigureOut">
               <a:rPr lang="en-US" smtClean="0"/>
-              <a:t>1/24/2018</a:t>
+              <a:t>1/25/2018</a:t>
             </a:fld>
             <a:endParaRPr lang="en-US"/>
           </a:p>
@@ -1121,7 +1124,7 @@
           <a:p>
             <a:fld id="{713DCFBF-1251-4F71-8BFB-150CFD910DA2}" type="datetimeFigureOut">
               <a:rPr lang="en-US" smtClean="0"/>
-              <a:t>1/24/2018</a:t>
+              <a:t>1/25/2018</a:t>
             </a:fld>
             <a:endParaRPr lang="en-US"/>
           </a:p>
@@ -1409,7 +1412,7 @@
           <a:p>
             <a:fld id="{713DCFBF-1251-4F71-8BFB-150CFD910DA2}" type="datetimeFigureOut">
               <a:rPr lang="en-US" smtClean="0"/>
-              <a:t>1/24/2018</a:t>
+              <a:t>1/25/2018</a:t>
             </a:fld>
             <a:endParaRPr lang="en-US"/>
           </a:p>
@@ -1831,7 +1834,7 @@
           <a:p>
             <a:fld id="{713DCFBF-1251-4F71-8BFB-150CFD910DA2}" type="datetimeFigureOut">
               <a:rPr lang="en-US" smtClean="0"/>
-              <a:t>1/24/2018</a:t>
+              <a:t>1/25/2018</a:t>
             </a:fld>
             <a:endParaRPr lang="en-US"/>
           </a:p>
@@ -1949,7 +1952,7 @@
           <a:p>
             <a:fld id="{713DCFBF-1251-4F71-8BFB-150CFD910DA2}" type="datetimeFigureOut">
               <a:rPr lang="en-US" smtClean="0"/>
-              <a:t>1/24/2018</a:t>
+              <a:t>1/25/2018</a:t>
             </a:fld>
             <a:endParaRPr lang="en-US"/>
           </a:p>
@@ -2044,7 +2047,7 @@
           <a:p>
             <a:fld id="{713DCFBF-1251-4F71-8BFB-150CFD910DA2}" type="datetimeFigureOut">
               <a:rPr lang="en-US" smtClean="0"/>
-              <a:t>1/24/2018</a:t>
+              <a:t>1/25/2018</a:t>
             </a:fld>
             <a:endParaRPr lang="en-US"/>
           </a:p>
@@ -2321,7 +2324,7 @@
           <a:p>
             <a:fld id="{713DCFBF-1251-4F71-8BFB-150CFD910DA2}" type="datetimeFigureOut">
               <a:rPr lang="en-US" smtClean="0"/>
-              <a:t>1/24/2018</a:t>
+              <a:t>1/25/2018</a:t>
             </a:fld>
             <a:endParaRPr lang="en-US"/>
           </a:p>
@@ -2574,7 +2577,7 @@
           <a:p>
             <a:fld id="{713DCFBF-1251-4F71-8BFB-150CFD910DA2}" type="datetimeFigureOut">
               <a:rPr lang="en-US" smtClean="0"/>
-              <a:t>1/24/2018</a:t>
+              <a:t>1/25/2018</a:t>
             </a:fld>
             <a:endParaRPr lang="en-US"/>
           </a:p>
@@ -2787,7 +2790,7 @@
           <a:p>
             <a:fld id="{713DCFBF-1251-4F71-8BFB-150CFD910DA2}" type="datetimeFigureOut">
               <a:rPr lang="en-US" smtClean="0"/>
-              <a:t>1/24/2018</a:t>
+              <a:t>1/25/2018</a:t>
             </a:fld>
             <a:endParaRPr lang="en-US"/>
           </a:p>
@@ -5320,7 +5323,9 @@
             <a:r>
               <a:rPr lang="en-US" sz="6000" i="1" dirty="0" smtClean="0">
                 <a:solidFill>
-                  <a:srgbClr val="FFFF00"/>
+                  <a:schemeClr val="tx1">
+                    <a:lumMod val="50000"/>
+                  </a:schemeClr>
                 </a:solidFill>
               </a:rPr>
               <a:t>:first-child</a:t>
@@ -5331,7 +5336,9 @@
             <a:r>
               <a:rPr lang="en-US" sz="6000" i="1" dirty="0" smtClean="0">
                 <a:solidFill>
-                  <a:srgbClr val="FFFF00"/>
+                  <a:schemeClr val="tx1">
+                    <a:lumMod val="50000"/>
+                  </a:schemeClr>
                 </a:solidFill>
               </a:rPr>
               <a:t>:last-child</a:t>
@@ -5342,14 +5349,18 @@
             <a:r>
               <a:rPr lang="en-US" sz="6000" i="1" dirty="0" smtClean="0">
                 <a:solidFill>
-                  <a:srgbClr val="FFFF00"/>
+                  <a:schemeClr val="tx1">
+                    <a:lumMod val="50000"/>
+                  </a:schemeClr>
                 </a:solidFill>
               </a:rPr>
               <a:t>:nth-child()</a:t>
             </a:r>
             <a:endParaRPr lang="en-US" sz="6000" i="1" dirty="0">
               <a:solidFill>
-                <a:srgbClr val="FFFF00"/>
+                <a:schemeClr val="tx1">
+                  <a:lumMod val="50000"/>
+                </a:schemeClr>
               </a:solidFill>
             </a:endParaRPr>
           </a:p>
@@ -5368,7 +5379,300 @@
   <p:timing>
     <p:tnLst>
       <p:par>
-        <p:cTn id="1" dur="indefinite" restart="never" nodeType="tmRoot"/>
+        <p:cTn id="1" dur="indefinite" restart="never" nodeType="tmRoot">
+          <p:childTnLst>
+            <p:seq concurrent="1" nextAc="seek">
+              <p:cTn id="2" dur="indefinite" nodeType="mainSeq">
+                <p:childTnLst>
+                  <p:par>
+                    <p:cTn id="3" fill="hold">
+                      <p:stCondLst>
+                        <p:cond delay="indefinite"/>
+                      </p:stCondLst>
+                      <p:childTnLst>
+                        <p:par>
+                          <p:cTn id="4" fill="hold">
+                            <p:stCondLst>
+                              <p:cond delay="0"/>
+                            </p:stCondLst>
+                            <p:childTnLst>
+                              <p:par>
+                                <p:cTn id="5" presetID="3" presetClass="emph" presetSubtype="2" fill="hold" nodeType="clickEffect">
+                                  <p:stCondLst>
+                                    <p:cond delay="0"/>
+                                  </p:stCondLst>
+                                  <p:childTnLst>
+                                    <p:animClr clrSpc="rgb" dir="cw">
+                                      <p:cBhvr override="childStyle">
+                                        <p:cTn id="6" dur="10" fill="hold"/>
+                                        <p:tgtEl>
+                                          <p:spTgt spid="4">
+                                            <p:txEl>
+                                              <p:pRg st="0" end="0"/>
+                                            </p:txEl>
+                                          </p:spTgt>
+                                        </p:tgtEl>
+                                        <p:attrNameLst>
+                                          <p:attrName>style.color</p:attrName>
+                                        </p:attrNameLst>
+                                      </p:cBhvr>
+                                      <p:to>
+                                        <a:srgbClr val="FFFF00"/>
+                                      </p:to>
+                                    </p:animClr>
+                                  </p:childTnLst>
+                                </p:cTn>
+                              </p:par>
+                            </p:childTnLst>
+                          </p:cTn>
+                        </p:par>
+                      </p:childTnLst>
+                    </p:cTn>
+                  </p:par>
+                  <p:par>
+                    <p:cTn id="7" fill="hold">
+                      <p:stCondLst>
+                        <p:cond delay="indefinite"/>
+                      </p:stCondLst>
+                      <p:childTnLst>
+                        <p:par>
+                          <p:cTn id="8" fill="hold">
+                            <p:stCondLst>
+                              <p:cond delay="0"/>
+                            </p:stCondLst>
+                            <p:childTnLst>
+                              <p:par>
+                                <p:cTn id="9" presetID="3" presetClass="emph" presetSubtype="2" fill="hold" nodeType="clickEffect">
+                                  <p:stCondLst>
+                                    <p:cond delay="0"/>
+                                  </p:stCondLst>
+                                  <p:childTnLst>
+                                    <p:animClr clrSpc="rgb" dir="cw">
+                                      <p:cBhvr override="childStyle">
+                                        <p:cTn id="10" dur="10" fill="hold"/>
+                                        <p:tgtEl>
+                                          <p:spTgt spid="4">
+                                            <p:txEl>
+                                              <p:pRg st="0" end="0"/>
+                                            </p:txEl>
+                                          </p:spTgt>
+                                        </p:tgtEl>
+                                        <p:attrNameLst>
+                                          <p:attrName>style.color</p:attrName>
+                                        </p:attrNameLst>
+                                      </p:cBhvr>
+                                      <p:to>
+                                        <a:srgbClr val="7F7F7F"/>
+                                      </p:to>
+                                    </p:animClr>
+                                  </p:childTnLst>
+                                </p:cTn>
+                              </p:par>
+                            </p:childTnLst>
+                          </p:cTn>
+                        </p:par>
+                      </p:childTnLst>
+                    </p:cTn>
+                  </p:par>
+                  <p:par>
+                    <p:cTn id="11" fill="hold">
+                      <p:stCondLst>
+                        <p:cond delay="indefinite"/>
+                      </p:stCondLst>
+                      <p:childTnLst>
+                        <p:par>
+                          <p:cTn id="12" fill="hold">
+                            <p:stCondLst>
+                              <p:cond delay="0"/>
+                            </p:stCondLst>
+                            <p:childTnLst>
+                              <p:par>
+                                <p:cTn id="13" presetID="3" presetClass="emph" presetSubtype="2" fill="hold" nodeType="clickEffect">
+                                  <p:stCondLst>
+                                    <p:cond delay="0"/>
+                                  </p:stCondLst>
+                                  <p:childTnLst>
+                                    <p:animClr clrSpc="rgb" dir="cw">
+                                      <p:cBhvr override="childStyle">
+                                        <p:cTn id="14" dur="10" fill="hold"/>
+                                        <p:tgtEl>
+                                          <p:spTgt spid="4">
+                                            <p:txEl>
+                                              <p:pRg st="1" end="1"/>
+                                            </p:txEl>
+                                          </p:spTgt>
+                                        </p:tgtEl>
+                                        <p:attrNameLst>
+                                          <p:attrName>style.color</p:attrName>
+                                        </p:attrNameLst>
+                                      </p:cBhvr>
+                                      <p:to>
+                                        <a:srgbClr val="FFFF00"/>
+                                      </p:to>
+                                    </p:animClr>
+                                  </p:childTnLst>
+                                </p:cTn>
+                              </p:par>
+                            </p:childTnLst>
+                          </p:cTn>
+                        </p:par>
+                      </p:childTnLst>
+                    </p:cTn>
+                  </p:par>
+                  <p:par>
+                    <p:cTn id="15" fill="hold">
+                      <p:stCondLst>
+                        <p:cond delay="indefinite"/>
+                      </p:stCondLst>
+                      <p:childTnLst>
+                        <p:par>
+                          <p:cTn id="16" fill="hold">
+                            <p:stCondLst>
+                              <p:cond delay="0"/>
+                            </p:stCondLst>
+                            <p:childTnLst>
+                              <p:par>
+                                <p:cTn id="17" presetID="3" presetClass="emph" presetSubtype="2" fill="hold" nodeType="clickEffect">
+                                  <p:stCondLst>
+                                    <p:cond delay="0"/>
+                                  </p:stCondLst>
+                                  <p:childTnLst>
+                                    <p:animClr clrSpc="rgb" dir="cw">
+                                      <p:cBhvr override="childStyle">
+                                        <p:cTn id="18" dur="10" fill="hold"/>
+                                        <p:tgtEl>
+                                          <p:spTgt spid="4">
+                                            <p:txEl>
+                                              <p:pRg st="1" end="1"/>
+                                            </p:txEl>
+                                          </p:spTgt>
+                                        </p:tgtEl>
+                                        <p:attrNameLst>
+                                          <p:attrName>style.color</p:attrName>
+                                        </p:attrNameLst>
+                                      </p:cBhvr>
+                                      <p:to>
+                                        <a:srgbClr val="7F7F7F"/>
+                                      </p:to>
+                                    </p:animClr>
+                                  </p:childTnLst>
+                                </p:cTn>
+                              </p:par>
+                            </p:childTnLst>
+                          </p:cTn>
+                        </p:par>
+                      </p:childTnLst>
+                    </p:cTn>
+                  </p:par>
+                  <p:par>
+                    <p:cTn id="19" fill="hold">
+                      <p:stCondLst>
+                        <p:cond delay="indefinite"/>
+                      </p:stCondLst>
+                      <p:childTnLst>
+                        <p:par>
+                          <p:cTn id="20" fill="hold">
+                            <p:stCondLst>
+                              <p:cond delay="0"/>
+                            </p:stCondLst>
+                            <p:childTnLst>
+                              <p:par>
+                                <p:cTn id="21" presetID="3" presetClass="emph" presetSubtype="2" fill="hold" nodeType="clickEffect">
+                                  <p:stCondLst>
+                                    <p:cond delay="0"/>
+                                  </p:stCondLst>
+                                  <p:childTnLst>
+                                    <p:animClr clrSpc="rgb" dir="cw">
+                                      <p:cBhvr override="childStyle">
+                                        <p:cTn id="22" dur="10" fill="hold"/>
+                                        <p:tgtEl>
+                                          <p:spTgt spid="4">
+                                            <p:txEl>
+                                              <p:pRg st="2" end="2"/>
+                                            </p:txEl>
+                                          </p:spTgt>
+                                        </p:tgtEl>
+                                        <p:attrNameLst>
+                                          <p:attrName>style.color</p:attrName>
+                                        </p:attrNameLst>
+                                      </p:cBhvr>
+                                      <p:to>
+                                        <a:srgbClr val="FFFF00"/>
+                                      </p:to>
+                                    </p:animClr>
+                                  </p:childTnLst>
+                                </p:cTn>
+                              </p:par>
+                            </p:childTnLst>
+                          </p:cTn>
+                        </p:par>
+                      </p:childTnLst>
+                    </p:cTn>
+                  </p:par>
+                  <p:par>
+                    <p:cTn id="23" fill="hold">
+                      <p:stCondLst>
+                        <p:cond delay="indefinite"/>
+                      </p:stCondLst>
+                      <p:childTnLst>
+                        <p:par>
+                          <p:cTn id="24" fill="hold">
+                            <p:stCondLst>
+                              <p:cond delay="0"/>
+                            </p:stCondLst>
+                            <p:childTnLst>
+                              <p:par>
+                                <p:cTn id="25" presetID="3" presetClass="emph" presetSubtype="2" fill="hold" nodeType="clickEffect">
+                                  <p:stCondLst>
+                                    <p:cond delay="0"/>
+                                  </p:stCondLst>
+                                  <p:childTnLst>
+                                    <p:animClr clrSpc="rgb" dir="cw">
+                                      <p:cBhvr override="childStyle">
+                                        <p:cTn id="26" dur="10" fill="hold"/>
+                                        <p:tgtEl>
+                                          <p:spTgt spid="4">
+                                            <p:txEl>
+                                              <p:pRg st="2" end="2"/>
+                                            </p:txEl>
+                                          </p:spTgt>
+                                        </p:tgtEl>
+                                        <p:attrNameLst>
+                                          <p:attrName>style.color</p:attrName>
+                                        </p:attrNameLst>
+                                      </p:cBhvr>
+                                      <p:to>
+                                        <a:srgbClr val="7F7F7F"/>
+                                      </p:to>
+                                    </p:animClr>
+                                  </p:childTnLst>
+                                </p:cTn>
+                              </p:par>
+                            </p:childTnLst>
+                          </p:cTn>
+                        </p:par>
+                      </p:childTnLst>
+                    </p:cTn>
+                  </p:par>
+                </p:childTnLst>
+              </p:cTn>
+              <p:prevCondLst>
+                <p:cond evt="onPrev" delay="0">
+                  <p:tgtEl>
+                    <p:sldTgt/>
+                  </p:tgtEl>
+                </p:cond>
+              </p:prevCondLst>
+              <p:nextCondLst>
+                <p:cond evt="onNext" delay="0">
+                  <p:tgtEl>
+                    <p:sldTgt/>
+                  </p:tgtEl>
+                </p:cond>
+              </p:nextCondLst>
+            </p:seq>
+          </p:childTnLst>
+        </p:cTn>
       </p:par>
     </p:tnLst>
   </p:timing>
@@ -5583,7 +5887,9 @@
             <a:r>
               <a:rPr lang="en-US" sz="6000" i="1" dirty="0" smtClean="0">
                 <a:solidFill>
-                  <a:srgbClr val="FFFF00"/>
+                  <a:schemeClr val="tx1">
+                    <a:lumMod val="50000"/>
+                  </a:schemeClr>
                 </a:solidFill>
               </a:rPr>
               <a:t>::after</a:t>
@@ -5594,7 +5900,9 @@
             <a:r>
               <a:rPr lang="en-US" sz="6000" i="1" dirty="0" smtClean="0">
                 <a:solidFill>
-                  <a:srgbClr val="FFFF00"/>
+                  <a:schemeClr val="tx1">
+                    <a:lumMod val="50000"/>
+                  </a:schemeClr>
                 </a:solidFill>
               </a:rPr>
               <a:t>::before</a:t>
@@ -5605,7 +5913,9 @@
             <a:r>
               <a:rPr lang="en-US" sz="6000" i="1" dirty="0" smtClean="0">
                 <a:solidFill>
-                  <a:srgbClr val="FFFF00"/>
+                  <a:schemeClr val="tx1">
+                    <a:lumMod val="50000"/>
+                  </a:schemeClr>
                 </a:solidFill>
               </a:rPr>
               <a:t>::first-line</a:t>
@@ -5616,14 +5926,18 @@
             <a:r>
               <a:rPr lang="en-US" sz="6000" i="1" dirty="0" smtClean="0">
                 <a:solidFill>
-                  <a:srgbClr val="FFFF00"/>
+                  <a:schemeClr val="tx1">
+                    <a:lumMod val="50000"/>
+                  </a:schemeClr>
                 </a:solidFill>
               </a:rPr>
               <a:t>::first-letter</a:t>
             </a:r>
             <a:endParaRPr lang="en-US" sz="6000" i="1" dirty="0">
               <a:solidFill>
-                <a:srgbClr val="FFFF00"/>
+                <a:schemeClr val="tx1">
+                  <a:lumMod val="50000"/>
+                </a:schemeClr>
               </a:solidFill>
             </a:endParaRPr>
           </a:p>
@@ -5642,7 +5956,390 @@
   <p:timing>
     <p:tnLst>
       <p:par>
-        <p:cTn id="1" dur="indefinite" restart="never" nodeType="tmRoot"/>
+        <p:cTn id="1" dur="indefinite" restart="never" nodeType="tmRoot">
+          <p:childTnLst>
+            <p:seq concurrent="1" nextAc="seek">
+              <p:cTn id="2" dur="indefinite" nodeType="mainSeq">
+                <p:childTnLst>
+                  <p:par>
+                    <p:cTn id="3" fill="hold">
+                      <p:stCondLst>
+                        <p:cond delay="indefinite"/>
+                      </p:stCondLst>
+                      <p:childTnLst>
+                        <p:par>
+                          <p:cTn id="4" fill="hold">
+                            <p:stCondLst>
+                              <p:cond delay="0"/>
+                            </p:stCondLst>
+                            <p:childTnLst>
+                              <p:par>
+                                <p:cTn id="5" presetID="3" presetClass="emph" presetSubtype="2" fill="hold" nodeType="clickEffect">
+                                  <p:stCondLst>
+                                    <p:cond delay="0"/>
+                                  </p:stCondLst>
+                                  <p:childTnLst>
+                                    <p:animClr clrSpc="rgb" dir="cw">
+                                      <p:cBhvr override="childStyle">
+                                        <p:cTn id="6" dur="10" fill="hold"/>
+                                        <p:tgtEl>
+                                          <p:spTgt spid="4">
+                                            <p:txEl>
+                                              <p:pRg st="0" end="0"/>
+                                            </p:txEl>
+                                          </p:spTgt>
+                                        </p:tgtEl>
+                                        <p:attrNameLst>
+                                          <p:attrName>style.color</p:attrName>
+                                        </p:attrNameLst>
+                                      </p:cBhvr>
+                                      <p:to>
+                                        <a:srgbClr val="FFFF00"/>
+                                      </p:to>
+                                    </p:animClr>
+                                  </p:childTnLst>
+                                </p:cTn>
+                              </p:par>
+                            </p:childTnLst>
+                          </p:cTn>
+                        </p:par>
+                      </p:childTnLst>
+                    </p:cTn>
+                  </p:par>
+                  <p:par>
+                    <p:cTn id="7" fill="hold">
+                      <p:stCondLst>
+                        <p:cond delay="indefinite"/>
+                      </p:stCondLst>
+                      <p:childTnLst>
+                        <p:par>
+                          <p:cTn id="8" fill="hold">
+                            <p:stCondLst>
+                              <p:cond delay="0"/>
+                            </p:stCondLst>
+                            <p:childTnLst>
+                              <p:par>
+                                <p:cTn id="9" presetID="3" presetClass="emph" presetSubtype="2" fill="hold" nodeType="clickEffect">
+                                  <p:stCondLst>
+                                    <p:cond delay="0"/>
+                                  </p:stCondLst>
+                                  <p:childTnLst>
+                                    <p:animClr clrSpc="rgb" dir="cw">
+                                      <p:cBhvr override="childStyle">
+                                        <p:cTn id="10" dur="10" fill="hold"/>
+                                        <p:tgtEl>
+                                          <p:spTgt spid="4">
+                                            <p:txEl>
+                                              <p:pRg st="0" end="0"/>
+                                            </p:txEl>
+                                          </p:spTgt>
+                                        </p:tgtEl>
+                                        <p:attrNameLst>
+                                          <p:attrName>style.color</p:attrName>
+                                        </p:attrNameLst>
+                                      </p:cBhvr>
+                                      <p:to>
+                                        <a:srgbClr val="7F7F7F"/>
+                                      </p:to>
+                                    </p:animClr>
+                                  </p:childTnLst>
+                                </p:cTn>
+                              </p:par>
+                            </p:childTnLst>
+                          </p:cTn>
+                        </p:par>
+                      </p:childTnLst>
+                    </p:cTn>
+                  </p:par>
+                  <p:par>
+                    <p:cTn id="11" fill="hold">
+                      <p:stCondLst>
+                        <p:cond delay="indefinite"/>
+                      </p:stCondLst>
+                      <p:childTnLst>
+                        <p:par>
+                          <p:cTn id="12" fill="hold">
+                            <p:stCondLst>
+                              <p:cond delay="0"/>
+                            </p:stCondLst>
+                            <p:childTnLst>
+                              <p:par>
+                                <p:cTn id="13" presetID="3" presetClass="emph" presetSubtype="2" fill="hold" nodeType="clickEffect">
+                                  <p:stCondLst>
+                                    <p:cond delay="0"/>
+                                  </p:stCondLst>
+                                  <p:childTnLst>
+                                    <p:animClr clrSpc="rgb" dir="cw">
+                                      <p:cBhvr override="childStyle">
+                                        <p:cTn id="14" dur="10" fill="hold"/>
+                                        <p:tgtEl>
+                                          <p:spTgt spid="4">
+                                            <p:txEl>
+                                              <p:pRg st="1" end="1"/>
+                                            </p:txEl>
+                                          </p:spTgt>
+                                        </p:tgtEl>
+                                        <p:attrNameLst>
+                                          <p:attrName>style.color</p:attrName>
+                                        </p:attrNameLst>
+                                      </p:cBhvr>
+                                      <p:to>
+                                        <a:srgbClr val="FFFF00"/>
+                                      </p:to>
+                                    </p:animClr>
+                                  </p:childTnLst>
+                                </p:cTn>
+                              </p:par>
+                            </p:childTnLst>
+                          </p:cTn>
+                        </p:par>
+                      </p:childTnLst>
+                    </p:cTn>
+                  </p:par>
+                  <p:par>
+                    <p:cTn id="15" fill="hold">
+                      <p:stCondLst>
+                        <p:cond delay="indefinite"/>
+                      </p:stCondLst>
+                      <p:childTnLst>
+                        <p:par>
+                          <p:cTn id="16" fill="hold">
+                            <p:stCondLst>
+                              <p:cond delay="0"/>
+                            </p:stCondLst>
+                            <p:childTnLst>
+                              <p:par>
+                                <p:cTn id="17" presetID="3" presetClass="emph" presetSubtype="2" fill="hold" nodeType="clickEffect">
+                                  <p:stCondLst>
+                                    <p:cond delay="0"/>
+                                  </p:stCondLst>
+                                  <p:childTnLst>
+                                    <p:animClr clrSpc="rgb" dir="cw">
+                                      <p:cBhvr override="childStyle">
+                                        <p:cTn id="18" dur="10" fill="hold"/>
+                                        <p:tgtEl>
+                                          <p:spTgt spid="4">
+                                            <p:txEl>
+                                              <p:pRg st="1" end="1"/>
+                                            </p:txEl>
+                                          </p:spTgt>
+                                        </p:tgtEl>
+                                        <p:attrNameLst>
+                                          <p:attrName>style.color</p:attrName>
+                                        </p:attrNameLst>
+                                      </p:cBhvr>
+                                      <p:to>
+                                        <a:srgbClr val="7F7F7F"/>
+                                      </p:to>
+                                    </p:animClr>
+                                  </p:childTnLst>
+                                </p:cTn>
+                              </p:par>
+                            </p:childTnLst>
+                          </p:cTn>
+                        </p:par>
+                      </p:childTnLst>
+                    </p:cTn>
+                  </p:par>
+                  <p:par>
+                    <p:cTn id="19" fill="hold">
+                      <p:stCondLst>
+                        <p:cond delay="indefinite"/>
+                      </p:stCondLst>
+                      <p:childTnLst>
+                        <p:par>
+                          <p:cTn id="20" fill="hold">
+                            <p:stCondLst>
+                              <p:cond delay="0"/>
+                            </p:stCondLst>
+                            <p:childTnLst>
+                              <p:par>
+                                <p:cTn id="21" presetID="3" presetClass="emph" presetSubtype="2" fill="hold" nodeType="clickEffect">
+                                  <p:stCondLst>
+                                    <p:cond delay="0"/>
+                                  </p:stCondLst>
+                                  <p:childTnLst>
+                                    <p:animClr clrSpc="rgb" dir="cw">
+                                      <p:cBhvr override="childStyle">
+                                        <p:cTn id="22" dur="10" fill="hold"/>
+                                        <p:tgtEl>
+                                          <p:spTgt spid="4">
+                                            <p:txEl>
+                                              <p:pRg st="2" end="2"/>
+                                            </p:txEl>
+                                          </p:spTgt>
+                                        </p:tgtEl>
+                                        <p:attrNameLst>
+                                          <p:attrName>style.color</p:attrName>
+                                        </p:attrNameLst>
+                                      </p:cBhvr>
+                                      <p:to>
+                                        <a:srgbClr val="FFFF00"/>
+                                      </p:to>
+                                    </p:animClr>
+                                  </p:childTnLst>
+                                </p:cTn>
+                              </p:par>
+                            </p:childTnLst>
+                          </p:cTn>
+                        </p:par>
+                      </p:childTnLst>
+                    </p:cTn>
+                  </p:par>
+                  <p:par>
+                    <p:cTn id="23" fill="hold">
+                      <p:stCondLst>
+                        <p:cond delay="indefinite"/>
+                      </p:stCondLst>
+                      <p:childTnLst>
+                        <p:par>
+                          <p:cTn id="24" fill="hold">
+                            <p:stCondLst>
+                              <p:cond delay="0"/>
+                            </p:stCondLst>
+                            <p:childTnLst>
+                              <p:par>
+                                <p:cTn id="25" presetID="3" presetClass="emph" presetSubtype="2" fill="hold" nodeType="clickEffect">
+                                  <p:stCondLst>
+                                    <p:cond delay="0"/>
+                                  </p:stCondLst>
+                                  <p:childTnLst>
+                                    <p:animClr clrSpc="rgb" dir="cw">
+                                      <p:cBhvr override="childStyle">
+                                        <p:cTn id="26" dur="10" fill="hold"/>
+                                        <p:tgtEl>
+                                          <p:spTgt spid="4">
+                                            <p:txEl>
+                                              <p:pRg st="2" end="2"/>
+                                            </p:txEl>
+                                          </p:spTgt>
+                                        </p:tgtEl>
+                                        <p:attrNameLst>
+                                          <p:attrName>style.color</p:attrName>
+                                        </p:attrNameLst>
+                                      </p:cBhvr>
+                                      <p:to>
+                                        <a:srgbClr val="7F7F7F"/>
+                                      </p:to>
+                                    </p:animClr>
+                                  </p:childTnLst>
+                                </p:cTn>
+                              </p:par>
+                            </p:childTnLst>
+                          </p:cTn>
+                        </p:par>
+                      </p:childTnLst>
+                    </p:cTn>
+                  </p:par>
+                  <p:par>
+                    <p:cTn id="27" fill="hold">
+                      <p:stCondLst>
+                        <p:cond delay="indefinite"/>
+                      </p:stCondLst>
+                      <p:childTnLst>
+                        <p:par>
+                          <p:cTn id="28" fill="hold">
+                            <p:stCondLst>
+                              <p:cond delay="0"/>
+                            </p:stCondLst>
+                            <p:childTnLst>
+                              <p:par>
+                                <p:cTn id="29" presetID="3" presetClass="emph" presetSubtype="2" fill="hold" nodeType="clickEffect">
+                                  <p:stCondLst>
+                                    <p:cond delay="0"/>
+                                  </p:stCondLst>
+                                  <p:childTnLst>
+                                    <p:animClr clrSpc="rgb" dir="cw">
+                                      <p:cBhvr override="childStyle">
+                                        <p:cTn id="30" dur="10" fill="hold"/>
+                                        <p:tgtEl>
+                                          <p:spTgt spid="4">
+                                            <p:txEl>
+                                              <p:pRg st="3" end="3"/>
+                                            </p:txEl>
+                                          </p:spTgt>
+                                        </p:tgtEl>
+                                        <p:attrNameLst>
+                                          <p:attrName>style.color</p:attrName>
+                                        </p:attrNameLst>
+                                      </p:cBhvr>
+                                      <p:to>
+                                        <a:srgbClr val="FFFF00"/>
+                                      </p:to>
+                                    </p:animClr>
+                                  </p:childTnLst>
+                                </p:cTn>
+                              </p:par>
+                            </p:childTnLst>
+                          </p:cTn>
+                        </p:par>
+                      </p:childTnLst>
+                    </p:cTn>
+                  </p:par>
+                  <p:par>
+                    <p:cTn id="31" fill="hold">
+                      <p:stCondLst>
+                        <p:cond delay="indefinite"/>
+                      </p:stCondLst>
+                      <p:childTnLst>
+                        <p:par>
+                          <p:cTn id="32" fill="hold">
+                            <p:stCondLst>
+                              <p:cond delay="0"/>
+                            </p:stCondLst>
+                            <p:childTnLst>
+                              <p:par>
+                                <p:cTn id="33" presetID="3" presetClass="emph" presetSubtype="2" fill="hold" nodeType="clickEffect">
+                                  <p:stCondLst>
+                                    <p:cond delay="0"/>
+                                  </p:stCondLst>
+                                  <p:childTnLst>
+                                    <p:animClr clrSpc="rgb" dir="cw">
+                                      <p:cBhvr override="childStyle">
+                                        <p:cTn id="34" dur="10" fill="hold"/>
+                                        <p:tgtEl>
+                                          <p:spTgt spid="4">
+                                            <p:txEl>
+                                              <p:pRg st="3" end="3"/>
+                                            </p:txEl>
+                                          </p:spTgt>
+                                        </p:tgtEl>
+                                        <p:attrNameLst>
+                                          <p:attrName>style.color</p:attrName>
+                                        </p:attrNameLst>
+                                      </p:cBhvr>
+                                      <p:to>
+                                        <a:srgbClr val="7F7F7F"/>
+                                      </p:to>
+                                    </p:animClr>
+                                  </p:childTnLst>
+                                </p:cTn>
+                              </p:par>
+                            </p:childTnLst>
+                          </p:cTn>
+                        </p:par>
+                      </p:childTnLst>
+                    </p:cTn>
+                  </p:par>
+                </p:childTnLst>
+              </p:cTn>
+              <p:prevCondLst>
+                <p:cond evt="onPrev" delay="0">
+                  <p:tgtEl>
+                    <p:sldTgt/>
+                  </p:tgtEl>
+                </p:cond>
+              </p:prevCondLst>
+              <p:nextCondLst>
+                <p:cond evt="onNext" delay="0">
+                  <p:tgtEl>
+                    <p:sldTgt/>
+                  </p:tgtEl>
+                </p:cond>
+              </p:nextCondLst>
+            </p:seq>
+          </p:childTnLst>
+        </p:cTn>
       </p:par>
     </p:tnLst>
   </p:timing>
@@ -8211,8 +8908,8 @@
         </p:nvSpPr>
         <p:spPr>
           <a:xfrm>
-            <a:off x="803564" y="2107555"/>
-            <a:ext cx="7620000" cy="2585323"/>
+            <a:off x="803564" y="1765280"/>
+            <a:ext cx="7620000" cy="3416320"/>
           </a:xfrm>
           <a:prstGeom prst="rect">
             <a:avLst/>
@@ -8242,6 +8939,14 @@
               </a:rPr>
               <a:t>block;</a:t>
             </a:r>
+          </a:p>
+          <a:p>
+            <a:pPr algn="ctr"/>
+            <a:endParaRPr lang="en-US" sz="5400" i="1" dirty="0" smtClean="0">
+              <a:solidFill>
+                <a:srgbClr val="00B050"/>
+              </a:solidFill>
+            </a:endParaRPr>
           </a:p>
           <a:p>
             <a:pPr algn="ctr"/>
@@ -8413,8 +9118,8 @@
         </p:nvSpPr>
         <p:spPr>
           <a:xfrm>
-            <a:off x="803564" y="1392972"/>
-            <a:ext cx="7620000" cy="4093428"/>
+            <a:off x="803564" y="2665274"/>
+            <a:ext cx="7620000" cy="1754326"/>
           </a:xfrm>
           <a:prstGeom prst="rect">
             <a:avLst/>
@@ -8469,68 +9174,6 @@
             </a:r>
             <a:r>
               <a:rPr lang="en-US" sz="5400" i="1" dirty="0" smtClean="0"/>
-              <a:t>;</a:t>
-            </a:r>
-          </a:p>
-          <a:p>
-            <a:pPr algn="ctr"/>
-            <a:endParaRPr lang="en-US" sz="4400" i="1" dirty="0"/>
-          </a:p>
-          <a:p>
-            <a:pPr algn="ctr"/>
-            <a:r>
-              <a:rPr lang="en-US" sz="5400" i="1" dirty="0">
-                <a:solidFill>
-                  <a:srgbClr val="FFFF00"/>
-                </a:solidFill>
-              </a:rPr>
-              <a:t>overflow: </a:t>
-            </a:r>
-            <a:r>
-              <a:rPr lang="en-US" sz="5400" i="1" dirty="0" smtClean="0">
-                <a:solidFill>
-                  <a:srgbClr val="00B050"/>
-                </a:solidFill>
-              </a:rPr>
-              <a:t>visible</a:t>
-            </a:r>
-            <a:r>
-              <a:rPr lang="en-US" sz="5400" i="1" dirty="0" smtClean="0">
-                <a:solidFill>
-                  <a:schemeClr val="tx1">
-                    <a:lumMod val="95000"/>
-                  </a:schemeClr>
-                </a:solidFill>
-              </a:rPr>
-              <a:t>;</a:t>
-            </a:r>
-          </a:p>
-          <a:p>
-            <a:pPr algn="ctr"/>
-            <a:r>
-              <a:rPr lang="en-US" sz="5400" i="1" dirty="0" smtClean="0">
-                <a:solidFill>
-                  <a:srgbClr val="FFFF00"/>
-                </a:solidFill>
-              </a:rPr>
-              <a:t>visibility: </a:t>
-            </a:r>
-            <a:r>
-              <a:rPr lang="en-US" sz="5400" i="1" dirty="0" smtClean="0">
-                <a:solidFill>
-                  <a:srgbClr val="00B050"/>
-                </a:solidFill>
-              </a:rPr>
-              <a:t>hidden</a:t>
-            </a:r>
-            <a:r>
-              <a:rPr lang="en-US" sz="5400" i="1" dirty="0" smtClean="0">
-                <a:solidFill>
-                  <a:schemeClr val="tx1">
-                    <a:lumMod val="95000"/>
-                  </a:schemeClr>
-                </a:solidFill>
-              </a:rPr>
               <a:t>;</a:t>
             </a:r>
           </a:p>
@@ -8581,7 +9224,7 @@
         </p:nvSpPr>
         <p:spPr>
           <a:xfrm>
-            <a:off x="803564" y="2590800"/>
+            <a:off x="803564" y="2817674"/>
             <a:ext cx="7620000" cy="1754326"/>
           </a:xfrm>
           <a:prstGeom prst="rect">
@@ -8602,7 +9245,15 @@
                   <a:srgbClr val="FFFF00"/>
                 </a:solidFill>
               </a:rPr>
-              <a:t>float: </a:t>
+              <a:t>overflow</a:t>
+            </a:r>
+            <a:r>
+              <a:rPr lang="en-US" sz="5400" i="1" dirty="0">
+                <a:solidFill>
+                  <a:srgbClr val="FFFF00"/>
+                </a:solidFill>
+              </a:rPr>
+              <a:t>: </a:t>
             </a:r>
             <a:r>
               <a:rPr lang="en-US" sz="5400" i="1" dirty="0" smtClean="0">
@@ -8610,10 +9261,16 @@
                   <a:srgbClr val="00B050"/>
                 </a:solidFill>
               </a:rPr>
-              <a:t>left</a:t>
-            </a:r>
-            <a:r>
-              <a:rPr lang="en-US" sz="5400" i="1" dirty="0" smtClean="0"/>
+              <a:t>visible</a:t>
+            </a:r>
+            <a:r>
+              <a:rPr lang="en-US" sz="5400" i="1" dirty="0" smtClean="0">
+                <a:solidFill>
+                  <a:schemeClr val="tx1">
+                    <a:lumMod val="95000"/>
+                  </a:schemeClr>
+                </a:solidFill>
+              </a:rPr>
               <a:t>;</a:t>
             </a:r>
           </a:p>
@@ -8625,7 +9282,7 @@
                   <a:srgbClr val="FFFF00"/>
                 </a:solidFill>
               </a:rPr>
-              <a:t>clear: </a:t>
+              <a:t>visibility: </a:t>
             </a:r>
             <a:r>
               <a:rPr lang="en-US" sz="5400" i="1" dirty="0" smtClean="0">
@@ -8633,10 +9290,16 @@
                   <a:srgbClr val="00B050"/>
                 </a:solidFill>
               </a:rPr>
-              <a:t>both</a:t>
-            </a:r>
-            <a:r>
-              <a:rPr lang="en-US" sz="5400" i="1" dirty="0" smtClean="0"/>
+              <a:t>hidden</a:t>
+            </a:r>
+            <a:r>
+              <a:rPr lang="en-US" sz="5400" i="1" dirty="0" smtClean="0">
+                <a:solidFill>
+                  <a:schemeClr val="tx1">
+                    <a:lumMod val="95000"/>
+                  </a:schemeClr>
+                </a:solidFill>
+              </a:rPr>
               <a:t>;</a:t>
             </a:r>
           </a:p>
@@ -8645,7 +9308,7 @@
     </p:spTree>
     <p:extLst>
       <p:ext uri="{BB962C8B-B14F-4D97-AF65-F5344CB8AC3E}">
-        <p14:creationId xmlns:p14="http://schemas.microsoft.com/office/powerpoint/2010/main" val="1363097861"/>
+        <p14:creationId xmlns:p14="http://schemas.microsoft.com/office/powerpoint/2010/main" val="1116095544"/>
       </p:ext>
     </p:extLst>
   </p:cSld>
@@ -8687,8 +9350,8 @@
         </p:nvSpPr>
         <p:spPr>
           <a:xfrm>
-            <a:off x="685800" y="2523964"/>
-            <a:ext cx="7620000" cy="1862048"/>
+            <a:off x="803564" y="2590800"/>
+            <a:ext cx="7620000" cy="1754326"/>
           </a:xfrm>
           <a:prstGeom prst="rect">
             <a:avLst/>
@@ -8703,25 +9366,55 @@
           <a:p>
             <a:pPr algn="ctr"/>
             <a:r>
-              <a:rPr lang="en-US" sz="11500" dirty="0" smtClean="0">
+              <a:rPr lang="en-US" sz="5400" i="1" dirty="0" smtClean="0">
                 <a:solidFill>
                   <a:srgbClr val="FFFF00"/>
                 </a:solidFill>
               </a:rPr>
-              <a:t>DEMO</a:t>
-            </a:r>
-            <a:endParaRPr lang="en-US" sz="4800" dirty="0" smtClean="0">
-              <a:solidFill>
-                <a:srgbClr val="FFFF00"/>
-              </a:solidFill>
-            </a:endParaRPr>
+              <a:t>float: </a:t>
+            </a:r>
+            <a:r>
+              <a:rPr lang="en-US" sz="5400" i="1" dirty="0" smtClean="0">
+                <a:solidFill>
+                  <a:srgbClr val="00B050"/>
+                </a:solidFill>
+              </a:rPr>
+              <a:t>left</a:t>
+            </a:r>
+            <a:r>
+              <a:rPr lang="en-US" sz="5400" i="1" dirty="0" smtClean="0"/>
+              <a:t>;</a:t>
+            </a:r>
+          </a:p>
+          <a:p>
+            <a:pPr algn="ctr"/>
+            <a:r>
+              <a:rPr lang="en-US" sz="5400" i="1" dirty="0" smtClean="0">
+                <a:solidFill>
+                  <a:srgbClr val="FFFF00"/>
+                </a:solidFill>
+              </a:rPr>
+              <a:t>clear: </a:t>
+            </a:r>
+            <a:r>
+              <a:rPr lang="en-US" sz="5400" i="1" dirty="0" smtClean="0">
+                <a:solidFill>
+                  <a:srgbClr val="00B050"/>
+                </a:solidFill>
+              </a:rPr>
+              <a:t>both</a:t>
+            </a:r>
+            <a:r>
+              <a:rPr lang="en-US" sz="5400" i="1" dirty="0" smtClean="0"/>
+              <a:t>;</a:t>
+            </a:r>
           </a:p>
         </p:txBody>
       </p:sp>
     </p:spTree>
     <p:extLst>
       <p:ext uri="{BB962C8B-B14F-4D97-AF65-F5344CB8AC3E}">
-        <p14:creationId xmlns:p14="http://schemas.microsoft.com/office/powerpoint/2010/main" val="138788744"/>
+        <p14:creationId xmlns:p14="http://schemas.microsoft.com/office/powerpoint/2010/main" val="1363097861"/>
       </p:ext>
     </p:extLst>
   </p:cSld>
@@ -8763,8 +9456,8 @@
         </p:nvSpPr>
         <p:spPr>
           <a:xfrm>
-            <a:off x="762000" y="1939022"/>
-            <a:ext cx="7620000" cy="2785378"/>
+            <a:off x="685800" y="2523964"/>
+            <a:ext cx="7620000" cy="1862048"/>
           </a:xfrm>
           <a:prstGeom prst="rect">
             <a:avLst/>
@@ -8781,25 +9474,23 @@
             <a:r>
               <a:rPr lang="en-US" sz="11500" dirty="0" smtClean="0">
                 <a:solidFill>
-                  <a:srgbClr val="00B0F0"/>
-                </a:solidFill>
-              </a:rPr>
-              <a:t>Positioning</a:t>
-            </a:r>
-          </a:p>
-          <a:p>
-            <a:pPr algn="ctr"/>
-            <a:r>
-              <a:rPr lang="en-US" sz="5400" dirty="0" smtClean="0"/>
-              <a:t>(!important)</a:t>
-            </a:r>
+                  <a:srgbClr val="FFFF00"/>
+                </a:solidFill>
+              </a:rPr>
+              <a:t>DEMO</a:t>
+            </a:r>
+            <a:endParaRPr lang="en-US" sz="4800" dirty="0" smtClean="0">
+              <a:solidFill>
+                <a:srgbClr val="FFFF00"/>
+              </a:solidFill>
+            </a:endParaRPr>
           </a:p>
         </p:txBody>
       </p:sp>
     </p:spTree>
     <p:extLst>
       <p:ext uri="{BB962C8B-B14F-4D97-AF65-F5344CB8AC3E}">
-        <p14:creationId xmlns:p14="http://schemas.microsoft.com/office/powerpoint/2010/main" val="1530872543"/>
+        <p14:creationId xmlns:p14="http://schemas.microsoft.com/office/powerpoint/2010/main" val="138788744"/>
       </p:ext>
     </p:extLst>
   </p:cSld>
@@ -8841,8 +9532,8 @@
         </p:nvSpPr>
         <p:spPr>
           <a:xfrm>
-            <a:off x="762000" y="152400"/>
-            <a:ext cx="7620000" cy="6586418"/>
+            <a:off x="762000" y="1939022"/>
+            <a:ext cx="7620000" cy="2785378"/>
           </a:xfrm>
           <a:prstGeom prst="rect">
             <a:avLst/>
@@ -8857,198 +9548,27 @@
           <a:p>
             <a:pPr algn="ctr"/>
             <a:r>
-              <a:rPr lang="en-US" sz="5400" i="1" dirty="0" smtClean="0">
-                <a:solidFill>
-                  <a:srgbClr val="FFFF00"/>
-                </a:solidFill>
-              </a:rPr>
-              <a:t>position: </a:t>
-            </a:r>
-            <a:r>
-              <a:rPr lang="en-US" sz="5400" i="1" dirty="0" smtClean="0">
-                <a:solidFill>
-                  <a:srgbClr val="00B050"/>
-                </a:solidFill>
-              </a:rPr>
-              <a:t>absolute</a:t>
-            </a:r>
-            <a:r>
-              <a:rPr lang="en-US" sz="5400" i="1" dirty="0" smtClean="0"/>
-              <a:t>;</a:t>
-            </a:r>
-          </a:p>
-          <a:p>
-            <a:pPr algn="ctr"/>
-            <a:endParaRPr lang="en-US" sz="4400" i="1" dirty="0"/>
-          </a:p>
-          <a:p>
-            <a:pPr algn="ctr"/>
-            <a:r>
-              <a:rPr lang="en-US" sz="5400" i="1" dirty="0" smtClean="0">
-                <a:solidFill>
-                  <a:srgbClr val="FFFF00"/>
-                </a:solidFill>
-              </a:rPr>
-              <a:t>left: </a:t>
-            </a:r>
-            <a:r>
-              <a:rPr lang="en-US" sz="5400" i="1" dirty="0" smtClean="0">
-                <a:solidFill>
-                  <a:srgbClr val="00B050"/>
-                </a:solidFill>
-              </a:rPr>
-              <a:t>5px</a:t>
-            </a:r>
-            <a:r>
-              <a:rPr lang="en-US" sz="5400" i="1" dirty="0" smtClean="0">
-                <a:solidFill>
-                  <a:schemeClr val="tx1">
-                    <a:lumMod val="95000"/>
-                  </a:schemeClr>
-                </a:solidFill>
-              </a:rPr>
-              <a:t>;</a:t>
-            </a:r>
-          </a:p>
-          <a:p>
-            <a:pPr algn="ctr"/>
-            <a:r>
-              <a:rPr lang="en-US" sz="5400" i="1" dirty="0" smtClean="0">
-                <a:solidFill>
-                  <a:srgbClr val="FFFF00"/>
-                </a:solidFill>
-              </a:rPr>
-              <a:t>right: </a:t>
-            </a:r>
-            <a:r>
-              <a:rPr lang="en-US" sz="5400" i="1" dirty="0" smtClean="0">
-                <a:solidFill>
-                  <a:srgbClr val="00B050"/>
-                </a:solidFill>
-              </a:rPr>
-              <a:t>5px</a:t>
-            </a:r>
-            <a:r>
-              <a:rPr lang="en-US" sz="5400" i="1" dirty="0" smtClean="0">
-                <a:solidFill>
-                  <a:schemeClr val="tx1">
-                    <a:lumMod val="95000"/>
-                  </a:schemeClr>
-                </a:solidFill>
-              </a:rPr>
-              <a:t>;</a:t>
-            </a:r>
-          </a:p>
-          <a:p>
-            <a:pPr algn="ctr"/>
-            <a:r>
-              <a:rPr lang="en-US" sz="5400" i="1" dirty="0" smtClean="0">
-                <a:solidFill>
-                  <a:srgbClr val="FFFF00"/>
-                </a:solidFill>
-              </a:rPr>
-              <a:t>top: </a:t>
-            </a:r>
-            <a:r>
-              <a:rPr lang="en-US" sz="5400" i="1" dirty="0">
-                <a:solidFill>
-                  <a:srgbClr val="00B050"/>
-                </a:solidFill>
-              </a:rPr>
-              <a:t>5px</a:t>
-            </a:r>
-            <a:r>
-              <a:rPr lang="en-US" sz="5400" i="1" dirty="0">
-                <a:solidFill>
-                  <a:schemeClr val="tx1">
-                    <a:lumMod val="95000"/>
-                  </a:schemeClr>
-                </a:solidFill>
-              </a:rPr>
-              <a:t>;</a:t>
-            </a:r>
-          </a:p>
-          <a:p>
-            <a:pPr algn="ctr"/>
-            <a:r>
-              <a:rPr lang="en-US" sz="5400" i="1" dirty="0" smtClean="0">
-                <a:solidFill>
-                  <a:srgbClr val="FFFF00"/>
-                </a:solidFill>
-              </a:rPr>
-              <a:t>bottom: </a:t>
-            </a:r>
-            <a:r>
-              <a:rPr lang="en-US" sz="5400" i="1" dirty="0">
-                <a:solidFill>
-                  <a:srgbClr val="00B050"/>
-                </a:solidFill>
-              </a:rPr>
-              <a:t>5px</a:t>
-            </a:r>
-            <a:r>
-              <a:rPr lang="en-US" sz="5400" i="1" dirty="0" smtClean="0">
-                <a:solidFill>
-                  <a:schemeClr val="tx1">
-                    <a:lumMod val="95000"/>
-                  </a:schemeClr>
-                </a:solidFill>
-              </a:rPr>
-              <a:t>;</a:t>
-            </a:r>
-          </a:p>
-          <a:p>
-            <a:pPr algn="ctr"/>
-            <a:endParaRPr lang="en-US" sz="5400" i="1" dirty="0">
-              <a:solidFill>
-                <a:schemeClr val="tx1">
-                  <a:lumMod val="95000"/>
-                </a:schemeClr>
-              </a:solidFill>
-            </a:endParaRPr>
-          </a:p>
-          <a:p>
-            <a:pPr algn="ctr"/>
-            <a:r>
-              <a:rPr lang="en-US" sz="5400" i="1" dirty="0" smtClean="0">
-                <a:solidFill>
-                  <a:srgbClr val="FFFF00"/>
-                </a:solidFill>
-              </a:rPr>
-              <a:t>z-index: </a:t>
-            </a:r>
-            <a:r>
-              <a:rPr lang="en-US" sz="5400" i="1" dirty="0" smtClean="0">
-                <a:solidFill>
-                  <a:srgbClr val="00B050"/>
-                </a:solidFill>
-              </a:rPr>
-              <a:t>1</a:t>
-            </a:r>
-            <a:r>
-              <a:rPr lang="en-US" sz="5400" i="1" dirty="0" smtClean="0">
-                <a:solidFill>
-                  <a:schemeClr val="tx1">
-                    <a:lumMod val="95000"/>
-                  </a:schemeClr>
-                </a:solidFill>
-              </a:rPr>
-              <a:t>;</a:t>
-            </a:r>
-            <a:endParaRPr lang="en-US" sz="5400" i="1" dirty="0">
-              <a:solidFill>
-                <a:schemeClr val="tx1">
-                  <a:lumMod val="95000"/>
-                </a:schemeClr>
-              </a:solidFill>
-            </a:endParaRPr>
+              <a:rPr lang="en-US" sz="11500" dirty="0" smtClean="0">
+                <a:solidFill>
+                  <a:srgbClr val="00B0F0"/>
+                </a:solidFill>
+              </a:rPr>
+              <a:t>Positioning</a:t>
+            </a:r>
+          </a:p>
+          <a:p>
+            <a:pPr algn="ctr"/>
+            <a:r>
+              <a:rPr lang="en-US" sz="5400" dirty="0" smtClean="0"/>
+              <a:t>(!important)</a:t>
+            </a:r>
           </a:p>
         </p:txBody>
       </p:sp>
     </p:spTree>
     <p:extLst>
       <p:ext uri="{BB962C8B-B14F-4D97-AF65-F5344CB8AC3E}">
-        <p14:creationId xmlns:p14="http://schemas.microsoft.com/office/powerpoint/2010/main" val="2115067458"/>
+        <p14:creationId xmlns:p14="http://schemas.microsoft.com/office/powerpoint/2010/main" val="1530872543"/>
       </p:ext>
     </p:extLst>
   </p:cSld>
@@ -9090,8 +9610,8 @@
         </p:nvSpPr>
         <p:spPr>
           <a:xfrm>
-            <a:off x="685800" y="2523964"/>
-            <a:ext cx="7620000" cy="1862048"/>
+            <a:off x="762000" y="2810470"/>
+            <a:ext cx="7620000" cy="923330"/>
           </a:xfrm>
           <a:prstGeom prst="rect">
             <a:avLst/>
@@ -9106,25 +9626,33 @@
           <a:p>
             <a:pPr algn="ctr"/>
             <a:r>
-              <a:rPr lang="en-US" sz="11500" dirty="0" smtClean="0">
+              <a:rPr lang="en-US" sz="5400" i="1" dirty="0" smtClean="0">
                 <a:solidFill>
                   <a:srgbClr val="FFFF00"/>
                 </a:solidFill>
               </a:rPr>
-              <a:t>DEMO</a:t>
-            </a:r>
-            <a:endParaRPr lang="en-US" sz="4800" dirty="0" smtClean="0">
-              <a:solidFill>
-                <a:srgbClr val="FFFF00"/>
-              </a:solidFill>
-            </a:endParaRPr>
+              <a:t>position: </a:t>
+            </a:r>
+            <a:r>
+              <a:rPr lang="en-US" sz="5400" i="1" dirty="0" smtClean="0">
+                <a:solidFill>
+                  <a:srgbClr val="00B050"/>
+                </a:solidFill>
+              </a:rPr>
+              <a:t>absolute</a:t>
+            </a:r>
+            <a:r>
+              <a:rPr lang="en-US" sz="5400" i="1" dirty="0" smtClean="0"/>
+              <a:t>;</a:t>
+            </a:r>
+            <a:endParaRPr lang="en-US" sz="5400" i="1" dirty="0" smtClean="0"/>
           </a:p>
         </p:txBody>
       </p:sp>
     </p:spTree>
     <p:extLst>
       <p:ext uri="{BB962C8B-B14F-4D97-AF65-F5344CB8AC3E}">
-        <p14:creationId xmlns:p14="http://schemas.microsoft.com/office/powerpoint/2010/main" val="138788744"/>
+        <p14:creationId xmlns:p14="http://schemas.microsoft.com/office/powerpoint/2010/main" val="2115067458"/>
       </p:ext>
     </p:extLst>
   </p:cSld>
@@ -9166,8 +9694,8 @@
         </p:nvSpPr>
         <p:spPr>
           <a:xfrm>
-            <a:off x="810491" y="1101328"/>
-            <a:ext cx="7620000" cy="4308872"/>
+            <a:off x="762000" y="1917680"/>
+            <a:ext cx="7620000" cy="3416320"/>
           </a:xfrm>
           <a:prstGeom prst="rect">
             <a:avLst/>
@@ -9182,29 +9710,140 @@
           <a:p>
             <a:pPr algn="ctr"/>
             <a:r>
-              <a:rPr lang="en-US" sz="11500" dirty="0" smtClean="0">
-                <a:solidFill>
-                  <a:schemeClr val="accent6">
-                    <a:lumMod val="75000"/>
+              <a:rPr lang="en-US" sz="5400" i="1" dirty="0" smtClean="0">
+                <a:solidFill>
+                  <a:srgbClr val="FFFF00"/>
+                </a:solidFill>
+              </a:rPr>
+              <a:t>left</a:t>
+            </a:r>
+            <a:r>
+              <a:rPr lang="en-US" sz="5400" i="1" dirty="0" smtClean="0">
+                <a:solidFill>
+                  <a:srgbClr val="FFFF00"/>
+                </a:solidFill>
+              </a:rPr>
+              <a:t>: </a:t>
+            </a:r>
+            <a:r>
+              <a:rPr lang="en-US" sz="5400" i="1" dirty="0" smtClean="0">
+                <a:solidFill>
+                  <a:srgbClr val="00B050"/>
+                </a:solidFill>
+              </a:rPr>
+              <a:t>5px</a:t>
+            </a:r>
+            <a:r>
+              <a:rPr lang="en-US" sz="5400" i="1" dirty="0" smtClean="0">
+                <a:solidFill>
+                  <a:schemeClr val="tx1">
+                    <a:lumMod val="95000"/>
                   </a:schemeClr>
                 </a:solidFill>
               </a:rPr>
-              <a:t>CSS Specificity</a:t>
-            </a:r>
-          </a:p>
-          <a:p>
-            <a:pPr algn="ctr"/>
-            <a:r>
-              <a:rPr lang="en-US" sz="4400" dirty="0" smtClean="0"/>
-              <a:t>(More Specific = Higher Priority)</a:t>
-            </a:r>
+              <a:t>;</a:t>
+            </a:r>
+          </a:p>
+          <a:p>
+            <a:pPr algn="ctr"/>
+            <a:r>
+              <a:rPr lang="en-US" sz="5400" i="1" dirty="0" smtClean="0">
+                <a:solidFill>
+                  <a:srgbClr val="FFFF00"/>
+                </a:solidFill>
+              </a:rPr>
+              <a:t>right: </a:t>
+            </a:r>
+            <a:r>
+              <a:rPr lang="en-US" sz="5400" i="1" dirty="0" smtClean="0">
+                <a:solidFill>
+                  <a:srgbClr val="00B050"/>
+                </a:solidFill>
+              </a:rPr>
+              <a:t>5px</a:t>
+            </a:r>
+            <a:r>
+              <a:rPr lang="en-US" sz="5400" i="1" dirty="0" smtClean="0">
+                <a:solidFill>
+                  <a:schemeClr val="tx1">
+                    <a:lumMod val="95000"/>
+                  </a:schemeClr>
+                </a:solidFill>
+              </a:rPr>
+              <a:t>;</a:t>
+            </a:r>
+          </a:p>
+          <a:p>
+            <a:pPr algn="ctr"/>
+            <a:r>
+              <a:rPr lang="en-US" sz="5400" i="1" dirty="0" smtClean="0">
+                <a:solidFill>
+                  <a:srgbClr val="FFFF00"/>
+                </a:solidFill>
+              </a:rPr>
+              <a:t>top: </a:t>
+            </a:r>
+            <a:r>
+              <a:rPr lang="en-US" sz="5400" i="1" dirty="0">
+                <a:solidFill>
+                  <a:srgbClr val="00B050"/>
+                </a:solidFill>
+              </a:rPr>
+              <a:t>5px</a:t>
+            </a:r>
+            <a:r>
+              <a:rPr lang="en-US" sz="5400" i="1" dirty="0">
+                <a:solidFill>
+                  <a:schemeClr val="tx1">
+                    <a:lumMod val="95000"/>
+                  </a:schemeClr>
+                </a:solidFill>
+              </a:rPr>
+              <a:t>;</a:t>
+            </a:r>
+          </a:p>
+          <a:p>
+            <a:pPr algn="ctr"/>
+            <a:r>
+              <a:rPr lang="en-US" sz="5400" i="1" dirty="0" smtClean="0">
+                <a:solidFill>
+                  <a:srgbClr val="FFFF00"/>
+                </a:solidFill>
+              </a:rPr>
+              <a:t>bottom: </a:t>
+            </a:r>
+            <a:r>
+              <a:rPr lang="en-US" sz="5400" i="1" dirty="0">
+                <a:solidFill>
+                  <a:srgbClr val="00B050"/>
+                </a:solidFill>
+              </a:rPr>
+              <a:t>5px</a:t>
+            </a:r>
+            <a:r>
+              <a:rPr lang="en-US" sz="5400" i="1" dirty="0" smtClean="0">
+                <a:solidFill>
+                  <a:schemeClr val="tx1">
+                    <a:lumMod val="95000"/>
+                  </a:schemeClr>
+                </a:solidFill>
+              </a:rPr>
+              <a:t>;</a:t>
+            </a:r>
+            <a:endParaRPr lang="en-US" sz="5400" i="1" dirty="0" smtClean="0">
+              <a:solidFill>
+                <a:schemeClr val="tx1">
+                  <a:lumMod val="95000"/>
+                </a:schemeClr>
+              </a:solidFill>
+            </a:endParaRPr>
           </a:p>
         </p:txBody>
       </p:sp>
     </p:spTree>
     <p:extLst>
       <p:ext uri="{BB962C8B-B14F-4D97-AF65-F5344CB8AC3E}">
-        <p14:creationId xmlns:p14="http://schemas.microsoft.com/office/powerpoint/2010/main" val="1498101011"/>
+        <p14:creationId xmlns:p14="http://schemas.microsoft.com/office/powerpoint/2010/main" val="2865936218"/>
       </p:ext>
     </p:extLst>
   </p:cSld>
@@ -9238,64 +9877,57 @@
           <a:chExt cx="0" cy="0"/>
         </a:xfrm>
       </p:grpSpPr>
-      <p:pic>
-        <p:nvPicPr>
-          <p:cNvPr id="1026" name="Picture 2"/>
-          <p:cNvPicPr>
-            <a:picLocks noChangeAspect="1" noChangeArrowheads="1"/>
-          </p:cNvPicPr>
+      <p:sp>
+        <p:nvSpPr>
+          <p:cNvPr id="4" name="TextBox 3"/>
+          <p:cNvSpPr txBox="1"/>
           <p:nvPr/>
-        </p:nvPicPr>
-        <p:blipFill>
-          <a:blip r:embed="rId2">
-            <a:extLst>
-              <a:ext uri="{28A0092B-C50C-407E-A947-70E740481C1C}">
-                <a14:useLocalDpi xmlns:a14="http://schemas.microsoft.com/office/drawing/2010/main" val="0"/>
-              </a:ext>
-            </a:extLst>
-          </a:blip>
-          <a:srcRect/>
-          <a:stretch>
-            <a:fillRect/>
-          </a:stretch>
-        </p:blipFill>
-        <p:spPr bwMode="auto">
+        </p:nvSpPr>
+        <p:spPr>
           <a:xfrm>
-            <a:off x="685800" y="1347788"/>
-            <a:ext cx="7772400" cy="4162425"/>
+            <a:off x="762000" y="3048000"/>
+            <a:ext cx="7620000" cy="923330"/>
           </a:xfrm>
           <a:prstGeom prst="rect">
             <a:avLst/>
           </a:prstGeom>
           <a:noFill/>
-          <a:ln>
-            <a:noFill/>
-          </a:ln>
-          <a:extLst>
-            <a:ext uri="{909E8E84-426E-40DD-AFC4-6F175D3DCCD1}">
-              <a14:hiddenFill xmlns:a14="http://schemas.microsoft.com/office/drawing/2010/main">
-                <a:solidFill>
-                  <a:schemeClr val="accent1"/>
-                </a:solidFill>
-              </a14:hiddenFill>
-            </a:ext>
-            <a:ext uri="{91240B29-F687-4F45-9708-019B960494DF}">
-              <a14:hiddenLine xmlns:a14="http://schemas.microsoft.com/office/drawing/2010/main" w="9525">
-                <a:solidFill>
-                  <a:schemeClr val="tx1"/>
-                </a:solidFill>
-                <a:miter lim="800000"/>
-                <a:headEnd/>
-                <a:tailEnd/>
-              </a14:hiddenLine>
-            </a:ext>
-          </a:extLst>
         </p:spPr>
-      </p:pic>
+        <p:txBody>
+          <a:bodyPr wrap="square" rtlCol="0">
+            <a:spAutoFit/>
+          </a:bodyPr>
+          <a:lstStyle/>
+          <a:p>
+            <a:pPr algn="ctr"/>
+            <a:r>
+              <a:rPr lang="en-US" sz="5400" i="1" dirty="0" smtClean="0">
+                <a:solidFill>
+                  <a:srgbClr val="FFFF00"/>
+                </a:solidFill>
+              </a:rPr>
+              <a:t>z-index: </a:t>
+            </a:r>
+            <a:r>
+              <a:rPr lang="en-US" sz="5400" i="1" dirty="0" smtClean="0">
+                <a:solidFill>
+                  <a:srgbClr val="00B050"/>
+                </a:solidFill>
+              </a:rPr>
+              <a:t>1</a:t>
+            </a:r>
+            <a:r>
+              <a:rPr lang="en-US" sz="5400" i="1" dirty="0" smtClean="0"/>
+              <a:t>;</a:t>
+            </a:r>
+            <a:endParaRPr lang="en-US" sz="5400" i="1" dirty="0" smtClean="0"/>
+          </a:p>
+        </p:txBody>
+      </p:sp>
     </p:spTree>
     <p:extLst>
       <p:ext uri="{BB962C8B-B14F-4D97-AF65-F5344CB8AC3E}">
-        <p14:creationId xmlns:p14="http://schemas.microsoft.com/office/powerpoint/2010/main" val="271065658"/>
+        <p14:creationId xmlns:p14="http://schemas.microsoft.com/office/powerpoint/2010/main" val="3709550277"/>
       </p:ext>
     </p:extLst>
   </p:cSld>
@@ -9371,7 +10003,87 @@
     </p:spTree>
     <p:extLst>
       <p:ext uri="{BB962C8B-B14F-4D97-AF65-F5344CB8AC3E}">
-        <p14:creationId xmlns:p14="http://schemas.microsoft.com/office/powerpoint/2010/main" val="2468503566"/>
+        <p14:creationId xmlns:p14="http://schemas.microsoft.com/office/powerpoint/2010/main" val="138788744"/>
+      </p:ext>
+    </p:extLst>
+  </p:cSld>
+  <p:clrMapOvr>
+    <a:masterClrMapping/>
+  </p:clrMapOvr>
+  <p:timing>
+    <p:tnLst>
+      <p:par>
+        <p:cTn id="1" dur="indefinite" restart="never" nodeType="tmRoot"/>
+      </p:par>
+    </p:tnLst>
+  </p:timing>
+</p:sld>
+</file>
+
+<file path=ppt/slides/slide69.xml><?xml version="1.0" encoding="utf-8"?>
+<p:sld xmlns:a="http://schemas.openxmlformats.org/drawingml/2006/main" xmlns:r="http://schemas.openxmlformats.org/officeDocument/2006/relationships" xmlns:p="http://schemas.openxmlformats.org/presentationml/2006/main">
+  <p:cSld>
+    <p:spTree>
+      <p:nvGrpSpPr>
+        <p:cNvPr id="1" name=""/>
+        <p:cNvGrpSpPr/>
+        <p:nvPr/>
+      </p:nvGrpSpPr>
+      <p:grpSpPr>
+        <a:xfrm>
+          <a:off x="0" y="0"/>
+          <a:ext cx="0" cy="0"/>
+          <a:chOff x="0" y="0"/>
+          <a:chExt cx="0" cy="0"/>
+        </a:xfrm>
+      </p:grpSpPr>
+      <p:sp>
+        <p:nvSpPr>
+          <p:cNvPr id="4" name="TextBox 3"/>
+          <p:cNvSpPr txBox="1"/>
+          <p:nvPr/>
+        </p:nvSpPr>
+        <p:spPr>
+          <a:xfrm>
+            <a:off x="810491" y="1101328"/>
+            <a:ext cx="7620000" cy="4308872"/>
+          </a:xfrm>
+          <a:prstGeom prst="rect">
+            <a:avLst/>
+          </a:prstGeom>
+          <a:noFill/>
+        </p:spPr>
+        <p:txBody>
+          <a:bodyPr wrap="square" rtlCol="0">
+            <a:spAutoFit/>
+          </a:bodyPr>
+          <a:lstStyle/>
+          <a:p>
+            <a:pPr algn="ctr"/>
+            <a:r>
+              <a:rPr lang="en-US" sz="11500" dirty="0" smtClean="0">
+                <a:solidFill>
+                  <a:schemeClr val="accent6">
+                    <a:lumMod val="75000"/>
+                  </a:schemeClr>
+                </a:solidFill>
+              </a:rPr>
+              <a:t>CSS Specificity</a:t>
+            </a:r>
+          </a:p>
+          <a:p>
+            <a:pPr algn="ctr"/>
+            <a:r>
+              <a:rPr lang="en-US" sz="4400" dirty="0" smtClean="0"/>
+              <a:t>(More Specific = Higher Priority)</a:t>
+            </a:r>
+          </a:p>
+        </p:txBody>
+      </p:sp>
+    </p:spTree>
+    <p:extLst>
+      <p:ext uri="{BB962C8B-B14F-4D97-AF65-F5344CB8AC3E}">
+        <p14:creationId xmlns:p14="http://schemas.microsoft.com/office/powerpoint/2010/main" val="1498101011"/>
       </p:ext>
     </p:extLst>
   </p:cSld>
@@ -9474,6 +10186,494 @@
     <p:extLst>
       <p:ext uri="{BB962C8B-B14F-4D97-AF65-F5344CB8AC3E}">
         <p14:creationId xmlns:p14="http://schemas.microsoft.com/office/powerpoint/2010/main" val="601405606"/>
+      </p:ext>
+    </p:extLst>
+  </p:cSld>
+  <p:clrMapOvr>
+    <a:masterClrMapping/>
+  </p:clrMapOvr>
+  <p:timing>
+    <p:tnLst>
+      <p:par>
+        <p:cTn id="1" dur="indefinite" restart="never" nodeType="tmRoot"/>
+      </p:par>
+    </p:tnLst>
+  </p:timing>
+</p:sld>
+</file>
+
+<file path=ppt/slides/slide70.xml><?xml version="1.0" encoding="utf-8"?>
+<p:sld xmlns:a="http://schemas.openxmlformats.org/drawingml/2006/main" xmlns:r="http://schemas.openxmlformats.org/officeDocument/2006/relationships" xmlns:p="http://schemas.openxmlformats.org/presentationml/2006/main">
+  <p:cSld>
+    <p:spTree>
+      <p:nvGrpSpPr>
+        <p:cNvPr id="1" name=""/>
+        <p:cNvGrpSpPr/>
+        <p:nvPr/>
+      </p:nvGrpSpPr>
+      <p:grpSpPr>
+        <a:xfrm>
+          <a:off x="0" y="0"/>
+          <a:ext cx="0" cy="0"/>
+          <a:chOff x="0" y="0"/>
+          <a:chExt cx="0" cy="0"/>
+        </a:xfrm>
+      </p:grpSpPr>
+      <p:grpSp>
+        <p:nvGrpSpPr>
+          <p:cNvPr id="3" name="Group 2"/>
+          <p:cNvGrpSpPr/>
+          <p:nvPr/>
+        </p:nvGrpSpPr>
+        <p:grpSpPr>
+          <a:xfrm>
+            <a:off x="457201" y="2365453"/>
+            <a:ext cx="8534399" cy="1977947"/>
+            <a:chOff x="381000" y="1838980"/>
+            <a:chExt cx="8534399" cy="1977947"/>
+          </a:xfrm>
+        </p:grpSpPr>
+        <p:sp>
+          <p:nvSpPr>
+            <p:cNvPr id="2" name="Rectangle 1"/>
+            <p:cNvSpPr/>
+            <p:nvPr/>
+          </p:nvSpPr>
+          <p:spPr>
+            <a:xfrm>
+              <a:off x="762000" y="2521527"/>
+              <a:ext cx="1600200" cy="1295400"/>
+            </a:xfrm>
+            <a:prstGeom prst="rect">
+              <a:avLst/>
+            </a:prstGeom>
+            <a:solidFill>
+              <a:srgbClr val="FFFF00"/>
+            </a:solidFill>
+            <a:ln>
+              <a:noFill/>
+            </a:ln>
+          </p:spPr>
+          <p:style>
+            <a:lnRef idx="2">
+              <a:schemeClr val="accent1">
+                <a:shade val="50000"/>
+              </a:schemeClr>
+            </a:lnRef>
+            <a:fillRef idx="1">
+              <a:schemeClr val="accent1"/>
+            </a:fillRef>
+            <a:effectRef idx="0">
+              <a:schemeClr val="accent1"/>
+            </a:effectRef>
+            <a:fontRef idx="minor">
+              <a:schemeClr val="lt1"/>
+            </a:fontRef>
+          </p:style>
+          <p:txBody>
+            <a:bodyPr rtlCol="0" anchor="ctr"/>
+            <a:lstStyle/>
+            <a:p>
+              <a:pPr algn="ctr"/>
+              <a:r>
+                <a:rPr lang="en-US" b="1" dirty="0" smtClean="0">
+                  <a:solidFill>
+                    <a:schemeClr val="bg1"/>
+                  </a:solidFill>
+                </a:rPr>
+                <a:t>Inline </a:t>
+              </a:r>
+            </a:p>
+            <a:p>
+              <a:pPr algn="ctr"/>
+              <a:r>
+                <a:rPr lang="en-US" b="1" dirty="0" smtClean="0">
+                  <a:solidFill>
+                    <a:schemeClr val="bg1"/>
+                  </a:solidFill>
+                </a:rPr>
+                <a:t>Styles</a:t>
+              </a:r>
+              <a:endParaRPr lang="en-US" b="1" dirty="0">
+                <a:solidFill>
+                  <a:schemeClr val="bg1"/>
+                </a:solidFill>
+              </a:endParaRPr>
+            </a:p>
+          </p:txBody>
+        </p:sp>
+        <p:sp>
+          <p:nvSpPr>
+            <p:cNvPr id="4" name="Rectangle 3"/>
+            <p:cNvSpPr/>
+            <p:nvPr/>
+          </p:nvSpPr>
+          <p:spPr>
+            <a:xfrm>
+              <a:off x="2743199" y="2514600"/>
+              <a:ext cx="1600200" cy="1295400"/>
+            </a:xfrm>
+            <a:prstGeom prst="rect">
+              <a:avLst/>
+            </a:prstGeom>
+            <a:solidFill>
+              <a:srgbClr val="FFFF00"/>
+            </a:solidFill>
+            <a:ln>
+              <a:noFill/>
+            </a:ln>
+          </p:spPr>
+          <p:style>
+            <a:lnRef idx="2">
+              <a:schemeClr val="accent1">
+                <a:shade val="50000"/>
+              </a:schemeClr>
+            </a:lnRef>
+            <a:fillRef idx="1">
+              <a:schemeClr val="accent1"/>
+            </a:fillRef>
+            <a:effectRef idx="0">
+              <a:schemeClr val="accent1"/>
+            </a:effectRef>
+            <a:fontRef idx="minor">
+              <a:schemeClr val="lt1"/>
+            </a:fontRef>
+          </p:style>
+          <p:txBody>
+            <a:bodyPr rtlCol="0" anchor="ctr"/>
+            <a:lstStyle/>
+            <a:p>
+              <a:pPr algn="ctr"/>
+              <a:r>
+                <a:rPr lang="en-US" b="1" dirty="0" smtClean="0">
+                  <a:solidFill>
+                    <a:schemeClr val="bg1"/>
+                  </a:solidFill>
+                </a:rPr>
+                <a:t>IDs</a:t>
+              </a:r>
+              <a:endParaRPr lang="en-US" b="1" dirty="0">
+                <a:solidFill>
+                  <a:schemeClr val="bg1"/>
+                </a:solidFill>
+              </a:endParaRPr>
+            </a:p>
+          </p:txBody>
+        </p:sp>
+        <p:sp>
+          <p:nvSpPr>
+            <p:cNvPr id="5" name="Rectangle 4"/>
+            <p:cNvSpPr/>
+            <p:nvPr/>
+          </p:nvSpPr>
+          <p:spPr>
+            <a:xfrm>
+              <a:off x="4724399" y="2514600"/>
+              <a:ext cx="1600200" cy="1295400"/>
+            </a:xfrm>
+            <a:prstGeom prst="rect">
+              <a:avLst/>
+            </a:prstGeom>
+            <a:solidFill>
+              <a:srgbClr val="FFFF00"/>
+            </a:solidFill>
+            <a:ln>
+              <a:noFill/>
+            </a:ln>
+          </p:spPr>
+          <p:style>
+            <a:lnRef idx="2">
+              <a:schemeClr val="accent1">
+                <a:shade val="50000"/>
+              </a:schemeClr>
+            </a:lnRef>
+            <a:fillRef idx="1">
+              <a:schemeClr val="accent1"/>
+            </a:fillRef>
+            <a:effectRef idx="0">
+              <a:schemeClr val="accent1"/>
+            </a:effectRef>
+            <a:fontRef idx="minor">
+              <a:schemeClr val="lt1"/>
+            </a:fontRef>
+          </p:style>
+          <p:txBody>
+            <a:bodyPr rtlCol="0" anchor="ctr"/>
+            <a:lstStyle/>
+            <a:p>
+              <a:pPr algn="ctr"/>
+              <a:r>
+                <a:rPr lang="en-US" b="1" dirty="0" smtClean="0">
+                  <a:solidFill>
+                    <a:schemeClr val="bg1"/>
+                  </a:solidFill>
+                </a:rPr>
+                <a:t>Classes,</a:t>
+              </a:r>
+            </a:p>
+            <a:p>
+              <a:pPr algn="ctr"/>
+              <a:r>
+                <a:rPr lang="en-US" b="1" dirty="0" smtClean="0">
+                  <a:solidFill>
+                    <a:schemeClr val="bg1"/>
+                  </a:solidFill>
+                </a:rPr>
+                <a:t>Attributes,</a:t>
+              </a:r>
+            </a:p>
+            <a:p>
+              <a:pPr algn="ctr"/>
+              <a:r>
+                <a:rPr lang="en-US" b="1" dirty="0" smtClean="0">
+                  <a:solidFill>
+                    <a:schemeClr val="bg1"/>
+                  </a:solidFill>
+                </a:rPr>
+                <a:t>Pseudo</a:t>
+              </a:r>
+            </a:p>
+            <a:p>
+              <a:pPr algn="ctr"/>
+              <a:r>
+                <a:rPr lang="en-US" b="1" dirty="0" smtClean="0">
+                  <a:solidFill>
+                    <a:schemeClr val="bg1"/>
+                  </a:solidFill>
+                </a:rPr>
+                <a:t>Classes</a:t>
+              </a:r>
+              <a:endParaRPr lang="en-US" b="1" dirty="0">
+                <a:solidFill>
+                  <a:schemeClr val="bg1"/>
+                </a:solidFill>
+              </a:endParaRPr>
+            </a:p>
+          </p:txBody>
+        </p:sp>
+        <p:sp>
+          <p:nvSpPr>
+            <p:cNvPr id="6" name="Rectangle 5"/>
+            <p:cNvSpPr/>
+            <p:nvPr/>
+          </p:nvSpPr>
+          <p:spPr>
+            <a:xfrm>
+              <a:off x="6705599" y="2507673"/>
+              <a:ext cx="1600200" cy="1295400"/>
+            </a:xfrm>
+            <a:prstGeom prst="rect">
+              <a:avLst/>
+            </a:prstGeom>
+            <a:solidFill>
+              <a:srgbClr val="FFFF00"/>
+            </a:solidFill>
+            <a:ln>
+              <a:noFill/>
+            </a:ln>
+          </p:spPr>
+          <p:style>
+            <a:lnRef idx="2">
+              <a:schemeClr val="accent1">
+                <a:shade val="50000"/>
+              </a:schemeClr>
+            </a:lnRef>
+            <a:fillRef idx="1">
+              <a:schemeClr val="accent1"/>
+            </a:fillRef>
+            <a:effectRef idx="0">
+              <a:schemeClr val="accent1"/>
+            </a:effectRef>
+            <a:fontRef idx="minor">
+              <a:schemeClr val="lt1"/>
+            </a:fontRef>
+          </p:style>
+          <p:txBody>
+            <a:bodyPr rtlCol="0" anchor="ctr"/>
+            <a:lstStyle/>
+            <a:p>
+              <a:pPr algn="ctr"/>
+              <a:r>
+                <a:rPr lang="en-US" b="1" dirty="0" smtClean="0">
+                  <a:solidFill>
+                    <a:schemeClr val="bg1"/>
+                  </a:solidFill>
+                </a:rPr>
+                <a:t>Elements,</a:t>
+              </a:r>
+            </a:p>
+            <a:p>
+              <a:pPr algn="ctr"/>
+              <a:r>
+                <a:rPr lang="en-US" b="1" dirty="0" smtClean="0">
+                  <a:solidFill>
+                    <a:schemeClr val="bg1"/>
+                  </a:solidFill>
+                </a:rPr>
+                <a:t>Pseudo</a:t>
+              </a:r>
+            </a:p>
+            <a:p>
+              <a:pPr algn="ctr"/>
+              <a:r>
+                <a:rPr lang="en-US" b="1" dirty="0" smtClean="0">
+                  <a:solidFill>
+                    <a:schemeClr val="bg1"/>
+                  </a:solidFill>
+                </a:rPr>
+                <a:t>Elements</a:t>
+              </a:r>
+              <a:endParaRPr lang="en-US" b="1" dirty="0">
+                <a:solidFill>
+                  <a:schemeClr val="bg1"/>
+                </a:solidFill>
+              </a:endParaRPr>
+            </a:p>
+          </p:txBody>
+        </p:sp>
+        <p:sp>
+          <p:nvSpPr>
+            <p:cNvPr id="7" name="TextBox 6"/>
+            <p:cNvSpPr txBox="1"/>
+            <p:nvPr/>
+          </p:nvSpPr>
+          <p:spPr>
+            <a:xfrm>
+              <a:off x="381000" y="1838980"/>
+              <a:ext cx="8534399" cy="523220"/>
+            </a:xfrm>
+            <a:prstGeom prst="rect">
+              <a:avLst/>
+            </a:prstGeom>
+            <a:noFill/>
+          </p:spPr>
+          <p:txBody>
+            <a:bodyPr wrap="square" rtlCol="0">
+              <a:spAutoFit/>
+            </a:bodyPr>
+            <a:lstStyle/>
+            <a:p>
+              <a:r>
+                <a:rPr lang="en-US" sz="2800" dirty="0" smtClean="0">
+                  <a:solidFill>
+                    <a:srgbClr val="FFFF00"/>
+                  </a:solidFill>
+                </a:rPr>
+                <a:t>      1000 pts.	         100 pts.	 10pts.	</a:t>
+              </a:r>
+              <a:r>
+                <a:rPr lang="en-US" sz="2800" dirty="0">
+                  <a:solidFill>
+                    <a:srgbClr val="FFFF00"/>
+                  </a:solidFill>
+                </a:rPr>
+                <a:t> </a:t>
+              </a:r>
+              <a:r>
+                <a:rPr lang="en-US" sz="2800" dirty="0" smtClean="0">
+                  <a:solidFill>
+                    <a:srgbClr val="FFFF00"/>
+                  </a:solidFill>
+                </a:rPr>
+                <a:t>    </a:t>
+              </a:r>
+              <a:r>
+                <a:rPr lang="en-US" sz="2800" dirty="0" smtClean="0">
+                  <a:solidFill>
+                    <a:srgbClr val="FFFF00"/>
+                  </a:solidFill>
+                </a:rPr>
+                <a:t>1pt.</a:t>
+              </a:r>
+              <a:endParaRPr lang="en-US" sz="1000" dirty="0" smtClean="0">
+                <a:solidFill>
+                  <a:srgbClr val="FFFF00"/>
+                </a:solidFill>
+              </a:endParaRPr>
+            </a:p>
+          </p:txBody>
+        </p:sp>
+      </p:grpSp>
+    </p:spTree>
+    <p:extLst>
+      <p:ext uri="{BB962C8B-B14F-4D97-AF65-F5344CB8AC3E}">
+        <p14:creationId xmlns:p14="http://schemas.microsoft.com/office/powerpoint/2010/main" val="271065658"/>
+      </p:ext>
+    </p:extLst>
+  </p:cSld>
+  <p:clrMapOvr>
+    <a:masterClrMapping/>
+  </p:clrMapOvr>
+  <p:timing>
+    <p:tnLst>
+      <p:par>
+        <p:cTn id="1" dur="indefinite" restart="never" nodeType="tmRoot"/>
+      </p:par>
+    </p:tnLst>
+  </p:timing>
+</p:sld>
+</file>
+
+<file path=ppt/slides/slide71.xml><?xml version="1.0" encoding="utf-8"?>
+<p:sld xmlns:a="http://schemas.openxmlformats.org/drawingml/2006/main" xmlns:r="http://schemas.openxmlformats.org/officeDocument/2006/relationships" xmlns:p="http://schemas.openxmlformats.org/presentationml/2006/main">
+  <p:cSld>
+    <p:spTree>
+      <p:nvGrpSpPr>
+        <p:cNvPr id="1" name=""/>
+        <p:cNvGrpSpPr/>
+        <p:nvPr/>
+      </p:nvGrpSpPr>
+      <p:grpSpPr>
+        <a:xfrm>
+          <a:off x="0" y="0"/>
+          <a:ext cx="0" cy="0"/>
+          <a:chOff x="0" y="0"/>
+          <a:chExt cx="0" cy="0"/>
+        </a:xfrm>
+      </p:grpSpPr>
+      <p:sp>
+        <p:nvSpPr>
+          <p:cNvPr id="4" name="TextBox 3"/>
+          <p:cNvSpPr txBox="1"/>
+          <p:nvPr/>
+        </p:nvSpPr>
+        <p:spPr>
+          <a:xfrm>
+            <a:off x="685800" y="2523964"/>
+            <a:ext cx="7620000" cy="1862048"/>
+          </a:xfrm>
+          <a:prstGeom prst="rect">
+            <a:avLst/>
+          </a:prstGeom>
+          <a:noFill/>
+        </p:spPr>
+        <p:txBody>
+          <a:bodyPr wrap="square" rtlCol="0">
+            <a:spAutoFit/>
+          </a:bodyPr>
+          <a:lstStyle/>
+          <a:p>
+            <a:pPr algn="ctr"/>
+            <a:r>
+              <a:rPr lang="en-US" sz="11500" dirty="0" smtClean="0">
+                <a:solidFill>
+                  <a:srgbClr val="FFFF00"/>
+                </a:solidFill>
+              </a:rPr>
+              <a:t>DEMO</a:t>
+            </a:r>
+            <a:endParaRPr lang="en-US" sz="4800" dirty="0" smtClean="0">
+              <a:solidFill>
+                <a:srgbClr val="FFFF00"/>
+              </a:solidFill>
+            </a:endParaRPr>
+          </a:p>
+        </p:txBody>
+      </p:sp>
+    </p:spTree>
+    <p:extLst>
+      <p:ext uri="{BB962C8B-B14F-4D97-AF65-F5344CB8AC3E}">
+        <p14:creationId xmlns:p14="http://schemas.microsoft.com/office/powerpoint/2010/main" val="2468503566"/>
       </p:ext>
     </p:extLst>
   </p:cSld>

--- a/CPEE1/02. Week 2/00. Presentation/Week 2.pptx
+++ b/CPEE1/02. Week 2/00. Presentation/Week 2.pptx
@@ -13,12 +13,12 @@
     <p:sldId id="304" r:id="rId7"/>
     <p:sldId id="305" r:id="rId8"/>
     <p:sldId id="306" r:id="rId9"/>
-    <p:sldId id="308" r:id="rId10"/>
-    <p:sldId id="307" r:id="rId11"/>
-    <p:sldId id="309" r:id="rId12"/>
-    <p:sldId id="310" r:id="rId13"/>
-    <p:sldId id="311" r:id="rId14"/>
-    <p:sldId id="312" r:id="rId15"/>
+    <p:sldId id="370" r:id="rId10"/>
+    <p:sldId id="308" r:id="rId11"/>
+    <p:sldId id="307" r:id="rId12"/>
+    <p:sldId id="309" r:id="rId13"/>
+    <p:sldId id="310" r:id="rId14"/>
+    <p:sldId id="311" r:id="rId15"/>
     <p:sldId id="313" r:id="rId16"/>
     <p:sldId id="318" r:id="rId17"/>
     <p:sldId id="315" r:id="rId18"/>
@@ -56,26 +56,31 @@
     <p:sldId id="356" r:id="rId50"/>
     <p:sldId id="346" r:id="rId51"/>
     <p:sldId id="347" r:id="rId52"/>
-    <p:sldId id="365" r:id="rId53"/>
-    <p:sldId id="366" r:id="rId54"/>
-    <p:sldId id="357" r:id="rId55"/>
-    <p:sldId id="348" r:id="rId56"/>
-    <p:sldId id="349" r:id="rId57"/>
-    <p:sldId id="358" r:id="rId58"/>
-    <p:sldId id="342" r:id="rId59"/>
-    <p:sldId id="343" r:id="rId60"/>
-    <p:sldId id="344" r:id="rId61"/>
-    <p:sldId id="367" r:id="rId62"/>
-    <p:sldId id="345" r:id="rId63"/>
-    <p:sldId id="359" r:id="rId64"/>
-    <p:sldId id="350" r:id="rId65"/>
-    <p:sldId id="351" r:id="rId66"/>
-    <p:sldId id="368" r:id="rId67"/>
-    <p:sldId id="369" r:id="rId68"/>
-    <p:sldId id="360" r:id="rId69"/>
-    <p:sldId id="362" r:id="rId70"/>
-    <p:sldId id="363" r:id="rId71"/>
-    <p:sldId id="364" r:id="rId72"/>
+    <p:sldId id="371" r:id="rId53"/>
+    <p:sldId id="365" r:id="rId54"/>
+    <p:sldId id="366" r:id="rId55"/>
+    <p:sldId id="357" r:id="rId56"/>
+    <p:sldId id="348" r:id="rId57"/>
+    <p:sldId id="349" r:id="rId58"/>
+    <p:sldId id="358" r:id="rId59"/>
+    <p:sldId id="342" r:id="rId60"/>
+    <p:sldId id="343" r:id="rId61"/>
+    <p:sldId id="344" r:id="rId62"/>
+    <p:sldId id="367" r:id="rId63"/>
+    <p:sldId id="345" r:id="rId64"/>
+    <p:sldId id="359" r:id="rId65"/>
+    <p:sldId id="350" r:id="rId66"/>
+    <p:sldId id="351" r:id="rId67"/>
+    <p:sldId id="368" r:id="rId68"/>
+    <p:sldId id="369" r:id="rId69"/>
+    <p:sldId id="376" r:id="rId70"/>
+    <p:sldId id="373" r:id="rId71"/>
+    <p:sldId id="374" r:id="rId72"/>
+    <p:sldId id="375" r:id="rId73"/>
+    <p:sldId id="362" r:id="rId74"/>
+    <p:sldId id="363" r:id="rId75"/>
+    <p:sldId id="364" r:id="rId76"/>
+    <p:sldId id="372" r:id="rId77"/>
   </p:sldIdLst>
   <p:sldSz cx="9144000" cy="6858000" type="screen4x3"/>
   <p:notesSz cx="6858000" cy="9144000"/>
@@ -358,7 +363,7 @@
           <a:p>
             <a:fld id="{713DCFBF-1251-4F71-8BFB-150CFD910DA2}" type="datetimeFigureOut">
               <a:rPr lang="en-US" smtClean="0"/>
-              <a:t>1/25/2018</a:t>
+              <a:t>1/29/2018</a:t>
             </a:fld>
             <a:endParaRPr lang="en-US"/>
           </a:p>
@@ -528,7 +533,7 @@
           <a:p>
             <a:fld id="{713DCFBF-1251-4F71-8BFB-150CFD910DA2}" type="datetimeFigureOut">
               <a:rPr lang="en-US" smtClean="0"/>
-              <a:t>1/25/2018</a:t>
+              <a:t>1/29/2018</a:t>
             </a:fld>
             <a:endParaRPr lang="en-US"/>
           </a:p>
@@ -708,7 +713,7 @@
           <a:p>
             <a:fld id="{713DCFBF-1251-4F71-8BFB-150CFD910DA2}" type="datetimeFigureOut">
               <a:rPr lang="en-US" smtClean="0"/>
-              <a:t>1/25/2018</a:t>
+              <a:t>1/29/2018</a:t>
             </a:fld>
             <a:endParaRPr lang="en-US"/>
           </a:p>
@@ -878,7 +883,7 @@
           <a:p>
             <a:fld id="{713DCFBF-1251-4F71-8BFB-150CFD910DA2}" type="datetimeFigureOut">
               <a:rPr lang="en-US" smtClean="0"/>
-              <a:t>1/25/2018</a:t>
+              <a:t>1/29/2018</a:t>
             </a:fld>
             <a:endParaRPr lang="en-US"/>
           </a:p>
@@ -1124,7 +1129,7 @@
           <a:p>
             <a:fld id="{713DCFBF-1251-4F71-8BFB-150CFD910DA2}" type="datetimeFigureOut">
               <a:rPr lang="en-US" smtClean="0"/>
-              <a:t>1/25/2018</a:t>
+              <a:t>1/29/2018</a:t>
             </a:fld>
             <a:endParaRPr lang="en-US"/>
           </a:p>
@@ -1412,7 +1417,7 @@
           <a:p>
             <a:fld id="{713DCFBF-1251-4F71-8BFB-150CFD910DA2}" type="datetimeFigureOut">
               <a:rPr lang="en-US" smtClean="0"/>
-              <a:t>1/25/2018</a:t>
+              <a:t>1/29/2018</a:t>
             </a:fld>
             <a:endParaRPr lang="en-US"/>
           </a:p>
@@ -1834,7 +1839,7 @@
           <a:p>
             <a:fld id="{713DCFBF-1251-4F71-8BFB-150CFD910DA2}" type="datetimeFigureOut">
               <a:rPr lang="en-US" smtClean="0"/>
-              <a:t>1/25/2018</a:t>
+              <a:t>1/29/2018</a:t>
             </a:fld>
             <a:endParaRPr lang="en-US"/>
           </a:p>
@@ -1952,7 +1957,7 @@
           <a:p>
             <a:fld id="{713DCFBF-1251-4F71-8BFB-150CFD910DA2}" type="datetimeFigureOut">
               <a:rPr lang="en-US" smtClean="0"/>
-              <a:t>1/25/2018</a:t>
+              <a:t>1/29/2018</a:t>
             </a:fld>
             <a:endParaRPr lang="en-US"/>
           </a:p>
@@ -2047,7 +2052,7 @@
           <a:p>
             <a:fld id="{713DCFBF-1251-4F71-8BFB-150CFD910DA2}" type="datetimeFigureOut">
               <a:rPr lang="en-US" smtClean="0"/>
-              <a:t>1/25/2018</a:t>
+              <a:t>1/29/2018</a:t>
             </a:fld>
             <a:endParaRPr lang="en-US"/>
           </a:p>
@@ -2324,7 +2329,7 @@
           <a:p>
             <a:fld id="{713DCFBF-1251-4F71-8BFB-150CFD910DA2}" type="datetimeFigureOut">
               <a:rPr lang="en-US" smtClean="0"/>
-              <a:t>1/25/2018</a:t>
+              <a:t>1/29/2018</a:t>
             </a:fld>
             <a:endParaRPr lang="en-US"/>
           </a:p>
@@ -2577,7 +2582,7 @@
           <a:p>
             <a:fld id="{713DCFBF-1251-4F71-8BFB-150CFD910DA2}" type="datetimeFigureOut">
               <a:rPr lang="en-US" smtClean="0"/>
-              <a:t>1/25/2018</a:t>
+              <a:t>1/29/2018</a:t>
             </a:fld>
             <a:endParaRPr lang="en-US"/>
           </a:p>
@@ -2790,7 +2795,7 @@
           <a:p>
             <a:fld id="{713DCFBF-1251-4F71-8BFB-150CFD910DA2}" type="datetimeFigureOut">
               <a:rPr lang="en-US" smtClean="0"/>
-              <a:t>1/25/2018</a:t>
+              <a:t>1/29/2018</a:t>
             </a:fld>
             <a:endParaRPr lang="en-US"/>
           </a:p>
@@ -3245,142 +3250,51 @@
           <a:chExt cx="0" cy="0"/>
         </a:xfrm>
       </p:grpSpPr>
-      <p:sp>
-        <p:nvSpPr>
-          <p:cNvPr id="4" name="TextBox 3"/>
-          <p:cNvSpPr txBox="1"/>
+      <p:pic>
+        <p:nvPicPr>
+          <p:cNvPr id="2050" name="Picture 2" descr="C:\Users\CIT\Desktop\marlou-arizala-xander-ford.jpg"/>
+          <p:cNvPicPr>
+            <a:picLocks noChangeAspect="1" noChangeArrowheads="1"/>
+          </p:cNvPicPr>
           <p:nvPr/>
-        </p:nvSpPr>
-        <p:spPr>
+        </p:nvPicPr>
+        <p:blipFill>
+          <a:blip r:embed="rId2">
+            <a:extLst>
+              <a:ext uri="{28A0092B-C50C-407E-A947-70E740481C1C}">
+                <a14:useLocalDpi xmlns:a14="http://schemas.microsoft.com/office/drawing/2010/main" val="0"/>
+              </a:ext>
+            </a:extLst>
+          </a:blip>
+          <a:srcRect/>
+          <a:stretch>
+            <a:fillRect/>
+          </a:stretch>
+        </p:blipFill>
+        <p:spPr bwMode="auto">
           <a:xfrm>
-            <a:off x="291152" y="322957"/>
-            <a:ext cx="8534400" cy="6001643"/>
+            <a:off x="304800" y="304800"/>
+            <a:ext cx="8517635" cy="6172200"/>
           </a:xfrm>
           <a:prstGeom prst="rect">
             <a:avLst/>
           </a:prstGeom>
           <a:noFill/>
+          <a:extLst>
+            <a:ext uri="{909E8E84-426E-40DD-AFC4-6F175D3DCCD1}">
+              <a14:hiddenFill xmlns:a14="http://schemas.microsoft.com/office/drawing/2010/main">
+                <a:solidFill>
+                  <a:srgbClr val="FFFFFF"/>
+                </a:solidFill>
+              </a14:hiddenFill>
+            </a:ext>
+          </a:extLst>
         </p:spPr>
-        <p:txBody>
-          <a:bodyPr wrap="square" rtlCol="0">
-            <a:spAutoFit/>
-          </a:bodyPr>
-          <a:lstStyle/>
-          <a:p>
-            <a:pPr algn="ctr"/>
-            <a:r>
-              <a:rPr lang="en-US" sz="8800" dirty="0" smtClean="0"/>
-              <a:t>General Rule</a:t>
-            </a:r>
-          </a:p>
-          <a:p>
-            <a:pPr algn="ctr"/>
-            <a:endParaRPr lang="en-US" sz="3200" dirty="0" smtClean="0"/>
-          </a:p>
-          <a:p>
-            <a:r>
-              <a:rPr lang="en-US" sz="4400" dirty="0" smtClean="0">
-                <a:solidFill>
-                  <a:srgbClr val="92D050"/>
-                </a:solidFill>
-              </a:rPr>
-              <a:t>	</a:t>
-            </a:r>
-            <a:r>
-              <a:rPr lang="en-US" sz="4400" dirty="0" smtClean="0">
-                <a:solidFill>
-                  <a:srgbClr val="00B0F0"/>
-                </a:solidFill>
-              </a:rPr>
-              <a:t>selector</a:t>
-            </a:r>
-            <a:r>
-              <a:rPr lang="en-US" sz="4400" dirty="0" smtClean="0"/>
-              <a:t> {</a:t>
-            </a:r>
-          </a:p>
-          <a:p>
-            <a:endParaRPr lang="en-US" sz="4400" dirty="0" smtClean="0"/>
-          </a:p>
-          <a:p>
-            <a:r>
-              <a:rPr lang="en-US" sz="4400" dirty="0" smtClean="0"/>
-              <a:t>		</a:t>
-            </a:r>
-            <a:r>
-              <a:rPr lang="en-US" sz="4400" dirty="0" smtClean="0">
-                <a:solidFill>
-                  <a:srgbClr val="FFFF00"/>
-                </a:solidFill>
-              </a:rPr>
-              <a:t>property</a:t>
-            </a:r>
-            <a:r>
-              <a:rPr lang="en-US" sz="4400" dirty="0" smtClean="0"/>
-              <a:t>: </a:t>
-            </a:r>
-            <a:r>
-              <a:rPr lang="en-US" sz="4400" dirty="0" smtClean="0">
-                <a:solidFill>
-                  <a:srgbClr val="00B050"/>
-                </a:solidFill>
-              </a:rPr>
-              <a:t>value</a:t>
-            </a:r>
-            <a:r>
-              <a:rPr lang="en-US" sz="4400" dirty="0" smtClean="0"/>
-              <a:t>;</a:t>
-            </a:r>
-          </a:p>
-          <a:p>
-            <a:r>
-              <a:rPr lang="en-US" sz="4400" dirty="0"/>
-              <a:t> </a:t>
-            </a:r>
-            <a:r>
-              <a:rPr lang="en-US" sz="4400" dirty="0" smtClean="0"/>
-              <a:t>     		</a:t>
-            </a:r>
-            <a:r>
-              <a:rPr lang="en-US" sz="4400" dirty="0" err="1" smtClean="0">
-                <a:solidFill>
-                  <a:srgbClr val="FFFF00"/>
-                </a:solidFill>
-              </a:rPr>
-              <a:t>anotherproperty</a:t>
-            </a:r>
-            <a:r>
-              <a:rPr lang="en-US" sz="4400" dirty="0" smtClean="0"/>
-              <a:t>: </a:t>
-            </a:r>
-            <a:r>
-              <a:rPr lang="en-US" sz="4400" dirty="0" smtClean="0">
-                <a:solidFill>
-                  <a:srgbClr val="00B050"/>
-                </a:solidFill>
-              </a:rPr>
-              <a:t>value</a:t>
-            </a:r>
-            <a:r>
-              <a:rPr lang="en-US" sz="4400" dirty="0" smtClean="0"/>
-              <a:t>;</a:t>
-            </a:r>
-          </a:p>
-          <a:p>
-            <a:endParaRPr lang="en-US" sz="4400" dirty="0" smtClean="0"/>
-          </a:p>
-          <a:p>
-            <a:r>
-              <a:rPr lang="en-US" sz="4400" dirty="0" smtClean="0"/>
-              <a:t>	}</a:t>
-            </a:r>
-          </a:p>
-        </p:txBody>
-      </p:sp>
+      </p:pic>
     </p:spTree>
     <p:extLst>
       <p:ext uri="{BB962C8B-B14F-4D97-AF65-F5344CB8AC3E}">
-        <p14:creationId xmlns:p14="http://schemas.microsoft.com/office/powerpoint/2010/main" val="133557026"/>
+        <p14:creationId xmlns:p14="http://schemas.microsoft.com/office/powerpoint/2010/main" val="3048777268"/>
       </p:ext>
     </p:extLst>
   </p:cSld>
@@ -3422,7 +3336,7 @@
         </p:nvSpPr>
         <p:spPr>
           <a:xfrm>
-            <a:off x="291152" y="381000"/>
+            <a:off x="291152" y="322957"/>
             <a:ext cx="8534400" cy="6001643"/>
           </a:xfrm>
           <a:prstGeom prst="rect">
@@ -3439,7 +3353,7 @@
             <a:pPr algn="ctr"/>
             <a:r>
               <a:rPr lang="en-US" sz="8800" dirty="0" smtClean="0"/>
-              <a:t>Example</a:t>
+              <a:t>General Rule</a:t>
             </a:r>
           </a:p>
           <a:p>
@@ -3461,7 +3375,7 @@
                   <a:srgbClr val="00B0F0"/>
                 </a:solidFill>
               </a:rPr>
-              <a:t>h1</a:t>
+              <a:t>selector</a:t>
             </a:r>
             <a:r>
               <a:rPr lang="en-US" sz="4400" dirty="0" smtClean="0"/>
@@ -3482,7 +3396,7 @@
                   <a:srgbClr val="FFFF00"/>
                 </a:solidFill>
               </a:rPr>
-              <a:t>color</a:t>
+              <a:t>property</a:t>
             </a:r>
             <a:r>
               <a:rPr lang="en-US" sz="4400" dirty="0" smtClean="0"/>
@@ -3494,7 +3408,7 @@
                   <a:srgbClr val="00B050"/>
                 </a:solidFill>
               </a:rPr>
-              <a:t>purple</a:t>
+              <a:t>value</a:t>
             </a:r>
             <a:r>
               <a:rPr lang="en-US" sz="4400" dirty="0" smtClean="0"/>
@@ -3511,12 +3425,12 @@
               <a:t>     		</a:t>
             </a:r>
             <a:r>
-              <a:rPr lang="en-US" sz="4400" dirty="0" smtClean="0">
+              <a:rPr lang="en-US" sz="4400" dirty="0" err="1" smtClean="0">
                 <a:solidFill>
                   <a:srgbClr val="FFFF00"/>
                 </a:solidFill>
               </a:rPr>
-              <a:t>font-size</a:t>
+              <a:t>anotherproperty</a:t>
             </a:r>
             <a:r>
               <a:rPr lang="en-US" sz="4400" dirty="0" smtClean="0"/>
@@ -3528,7 +3442,7 @@
                   <a:srgbClr val="00B050"/>
                 </a:solidFill>
               </a:rPr>
-              <a:t>36px</a:t>
+              <a:t>value</a:t>
             </a:r>
             <a:r>
               <a:rPr lang="en-US" sz="4400" dirty="0" smtClean="0"/>
@@ -3549,7 +3463,7 @@
     </p:spTree>
     <p:extLst>
       <p:ext uri="{BB962C8B-B14F-4D97-AF65-F5344CB8AC3E}">
-        <p14:creationId xmlns:p14="http://schemas.microsoft.com/office/powerpoint/2010/main" val="301628609"/>
+        <p14:creationId xmlns:p14="http://schemas.microsoft.com/office/powerpoint/2010/main" val="133557026"/>
       </p:ext>
     </p:extLst>
   </p:cSld>
@@ -3591,8 +3505,8 @@
         </p:nvSpPr>
         <p:spPr>
           <a:xfrm>
-            <a:off x="685800" y="1847433"/>
-            <a:ext cx="7772400" cy="2800767"/>
+            <a:off x="291152" y="381000"/>
+            <a:ext cx="8534400" cy="6001643"/>
           </a:xfrm>
           <a:prstGeom prst="rect">
             <a:avLst/>
@@ -3608,23 +3522,117 @@
             <a:pPr algn="ctr"/>
             <a:r>
               <a:rPr lang="en-US" sz="8800" dirty="0" smtClean="0"/>
-              <a:t>Where do we</a:t>
-            </a:r>
-          </a:p>
-          <a:p>
-            <a:pPr algn="ctr"/>
-            <a:r>
-              <a:rPr lang="en-US" sz="8800" dirty="0" smtClean="0"/>
-              <a:t>write our styles?</a:t>
-            </a:r>
-            <a:endParaRPr lang="en-US" sz="4800" dirty="0" smtClean="0"/>
+              <a:t>Example</a:t>
+            </a:r>
+          </a:p>
+          <a:p>
+            <a:pPr algn="ctr"/>
+            <a:endParaRPr lang="en-US" sz="3200" dirty="0" smtClean="0"/>
+          </a:p>
+          <a:p>
+            <a:r>
+              <a:rPr lang="en-US" sz="4400" dirty="0" smtClean="0">
+                <a:solidFill>
+                  <a:srgbClr val="92D050"/>
+                </a:solidFill>
+              </a:rPr>
+              <a:t>	</a:t>
+            </a:r>
+            <a:r>
+              <a:rPr lang="en-US" sz="4400" dirty="0" smtClean="0">
+                <a:solidFill>
+                  <a:srgbClr val="00B0F0"/>
+                </a:solidFill>
+              </a:rPr>
+              <a:t>h1</a:t>
+            </a:r>
+            <a:r>
+              <a:rPr lang="en-US" sz="4400" dirty="0" smtClean="0"/>
+              <a:t> {</a:t>
+            </a:r>
+          </a:p>
+          <a:p>
+            <a:endParaRPr lang="en-US" sz="4400" dirty="0" smtClean="0"/>
+          </a:p>
+          <a:p>
+            <a:r>
+              <a:rPr lang="en-US" sz="4400" dirty="0" smtClean="0"/>
+              <a:t>		</a:t>
+            </a:r>
+            <a:r>
+              <a:rPr lang="en-US" sz="4400" dirty="0" smtClean="0">
+                <a:solidFill>
+                  <a:srgbClr val="FFFF00"/>
+                </a:solidFill>
+              </a:rPr>
+              <a:t>color</a:t>
+            </a:r>
+            <a:r>
+              <a:rPr lang="en-US" sz="4400" dirty="0" smtClean="0"/>
+              <a:t>: </a:t>
+            </a:r>
+            <a:r>
+              <a:rPr lang="en-US" sz="4400" dirty="0" smtClean="0">
+                <a:solidFill>
+                  <a:srgbClr val="00B050"/>
+                </a:solidFill>
+              </a:rPr>
+              <a:t>purple</a:t>
+            </a:r>
+            <a:r>
+              <a:rPr lang="en-US" sz="4400" dirty="0" smtClean="0"/>
+              <a:t>;</a:t>
+            </a:r>
+          </a:p>
+          <a:p>
+            <a:r>
+              <a:rPr lang="en-US" sz="4400" dirty="0"/>
+              <a:t> </a:t>
+            </a:r>
+            <a:r>
+              <a:rPr lang="en-US" sz="4400" dirty="0" smtClean="0"/>
+              <a:t>     		</a:t>
+            </a:r>
+            <a:r>
+              <a:rPr lang="en-US" sz="4400" dirty="0" smtClean="0">
+                <a:solidFill>
+                  <a:srgbClr val="FFFF00"/>
+                </a:solidFill>
+              </a:rPr>
+              <a:t>font-size</a:t>
+            </a:r>
+            <a:r>
+              <a:rPr lang="en-US" sz="4400" dirty="0" smtClean="0"/>
+              <a:t>: </a:t>
+            </a:r>
+            <a:r>
+              <a:rPr lang="en-US" sz="4400" dirty="0" smtClean="0">
+                <a:solidFill>
+                  <a:srgbClr val="00B050"/>
+                </a:solidFill>
+              </a:rPr>
+              <a:t>36px</a:t>
+            </a:r>
+            <a:r>
+              <a:rPr lang="en-US" sz="4400" dirty="0" smtClean="0"/>
+              <a:t>;</a:t>
+            </a:r>
+          </a:p>
+          <a:p>
+            <a:endParaRPr lang="en-US" sz="4400" dirty="0" smtClean="0"/>
+          </a:p>
+          <a:p>
+            <a:r>
+              <a:rPr lang="en-US" sz="4400" dirty="0" smtClean="0"/>
+              <a:t>	}</a:t>
+            </a:r>
           </a:p>
         </p:txBody>
       </p:sp>
     </p:spTree>
     <p:extLst>
       <p:ext uri="{BB962C8B-B14F-4D97-AF65-F5344CB8AC3E}">
-        <p14:creationId xmlns:p14="http://schemas.microsoft.com/office/powerpoint/2010/main" val="789524236"/>
+        <p14:creationId xmlns:p14="http://schemas.microsoft.com/office/powerpoint/2010/main" val="301628609"/>
       </p:ext>
     </p:extLst>
   </p:cSld>
@@ -3666,8 +3674,8 @@
         </p:nvSpPr>
         <p:spPr>
           <a:xfrm>
-            <a:off x="304800" y="1354753"/>
-            <a:ext cx="8534400" cy="4154984"/>
+            <a:off x="685800" y="1847433"/>
+            <a:ext cx="7772400" cy="2800767"/>
           </a:xfrm>
           <a:prstGeom prst="rect">
             <a:avLst/>
@@ -3682,71 +3690,24 @@
           <a:p>
             <a:pPr algn="ctr"/>
             <a:r>
-              <a:rPr lang="en-US" sz="8800" dirty="0" smtClean="0">
-                <a:solidFill>
-                  <a:srgbClr val="00B0F0"/>
-                </a:solidFill>
-              </a:rPr>
-              <a:t>inline </a:t>
-            </a:r>
-            <a:r>
-              <a:rPr lang="en-US" sz="8800" dirty="0" smtClean="0">
-                <a:solidFill>
-                  <a:srgbClr val="FF0000"/>
-                </a:solidFill>
-              </a:rPr>
-              <a:t>(bad) </a:t>
-            </a:r>
-          </a:p>
-          <a:p>
-            <a:pPr algn="ctr"/>
-            <a:r>
-              <a:rPr lang="en-US" sz="8800" dirty="0" smtClean="0">
-                <a:solidFill>
-                  <a:srgbClr val="00B0F0"/>
-                </a:solidFill>
-              </a:rPr>
-              <a:t>style tag </a:t>
-            </a:r>
-            <a:r>
-              <a:rPr lang="en-US" sz="8800" dirty="0" smtClean="0">
-                <a:solidFill>
-                  <a:srgbClr val="FF0000"/>
-                </a:solidFill>
-              </a:rPr>
-              <a:t>(bad)</a:t>
-            </a:r>
-          </a:p>
-          <a:p>
-            <a:pPr algn="ctr"/>
-            <a:r>
-              <a:rPr lang="en-US" sz="8800" dirty="0" smtClean="0">
-                <a:solidFill>
-                  <a:srgbClr val="00B0F0"/>
-                </a:solidFill>
-              </a:rPr>
-              <a:t>link </a:t>
-            </a:r>
-            <a:r>
-              <a:rPr lang="en-US" sz="8800" dirty="0" smtClean="0">
-                <a:solidFill>
-                  <a:srgbClr val="00B050"/>
-                </a:solidFill>
-              </a:rPr>
-              <a:t>(great!)</a:t>
-            </a:r>
-            <a:endParaRPr lang="en-US" sz="4800" dirty="0" smtClean="0">
-              <a:solidFill>
-                <a:srgbClr val="00B050"/>
-              </a:solidFill>
-            </a:endParaRPr>
+              <a:rPr lang="en-US" sz="8800" dirty="0" smtClean="0"/>
+              <a:t>Where do we</a:t>
+            </a:r>
+          </a:p>
+          <a:p>
+            <a:pPr algn="ctr"/>
+            <a:r>
+              <a:rPr lang="en-US" sz="8800" dirty="0" smtClean="0"/>
+              <a:t>write our styles?</a:t>
+            </a:r>
+            <a:endParaRPr lang="en-US" sz="4800" dirty="0" smtClean="0"/>
           </a:p>
         </p:txBody>
       </p:sp>
     </p:spTree>
     <p:extLst>
       <p:ext uri="{BB962C8B-B14F-4D97-AF65-F5344CB8AC3E}">
-        <p14:creationId xmlns:p14="http://schemas.microsoft.com/office/powerpoint/2010/main" val="3522421689"/>
+        <p14:creationId xmlns:p14="http://schemas.microsoft.com/office/powerpoint/2010/main" val="789524236"/>
       </p:ext>
     </p:extLst>
   </p:cSld>
@@ -3788,8 +3749,8 @@
         </p:nvSpPr>
         <p:spPr>
           <a:xfrm>
-            <a:off x="685800" y="2523964"/>
-            <a:ext cx="7620000" cy="1862048"/>
+            <a:off x="304800" y="1354753"/>
+            <a:ext cx="8534400" cy="4154984"/>
           </a:xfrm>
           <a:prstGeom prst="rect">
             <a:avLst/>
@@ -3804,16 +3765,62 @@
           <a:p>
             <a:pPr algn="ctr"/>
             <a:r>
-              <a:rPr lang="en-US" sz="11500" dirty="0" smtClean="0">
-                <a:solidFill>
-                  <a:srgbClr val="FFFF00"/>
-                </a:solidFill>
-              </a:rPr>
-              <a:t>DEMO</a:t>
+              <a:rPr lang="en-US" sz="8800" dirty="0" smtClean="0">
+                <a:solidFill>
+                  <a:srgbClr val="00B0F0"/>
+                </a:solidFill>
+              </a:rPr>
+              <a:t>inline </a:t>
+            </a:r>
+            <a:r>
+              <a:rPr lang="en-US" sz="8800" dirty="0" smtClean="0">
+                <a:solidFill>
+                  <a:srgbClr val="FF0000"/>
+                </a:solidFill>
+              </a:rPr>
+              <a:t>(bad) </a:t>
+            </a:r>
+          </a:p>
+          <a:p>
+            <a:pPr algn="ctr"/>
+            <a:r>
+              <a:rPr lang="en-US" sz="8800" dirty="0" smtClean="0">
+                <a:solidFill>
+                  <a:srgbClr val="00B0F0"/>
+                </a:solidFill>
+              </a:rPr>
+              <a:t>style tag </a:t>
+            </a:r>
+            <a:r>
+              <a:rPr lang="en-US" sz="8800" dirty="0" smtClean="0">
+                <a:solidFill>
+                  <a:srgbClr val="FF0000"/>
+                </a:solidFill>
+              </a:rPr>
+              <a:t>(bad)</a:t>
+            </a:r>
+          </a:p>
+          <a:p>
+            <a:pPr algn="ctr"/>
+            <a:r>
+              <a:rPr lang="en-US" sz="8800" dirty="0" smtClean="0">
+                <a:solidFill>
+                  <a:srgbClr val="00B0F0"/>
+                </a:solidFill>
+              </a:rPr>
+              <a:t>link </a:t>
+            </a:r>
+            <a:r>
+              <a:rPr lang="en-US" sz="8800" dirty="0" smtClean="0">
+                <a:solidFill>
+                  <a:srgbClr val="00B050"/>
+                </a:solidFill>
+              </a:rPr>
+              <a:t>(great!)</a:t>
             </a:r>
             <a:endParaRPr lang="en-US" sz="4800" dirty="0" smtClean="0">
               <a:solidFill>
-                <a:srgbClr val="FFFF00"/>
+                <a:srgbClr val="00B050"/>
               </a:solidFill>
             </a:endParaRPr>
           </a:p>
@@ -3822,7 +3829,7 @@
     </p:spTree>
     <p:extLst>
       <p:ext uri="{BB962C8B-B14F-4D97-AF65-F5344CB8AC3E}">
-        <p14:creationId xmlns:p14="http://schemas.microsoft.com/office/powerpoint/2010/main" val="3094156231"/>
+        <p14:creationId xmlns:p14="http://schemas.microsoft.com/office/powerpoint/2010/main" val="3522421689"/>
       </p:ext>
     </p:extLst>
   </p:cSld>
@@ -5085,7 +5092,7 @@
                   <a:srgbClr val="FFFF00"/>
                 </a:solidFill>
               </a:rPr>
-              <a:t>DEMO</a:t>
+              <a:t>DEMO 4</a:t>
             </a:r>
             <a:endParaRPr lang="en-US" sz="4800" dirty="0" smtClean="0">
               <a:solidFill>
@@ -5250,7 +5257,7 @@
                   <a:srgbClr val="FFFF00"/>
                 </a:solidFill>
               </a:rPr>
-              <a:t>DEMO</a:t>
+              <a:t>DEMO 1</a:t>
             </a:r>
             <a:endParaRPr lang="en-US" sz="4800" dirty="0" smtClean="0">
               <a:solidFill>
@@ -5725,7 +5732,7 @@
                   <a:srgbClr val="FFFF00"/>
                 </a:solidFill>
               </a:rPr>
-              <a:t>DEMO</a:t>
+              <a:t>DEMO 5</a:t>
             </a:r>
             <a:endParaRPr lang="en-US" sz="4800" dirty="0" smtClean="0">
               <a:solidFill>
@@ -6392,7 +6399,7 @@
                   <a:srgbClr val="FFFF00"/>
                 </a:solidFill>
               </a:rPr>
-              <a:t>DEMO</a:t>
+              <a:t>DEMO 6</a:t>
             </a:r>
             <a:endParaRPr lang="en-US" sz="4800" dirty="0" smtClean="0">
               <a:solidFill>
@@ -6679,7 +6686,7 @@
                   <a:srgbClr val="FFFF00"/>
                 </a:solidFill>
               </a:rPr>
-              <a:t>DEMO</a:t>
+              <a:t>DEMO 7</a:t>
             </a:r>
             <a:endParaRPr lang="en-US" sz="4800" dirty="0" smtClean="0">
               <a:solidFill>
@@ -6857,7 +6864,7 @@
                   <a:srgbClr val="FFFF00"/>
                 </a:solidFill>
               </a:rPr>
-              <a:t>DEMO</a:t>
+              <a:t>DEMO 8</a:t>
             </a:r>
             <a:endParaRPr lang="en-US" sz="4800" dirty="0" smtClean="0">
               <a:solidFill>
@@ -7284,7 +7291,7 @@
                   <a:srgbClr val="FFFF00"/>
                 </a:solidFill>
               </a:rPr>
-              <a:t>DEMO</a:t>
+              <a:t>DEMO 9</a:t>
             </a:r>
             <a:endParaRPr lang="en-US" sz="4800" dirty="0" smtClean="0">
               <a:solidFill>
@@ -7423,7 +7430,7 @@
         <p:spPr>
           <a:xfrm>
             <a:off x="803564" y="2107555"/>
-            <a:ext cx="7620000" cy="2585323"/>
+            <a:ext cx="7620000" cy="3416320"/>
           </a:xfrm>
           <a:prstGeom prst="rect">
             <a:avLst/>
@@ -7498,6 +7505,33 @@
                 </a:solidFill>
               </a:rPr>
               <a:t>italic</a:t>
+            </a:r>
+            <a:r>
+              <a:rPr lang="en-US" sz="5400" i="1" dirty="0" smtClean="0"/>
+              <a:t>;</a:t>
+            </a:r>
+          </a:p>
+          <a:p>
+            <a:pPr algn="ctr"/>
+            <a:r>
+              <a:rPr lang="en-US" sz="5400" i="1" dirty="0" smtClean="0">
+                <a:solidFill>
+                  <a:srgbClr val="FFFF00"/>
+                </a:solidFill>
+              </a:rPr>
+              <a:t>font-weight:</a:t>
+            </a:r>
+            <a:r>
+              <a:rPr lang="en-US" sz="5400" i="1" dirty="0" smtClean="0"/>
+              <a:t> </a:t>
+            </a:r>
+            <a:r>
+              <a:rPr lang="en-US" sz="5400" i="1" dirty="0" smtClean="0">
+                <a:solidFill>
+                  <a:srgbClr val="00B050"/>
+                </a:solidFill>
+              </a:rPr>
+              <a:t>bold</a:t>
             </a:r>
             <a:r>
               <a:rPr lang="en-US" sz="5400" i="1" dirty="0" smtClean="0"/>
@@ -7573,7 +7607,7 @@
                   <a:srgbClr val="FFFF00"/>
                 </a:solidFill>
               </a:rPr>
-              <a:t>DEMO</a:t>
+              <a:t>DEMO 10</a:t>
             </a:r>
             <a:endParaRPr lang="en-US" sz="4800" dirty="0" smtClean="0">
               <a:solidFill>
@@ -7841,7 +7875,7 @@
         <p:spPr>
           <a:xfrm>
             <a:off x="304800" y="2107555"/>
-            <a:ext cx="8534400" cy="2585323"/>
+            <a:ext cx="8534400" cy="3416320"/>
           </a:xfrm>
           <a:prstGeom prst="rect">
             <a:avLst/>
@@ -7894,6 +7928,30 @@
               <a:rPr lang="en-US" sz="5400" i="1" dirty="0" smtClean="0"/>
               <a:t>;</a:t>
             </a:r>
+          </a:p>
+          <a:p>
+            <a:pPr algn="ctr"/>
+            <a:r>
+              <a:rPr lang="en-US" sz="5400" i="1" dirty="0" smtClean="0">
+                <a:solidFill>
+                  <a:srgbClr val="FFFF00"/>
+                </a:solidFill>
+              </a:rPr>
+              <a:t>letter-spacing: </a:t>
+            </a:r>
+            <a:r>
+              <a:rPr lang="en-US" sz="5400" i="1" dirty="0" smtClean="0">
+                <a:solidFill>
+                  <a:srgbClr val="00B050"/>
+                </a:solidFill>
+              </a:rPr>
+              <a:t>5px</a:t>
+            </a:r>
+            <a:r>
+              <a:rPr lang="en-US" sz="5400" i="1" dirty="0" smtClean="0"/>
+              <a:t>;</a:t>
+            </a:r>
+            <a:endParaRPr lang="en-US" sz="5400" i="1" dirty="0" smtClean="0"/>
           </a:p>
           <a:p>
             <a:pPr algn="ctr"/>
@@ -7987,7 +8045,7 @@
                   <a:srgbClr val="FFFF00"/>
                 </a:solidFill>
               </a:rPr>
-              <a:t>DEMO</a:t>
+              <a:t>DEMO 11</a:t>
             </a:r>
             <a:endParaRPr lang="en-US" sz="4800" dirty="0" smtClean="0">
               <a:solidFill>
@@ -8323,8 +8381,8 @@
         </p:nvSpPr>
         <p:spPr>
           <a:xfrm>
-            <a:off x="762000" y="1939022"/>
-            <a:ext cx="7620000" cy="2785378"/>
+            <a:off x="685800" y="2523964"/>
+            <a:ext cx="7620000" cy="1862048"/>
           </a:xfrm>
           <a:prstGeom prst="rect">
             <a:avLst/>
@@ -8341,25 +8399,23 @@
             <a:r>
               <a:rPr lang="en-US" sz="11500" dirty="0" smtClean="0">
                 <a:solidFill>
-                  <a:srgbClr val="00B0F0"/>
-                </a:solidFill>
-              </a:rPr>
-              <a:t>Table</a:t>
-            </a:r>
-          </a:p>
-          <a:p>
-            <a:pPr algn="ctr"/>
-            <a:r>
-              <a:rPr lang="en-US" sz="5400" dirty="0" smtClean="0"/>
-              <a:t>(common only)</a:t>
-            </a:r>
+                  <a:srgbClr val="FFFF00"/>
+                </a:solidFill>
+              </a:rPr>
+              <a:t>DEMO 12</a:t>
+            </a:r>
+            <a:endParaRPr lang="en-US" sz="4800" dirty="0" smtClean="0">
+              <a:solidFill>
+                <a:srgbClr val="FFFF00"/>
+              </a:solidFill>
+            </a:endParaRPr>
           </a:p>
         </p:txBody>
       </p:sp>
     </p:spTree>
     <p:extLst>
       <p:ext uri="{BB962C8B-B14F-4D97-AF65-F5344CB8AC3E}">
-        <p14:creationId xmlns:p14="http://schemas.microsoft.com/office/powerpoint/2010/main" val="2474316614"/>
+        <p14:creationId xmlns:p14="http://schemas.microsoft.com/office/powerpoint/2010/main" val="301087913"/>
       </p:ext>
     </p:extLst>
   </p:cSld>
@@ -8401,8 +8457,8 @@
         </p:nvSpPr>
         <p:spPr>
           <a:xfrm>
-            <a:off x="381000" y="3039070"/>
-            <a:ext cx="8534400" cy="830997"/>
+            <a:off x="762000" y="1939022"/>
+            <a:ext cx="7620000" cy="2785378"/>
           </a:xfrm>
           <a:prstGeom prst="rect">
             <a:avLst/>
@@ -8417,33 +8473,27 @@
           <a:p>
             <a:pPr algn="ctr"/>
             <a:r>
-              <a:rPr lang="en-US" sz="4800" i="1" dirty="0" smtClean="0">
-                <a:solidFill>
-                  <a:srgbClr val="FFFF00"/>
-                </a:solidFill>
-              </a:rPr>
-              <a:t>border-collapse: </a:t>
-            </a:r>
-            <a:r>
-              <a:rPr lang="en-US" sz="4800" i="1" dirty="0" smtClean="0">
-                <a:solidFill>
-                  <a:srgbClr val="00B050"/>
-                </a:solidFill>
-              </a:rPr>
-              <a:t>collapse</a:t>
-            </a:r>
-            <a:r>
-              <a:rPr lang="en-US" sz="4800" i="1" dirty="0" smtClean="0"/>
-              <a:t>;</a:t>
-            </a:r>
-            <a:endParaRPr lang="en-US" sz="4800" i="1" dirty="0"/>
+              <a:rPr lang="en-US" sz="11500" dirty="0" smtClean="0">
+                <a:solidFill>
+                  <a:srgbClr val="00B0F0"/>
+                </a:solidFill>
+              </a:rPr>
+              <a:t>Table</a:t>
+            </a:r>
+          </a:p>
+          <a:p>
+            <a:pPr algn="ctr"/>
+            <a:r>
+              <a:rPr lang="en-US" sz="5400" dirty="0" smtClean="0"/>
+              <a:t>(common only)</a:t>
+            </a:r>
           </a:p>
         </p:txBody>
       </p:sp>
     </p:spTree>
     <p:extLst>
       <p:ext uri="{BB962C8B-B14F-4D97-AF65-F5344CB8AC3E}">
-        <p14:creationId xmlns:p14="http://schemas.microsoft.com/office/powerpoint/2010/main" val="245361999"/>
+        <p14:creationId xmlns:p14="http://schemas.microsoft.com/office/powerpoint/2010/main" val="2474316614"/>
       </p:ext>
     </p:extLst>
   </p:cSld>
@@ -8485,8 +8535,8 @@
         </p:nvSpPr>
         <p:spPr>
           <a:xfrm>
-            <a:off x="685800" y="2523964"/>
-            <a:ext cx="7620000" cy="1862048"/>
+            <a:off x="381000" y="3039070"/>
+            <a:ext cx="8534400" cy="830997"/>
           </a:xfrm>
           <a:prstGeom prst="rect">
             <a:avLst/>
@@ -8501,25 +8551,33 @@
           <a:p>
             <a:pPr algn="ctr"/>
             <a:r>
-              <a:rPr lang="en-US" sz="11500" dirty="0" smtClean="0">
+              <a:rPr lang="en-US" sz="4800" i="1" dirty="0" smtClean="0">
                 <a:solidFill>
                   <a:srgbClr val="FFFF00"/>
                 </a:solidFill>
               </a:rPr>
-              <a:t>DEMO</a:t>
-            </a:r>
-            <a:endParaRPr lang="en-US" sz="4800" dirty="0" smtClean="0">
-              <a:solidFill>
-                <a:srgbClr val="FFFF00"/>
-              </a:solidFill>
-            </a:endParaRPr>
+              <a:t>border-collapse: </a:t>
+            </a:r>
+            <a:r>
+              <a:rPr lang="en-US" sz="4800" i="1" dirty="0" smtClean="0">
+                <a:solidFill>
+                  <a:srgbClr val="00B050"/>
+                </a:solidFill>
+              </a:rPr>
+              <a:t>collapse</a:t>
+            </a:r>
+            <a:r>
+              <a:rPr lang="en-US" sz="4800" i="1" dirty="0" smtClean="0"/>
+              <a:t>;</a:t>
+            </a:r>
+            <a:endParaRPr lang="en-US" sz="4800" i="1" dirty="0"/>
           </a:p>
         </p:txBody>
       </p:sp>
     </p:spTree>
     <p:extLst>
       <p:ext uri="{BB962C8B-B14F-4D97-AF65-F5344CB8AC3E}">
-        <p14:creationId xmlns:p14="http://schemas.microsoft.com/office/powerpoint/2010/main" val="138788744"/>
+        <p14:creationId xmlns:p14="http://schemas.microsoft.com/office/powerpoint/2010/main" val="245361999"/>
       </p:ext>
     </p:extLst>
   </p:cSld>
@@ -8561,8 +8619,8 @@
         </p:nvSpPr>
         <p:spPr>
           <a:xfrm>
-            <a:off x="762000" y="1939022"/>
-            <a:ext cx="7620000" cy="2785378"/>
+            <a:off x="685800" y="2523964"/>
+            <a:ext cx="7620000" cy="1862048"/>
           </a:xfrm>
           <a:prstGeom prst="rect">
             <a:avLst/>
@@ -8579,25 +8637,23 @@
             <a:r>
               <a:rPr lang="en-US" sz="11500" dirty="0" smtClean="0">
                 <a:solidFill>
-                  <a:srgbClr val="00B0F0"/>
-                </a:solidFill>
-              </a:rPr>
-              <a:t>Line Box</a:t>
-            </a:r>
-          </a:p>
-          <a:p>
-            <a:pPr algn="ctr"/>
-            <a:r>
-              <a:rPr lang="en-US" sz="5400" dirty="0" smtClean="0"/>
-              <a:t>(common only)</a:t>
-            </a:r>
+                  <a:srgbClr val="FFFF00"/>
+                </a:solidFill>
+              </a:rPr>
+              <a:t>DEMO 13</a:t>
+            </a:r>
+            <a:endParaRPr lang="en-US" sz="4800" dirty="0" smtClean="0">
+              <a:solidFill>
+                <a:srgbClr val="FFFF00"/>
+              </a:solidFill>
+            </a:endParaRPr>
           </a:p>
         </p:txBody>
       </p:sp>
     </p:spTree>
     <p:extLst>
       <p:ext uri="{BB962C8B-B14F-4D97-AF65-F5344CB8AC3E}">
-        <p14:creationId xmlns:p14="http://schemas.microsoft.com/office/powerpoint/2010/main" val="1499006292"/>
+        <p14:creationId xmlns:p14="http://schemas.microsoft.com/office/powerpoint/2010/main" val="138788744"/>
       </p:ext>
     </p:extLst>
   </p:cSld>
@@ -8639,8 +8695,8 @@
         </p:nvSpPr>
         <p:spPr>
           <a:xfrm>
-            <a:off x="304800" y="2590800"/>
-            <a:ext cx="8534400" cy="1754326"/>
+            <a:off x="762000" y="1939022"/>
+            <a:ext cx="7620000" cy="2785378"/>
           </a:xfrm>
           <a:prstGeom prst="rect">
             <a:avLst/>
@@ -8655,64 +8711,27 @@
           <a:p>
             <a:pPr algn="ctr"/>
             <a:r>
-              <a:rPr lang="en-US" sz="5400" i="1" dirty="0">
-                <a:solidFill>
-                  <a:srgbClr val="FFFF00"/>
-                </a:solidFill>
-              </a:rPr>
-              <a:t>l</a:t>
-            </a:r>
-            <a:r>
-              <a:rPr lang="en-US" sz="5400" i="1" dirty="0" smtClean="0">
-                <a:solidFill>
-                  <a:srgbClr val="FFFF00"/>
-                </a:solidFill>
-              </a:rPr>
-              <a:t>ine-height: </a:t>
-            </a:r>
-            <a:r>
-              <a:rPr lang="en-US" sz="5400" i="1" dirty="0" smtClean="0">
-                <a:solidFill>
-                  <a:srgbClr val="00B050"/>
-                </a:solidFill>
-              </a:rPr>
-              <a:t>1.25</a:t>
-            </a:r>
-            <a:r>
-              <a:rPr lang="en-US" sz="5400" i="1" dirty="0" smtClean="0"/>
-              <a:t>;</a:t>
-            </a:r>
-          </a:p>
-          <a:p>
-            <a:pPr algn="ctr"/>
-            <a:r>
-              <a:rPr lang="en-US" sz="5400" i="1" dirty="0" smtClean="0">
-                <a:solidFill>
-                  <a:srgbClr val="FFFF00"/>
-                </a:solidFill>
-              </a:rPr>
-              <a:t>vertical-align: </a:t>
-            </a:r>
-            <a:r>
-              <a:rPr lang="en-US" sz="5400" i="1" dirty="0" smtClean="0">
-                <a:solidFill>
-                  <a:srgbClr val="00B050"/>
-                </a:solidFill>
-              </a:rPr>
-              <a:t>super</a:t>
-            </a:r>
-            <a:r>
-              <a:rPr lang="en-US" sz="5400" i="1" dirty="0" smtClean="0"/>
-              <a:t>;</a:t>
-            </a:r>
-            <a:endParaRPr lang="en-US" sz="5400" i="1" dirty="0"/>
+              <a:rPr lang="en-US" sz="11500" dirty="0" smtClean="0">
+                <a:solidFill>
+                  <a:srgbClr val="00B0F0"/>
+                </a:solidFill>
+              </a:rPr>
+              <a:t>Line Box</a:t>
+            </a:r>
+          </a:p>
+          <a:p>
+            <a:pPr algn="ctr"/>
+            <a:r>
+              <a:rPr lang="en-US" sz="5400" dirty="0" smtClean="0"/>
+              <a:t>(common only)</a:t>
+            </a:r>
           </a:p>
         </p:txBody>
       </p:sp>
     </p:spTree>
     <p:extLst>
       <p:ext uri="{BB962C8B-B14F-4D97-AF65-F5344CB8AC3E}">
-        <p14:creationId xmlns:p14="http://schemas.microsoft.com/office/powerpoint/2010/main" val="2170897843"/>
+        <p14:creationId xmlns:p14="http://schemas.microsoft.com/office/powerpoint/2010/main" val="1499006292"/>
       </p:ext>
     </p:extLst>
   </p:cSld>
@@ -8754,8 +8773,8 @@
         </p:nvSpPr>
         <p:spPr>
           <a:xfrm>
-            <a:off x="685800" y="2523964"/>
-            <a:ext cx="7620000" cy="1862048"/>
+            <a:off x="304800" y="2590800"/>
+            <a:ext cx="8534400" cy="1754326"/>
           </a:xfrm>
           <a:prstGeom prst="rect">
             <a:avLst/>
@@ -8770,25 +8789,64 @@
           <a:p>
             <a:pPr algn="ctr"/>
             <a:r>
-              <a:rPr lang="en-US" sz="11500" dirty="0" smtClean="0">
+              <a:rPr lang="en-US" sz="5400" i="1" dirty="0">
                 <a:solidFill>
                   <a:srgbClr val="FFFF00"/>
                 </a:solidFill>
               </a:rPr>
-              <a:t>DEMO</a:t>
-            </a:r>
-            <a:endParaRPr lang="en-US" sz="4800" dirty="0" smtClean="0">
-              <a:solidFill>
-                <a:srgbClr val="FFFF00"/>
-              </a:solidFill>
-            </a:endParaRPr>
+              <a:t>l</a:t>
+            </a:r>
+            <a:r>
+              <a:rPr lang="en-US" sz="5400" i="1" dirty="0" smtClean="0">
+                <a:solidFill>
+                  <a:srgbClr val="FFFF00"/>
+                </a:solidFill>
+              </a:rPr>
+              <a:t>ine-height: </a:t>
+            </a:r>
+            <a:r>
+              <a:rPr lang="en-US" sz="5400" i="1" dirty="0" smtClean="0">
+                <a:solidFill>
+                  <a:srgbClr val="00B050"/>
+                </a:solidFill>
+              </a:rPr>
+              <a:t>1.25</a:t>
+            </a:r>
+            <a:r>
+              <a:rPr lang="en-US" sz="5400" i="1" dirty="0" smtClean="0"/>
+              <a:t>;</a:t>
+            </a:r>
+          </a:p>
+          <a:p>
+            <a:pPr algn="ctr"/>
+            <a:r>
+              <a:rPr lang="en-US" sz="5400" i="1" dirty="0" smtClean="0">
+                <a:solidFill>
+                  <a:srgbClr val="FFFF00"/>
+                </a:solidFill>
+              </a:rPr>
+              <a:t>vertical-align: </a:t>
+            </a:r>
+            <a:r>
+              <a:rPr lang="en-US" sz="5400" i="1" dirty="0" smtClean="0">
+                <a:solidFill>
+                  <a:srgbClr val="00B050"/>
+                </a:solidFill>
+              </a:rPr>
+              <a:t>super</a:t>
+            </a:r>
+            <a:r>
+              <a:rPr lang="en-US" sz="5400" i="1" dirty="0" smtClean="0"/>
+              <a:t>;</a:t>
+            </a:r>
+            <a:endParaRPr lang="en-US" sz="5400" i="1" dirty="0"/>
           </a:p>
         </p:txBody>
       </p:sp>
     </p:spTree>
     <p:extLst>
       <p:ext uri="{BB962C8B-B14F-4D97-AF65-F5344CB8AC3E}">
-        <p14:creationId xmlns:p14="http://schemas.microsoft.com/office/powerpoint/2010/main" val="138788744"/>
+        <p14:creationId xmlns:p14="http://schemas.microsoft.com/office/powerpoint/2010/main" val="2170897843"/>
       </p:ext>
     </p:extLst>
   </p:cSld>
@@ -8830,8 +8888,8 @@
         </p:nvSpPr>
         <p:spPr>
           <a:xfrm>
-            <a:off x="762000" y="1939022"/>
-            <a:ext cx="7620000" cy="2785378"/>
+            <a:off x="685800" y="2523964"/>
+            <a:ext cx="7620000" cy="1862048"/>
           </a:xfrm>
           <a:prstGeom prst="rect">
             <a:avLst/>
@@ -8848,25 +8906,23 @@
             <a:r>
               <a:rPr lang="en-US" sz="11500" dirty="0" smtClean="0">
                 <a:solidFill>
-                  <a:srgbClr val="00B0F0"/>
-                </a:solidFill>
-              </a:rPr>
-              <a:t>Box Model</a:t>
-            </a:r>
-          </a:p>
-          <a:p>
-            <a:pPr algn="ctr"/>
-            <a:r>
-              <a:rPr lang="en-US" sz="5400" dirty="0" smtClean="0"/>
-              <a:t>(!important)</a:t>
-            </a:r>
+                  <a:srgbClr val="FFFF00"/>
+                </a:solidFill>
+              </a:rPr>
+              <a:t>DEMO 14</a:t>
+            </a:r>
+            <a:endParaRPr lang="en-US" sz="4800" dirty="0" smtClean="0">
+              <a:solidFill>
+                <a:srgbClr val="FFFF00"/>
+              </a:solidFill>
+            </a:endParaRPr>
           </a:p>
         </p:txBody>
       </p:sp>
     </p:spTree>
     <p:extLst>
       <p:ext uri="{BB962C8B-B14F-4D97-AF65-F5344CB8AC3E}">
-        <p14:creationId xmlns:p14="http://schemas.microsoft.com/office/powerpoint/2010/main" val="2109212291"/>
+        <p14:creationId xmlns:p14="http://schemas.microsoft.com/office/powerpoint/2010/main" val="138788744"/>
       </p:ext>
     </p:extLst>
   </p:cSld>
@@ -8908,8 +8964,8 @@
         </p:nvSpPr>
         <p:spPr>
           <a:xfrm>
-            <a:off x="803564" y="1765280"/>
-            <a:ext cx="7620000" cy="3416320"/>
+            <a:off x="762000" y="1939022"/>
+            <a:ext cx="7620000" cy="2785378"/>
           </a:xfrm>
           <a:prstGeom prst="rect">
             <a:avLst/>
@@ -8924,83 +8980,27 @@
           <a:p>
             <a:pPr algn="ctr"/>
             <a:r>
-              <a:rPr lang="en-US" sz="5400" i="1" dirty="0" smtClean="0">
-                <a:solidFill>
-                  <a:srgbClr val="FFFF00"/>
-                </a:solidFill>
-              </a:rPr>
-              <a:t>display: </a:t>
-            </a:r>
-            <a:r>
-              <a:rPr lang="en-US" sz="5400" i="1" dirty="0" smtClean="0">
-                <a:solidFill>
-                  <a:srgbClr val="00B050"/>
-                </a:solidFill>
-              </a:rPr>
-              <a:t>block;</a:t>
-            </a:r>
-          </a:p>
-          <a:p>
-            <a:pPr algn="ctr"/>
-            <a:endParaRPr lang="en-US" sz="5400" i="1" dirty="0" smtClean="0">
-              <a:solidFill>
-                <a:srgbClr val="00B050"/>
-              </a:solidFill>
-            </a:endParaRPr>
-          </a:p>
-          <a:p>
-            <a:pPr algn="ctr"/>
-            <a:r>
-              <a:rPr lang="en-US" sz="5400" i="1" dirty="0" smtClean="0">
-                <a:solidFill>
-                  <a:srgbClr val="FFFF00"/>
-                </a:solidFill>
-              </a:rPr>
-              <a:t>height: </a:t>
-            </a:r>
-            <a:r>
-              <a:rPr lang="en-US" sz="5400" i="1" dirty="0" smtClean="0">
-                <a:solidFill>
-                  <a:srgbClr val="00B050"/>
-                </a:solidFill>
-              </a:rPr>
-              <a:t>50px</a:t>
-            </a:r>
-            <a:r>
-              <a:rPr lang="en-US" sz="5400" i="1" dirty="0" smtClean="0"/>
-              <a:t>;</a:t>
-            </a:r>
-          </a:p>
-          <a:p>
-            <a:pPr algn="ctr"/>
-            <a:r>
-              <a:rPr lang="en-US" sz="5400" i="1" dirty="0" smtClean="0">
-                <a:solidFill>
-                  <a:srgbClr val="FFFF00"/>
-                </a:solidFill>
-              </a:rPr>
-              <a:t>width: </a:t>
-            </a:r>
-            <a:r>
-              <a:rPr lang="en-US" sz="5400" i="1" dirty="0" smtClean="0">
-                <a:solidFill>
-                  <a:srgbClr val="00B050"/>
-                </a:solidFill>
-              </a:rPr>
-              <a:t>50px</a:t>
-            </a:r>
-            <a:r>
-              <a:rPr lang="en-US" sz="5400" i="1" dirty="0" smtClean="0"/>
-              <a:t>;</a:t>
-            </a:r>
-            <a:endParaRPr lang="en-US" sz="5400" i="1" dirty="0"/>
+              <a:rPr lang="en-US" sz="11500" dirty="0" smtClean="0">
+                <a:solidFill>
+                  <a:srgbClr val="00B0F0"/>
+                </a:solidFill>
+              </a:rPr>
+              <a:t>Box Model</a:t>
+            </a:r>
+          </a:p>
+          <a:p>
+            <a:pPr algn="ctr"/>
+            <a:r>
+              <a:rPr lang="en-US" sz="5400" dirty="0" smtClean="0"/>
+              <a:t>(!important)</a:t>
+            </a:r>
           </a:p>
         </p:txBody>
       </p:sp>
     </p:spTree>
     <p:extLst>
       <p:ext uri="{BB962C8B-B14F-4D97-AF65-F5344CB8AC3E}">
-        <p14:creationId xmlns:p14="http://schemas.microsoft.com/office/powerpoint/2010/main" val="2759055379"/>
+        <p14:creationId xmlns:p14="http://schemas.microsoft.com/office/powerpoint/2010/main" val="2109212291"/>
       </p:ext>
     </p:extLst>
   </p:cSld>
@@ -9063,7 +9063,7 @@
                   <a:srgbClr val="FFFF00"/>
                 </a:solidFill>
               </a:rPr>
-              <a:t>DEMO</a:t>
+              <a:t>DEMO 2</a:t>
             </a:r>
             <a:endParaRPr lang="en-US" sz="4800" dirty="0" smtClean="0">
               <a:solidFill>
@@ -9118,8 +9118,8 @@
         </p:nvSpPr>
         <p:spPr>
           <a:xfrm>
-            <a:off x="803564" y="2665274"/>
-            <a:ext cx="7620000" cy="1754326"/>
+            <a:off x="803564" y="1765280"/>
+            <a:ext cx="7620000" cy="3416320"/>
           </a:xfrm>
           <a:prstGeom prst="rect">
             <a:avLst/>
@@ -9139,7 +9139,7 @@
                   <a:srgbClr val="FFFF00"/>
                 </a:solidFill>
               </a:rPr>
-              <a:t>margin: </a:t>
+              <a:t>display: </a:t>
             </a:r>
             <a:r>
               <a:rPr lang="en-US" sz="5400" i="1" dirty="0" smtClean="0">
@@ -9147,7 +9147,34 @@
                   <a:srgbClr val="00B050"/>
                 </a:solidFill>
               </a:rPr>
-              <a:t>20px</a:t>
+              <a:t>block;</a:t>
+            </a:r>
+          </a:p>
+          <a:p>
+            <a:pPr algn="ctr"/>
+            <a:endParaRPr lang="en-US" sz="5400" i="1" dirty="0" smtClean="0">
+              <a:solidFill>
+                <a:srgbClr val="00B050"/>
+              </a:solidFill>
+            </a:endParaRPr>
+          </a:p>
+          <a:p>
+            <a:pPr algn="ctr"/>
+            <a:r>
+              <a:rPr lang="en-US" sz="5400" i="1" dirty="0" smtClean="0">
+                <a:solidFill>
+                  <a:srgbClr val="FFFF00"/>
+                </a:solidFill>
+              </a:rPr>
+              <a:t>height: </a:t>
+            </a:r>
+            <a:r>
+              <a:rPr lang="en-US" sz="5400" i="1" dirty="0" smtClean="0">
+                <a:solidFill>
+                  <a:srgbClr val="00B050"/>
+                </a:solidFill>
+              </a:rPr>
+              <a:t>50px</a:t>
             </a:r>
             <a:r>
               <a:rPr lang="en-US" sz="5400" i="1" dirty="0" smtClean="0"/>
@@ -9162,7 +9189,7 @@
                   <a:srgbClr val="FFFF00"/>
                 </a:solidFill>
               </a:rPr>
-              <a:t>padding: </a:t>
+              <a:t>width: </a:t>
             </a:r>
             <a:r>
               <a:rPr lang="en-US" sz="5400" i="1" dirty="0" smtClean="0">
@@ -9170,19 +9197,20 @@
                   <a:srgbClr val="00B050"/>
                 </a:solidFill>
               </a:rPr>
-              <a:t>20px</a:t>
+              <a:t>50px</a:t>
             </a:r>
             <a:r>
               <a:rPr lang="en-US" sz="5400" i="1" dirty="0" smtClean="0"/>
               <a:t>;</a:t>
             </a:r>
+            <a:endParaRPr lang="en-US" sz="5400" i="1" dirty="0"/>
           </a:p>
         </p:txBody>
       </p:sp>
     </p:spTree>
     <p:extLst>
       <p:ext uri="{BB962C8B-B14F-4D97-AF65-F5344CB8AC3E}">
-        <p14:creationId xmlns:p14="http://schemas.microsoft.com/office/powerpoint/2010/main" val="1754351441"/>
+        <p14:creationId xmlns:p14="http://schemas.microsoft.com/office/powerpoint/2010/main" val="2759055379"/>
       </p:ext>
     </p:extLst>
   </p:cSld>
@@ -9224,7 +9252,7 @@
         </p:nvSpPr>
         <p:spPr>
           <a:xfrm>
-            <a:off x="803564" y="2817674"/>
+            <a:off x="803564" y="2665274"/>
             <a:ext cx="7620000" cy="1754326"/>
           </a:xfrm>
           <a:prstGeom prst="rect">
@@ -9245,15 +9273,30 @@
                   <a:srgbClr val="FFFF00"/>
                 </a:solidFill>
               </a:rPr>
-              <a:t>overflow</a:t>
-            </a:r>
-            <a:r>
-              <a:rPr lang="en-US" sz="5400" i="1" dirty="0">
+              <a:t>margin: </a:t>
+            </a:r>
+            <a:r>
+              <a:rPr lang="en-US" sz="5400" i="1" dirty="0" smtClean="0">
+                <a:solidFill>
+                  <a:srgbClr val="00B050"/>
+                </a:solidFill>
+              </a:rPr>
+              <a:t>20px</a:t>
+            </a:r>
+            <a:r>
+              <a:rPr lang="en-US" sz="5400" i="1" dirty="0" smtClean="0"/>
+              <a:t>;</a:t>
+            </a:r>
+          </a:p>
+          <a:p>
+            <a:pPr algn="ctr"/>
+            <a:r>
+              <a:rPr lang="en-US" sz="5400" i="1" dirty="0" smtClean="0">
                 <a:solidFill>
                   <a:srgbClr val="FFFF00"/>
                 </a:solidFill>
               </a:rPr>
-              <a:t>: </a:t>
+              <a:t>padding: </a:t>
             </a:r>
             <a:r>
               <a:rPr lang="en-US" sz="5400" i="1" dirty="0" smtClean="0">
@@ -9261,45 +9304,10 @@
                   <a:srgbClr val="00B050"/>
                 </a:solidFill>
               </a:rPr>
-              <a:t>visible</a:t>
-            </a:r>
-            <a:r>
-              <a:rPr lang="en-US" sz="5400" i="1" dirty="0" smtClean="0">
-                <a:solidFill>
-                  <a:schemeClr val="tx1">
-                    <a:lumMod val="95000"/>
-                  </a:schemeClr>
-                </a:solidFill>
-              </a:rPr>
-              <a:t>;</a:t>
-            </a:r>
-          </a:p>
-          <a:p>
-            <a:pPr algn="ctr"/>
-            <a:r>
-              <a:rPr lang="en-US" sz="5400" i="1" dirty="0" smtClean="0">
-                <a:solidFill>
-                  <a:srgbClr val="FFFF00"/>
-                </a:solidFill>
-              </a:rPr>
-              <a:t>visibility: </a:t>
-            </a:r>
-            <a:r>
-              <a:rPr lang="en-US" sz="5400" i="1" dirty="0" smtClean="0">
-                <a:solidFill>
-                  <a:srgbClr val="00B050"/>
-                </a:solidFill>
-              </a:rPr>
-              <a:t>hidden</a:t>
-            </a:r>
-            <a:r>
-              <a:rPr lang="en-US" sz="5400" i="1" dirty="0" smtClean="0">
-                <a:solidFill>
-                  <a:schemeClr val="tx1">
-                    <a:lumMod val="95000"/>
-                  </a:schemeClr>
-                </a:solidFill>
-              </a:rPr>
+              <a:t>20px</a:t>
+            </a:r>
+            <a:r>
+              <a:rPr lang="en-US" sz="5400" i="1" dirty="0" smtClean="0"/>
               <a:t>;</a:t>
             </a:r>
           </a:p>
@@ -9308,7 +9316,7 @@
     </p:spTree>
     <p:extLst>
       <p:ext uri="{BB962C8B-B14F-4D97-AF65-F5344CB8AC3E}">
-        <p14:creationId xmlns:p14="http://schemas.microsoft.com/office/powerpoint/2010/main" val="1116095544"/>
+        <p14:creationId xmlns:p14="http://schemas.microsoft.com/office/powerpoint/2010/main" val="1754351441"/>
       </p:ext>
     </p:extLst>
   </p:cSld>
@@ -9350,7 +9358,7 @@
         </p:nvSpPr>
         <p:spPr>
           <a:xfrm>
-            <a:off x="803564" y="2590800"/>
+            <a:off x="803564" y="2817674"/>
             <a:ext cx="7620000" cy="1754326"/>
           </a:xfrm>
           <a:prstGeom prst="rect">
@@ -9371,7 +9379,15 @@
                   <a:srgbClr val="FFFF00"/>
                 </a:solidFill>
               </a:rPr>
-              <a:t>float: </a:t>
+              <a:t>overflow</a:t>
+            </a:r>
+            <a:r>
+              <a:rPr lang="en-US" sz="5400" i="1" dirty="0">
+                <a:solidFill>
+                  <a:srgbClr val="FFFF00"/>
+                </a:solidFill>
+              </a:rPr>
+              <a:t>: </a:t>
             </a:r>
             <a:r>
               <a:rPr lang="en-US" sz="5400" i="1" dirty="0" smtClean="0">
@@ -9379,10 +9395,16 @@
                   <a:srgbClr val="00B050"/>
                 </a:solidFill>
               </a:rPr>
-              <a:t>left</a:t>
-            </a:r>
-            <a:r>
-              <a:rPr lang="en-US" sz="5400" i="1" dirty="0" smtClean="0"/>
+              <a:t>visible</a:t>
+            </a:r>
+            <a:r>
+              <a:rPr lang="en-US" sz="5400" i="1" dirty="0" smtClean="0">
+                <a:solidFill>
+                  <a:schemeClr val="tx1">
+                    <a:lumMod val="95000"/>
+                  </a:schemeClr>
+                </a:solidFill>
+              </a:rPr>
               <a:t>;</a:t>
             </a:r>
           </a:p>
@@ -9394,7 +9416,7 @@
                   <a:srgbClr val="FFFF00"/>
                 </a:solidFill>
               </a:rPr>
-              <a:t>clear: </a:t>
+              <a:t>visibility: </a:t>
             </a:r>
             <a:r>
               <a:rPr lang="en-US" sz="5400" i="1" dirty="0" smtClean="0">
@@ -9402,10 +9424,16 @@
                   <a:srgbClr val="00B050"/>
                 </a:solidFill>
               </a:rPr>
-              <a:t>both</a:t>
-            </a:r>
-            <a:r>
-              <a:rPr lang="en-US" sz="5400" i="1" dirty="0" smtClean="0"/>
+              <a:t>hidden</a:t>
+            </a:r>
+            <a:r>
+              <a:rPr lang="en-US" sz="5400" i="1" dirty="0" smtClean="0">
+                <a:solidFill>
+                  <a:schemeClr val="tx1">
+                    <a:lumMod val="95000"/>
+                  </a:schemeClr>
+                </a:solidFill>
+              </a:rPr>
               <a:t>;</a:t>
             </a:r>
           </a:p>
@@ -9414,7 +9442,7 @@
     </p:spTree>
     <p:extLst>
       <p:ext uri="{BB962C8B-B14F-4D97-AF65-F5344CB8AC3E}">
-        <p14:creationId xmlns:p14="http://schemas.microsoft.com/office/powerpoint/2010/main" val="1363097861"/>
+        <p14:creationId xmlns:p14="http://schemas.microsoft.com/office/powerpoint/2010/main" val="1116095544"/>
       </p:ext>
     </p:extLst>
   </p:cSld>
@@ -9456,8 +9484,8 @@
         </p:nvSpPr>
         <p:spPr>
           <a:xfrm>
-            <a:off x="685800" y="2523964"/>
-            <a:ext cx="7620000" cy="1862048"/>
+            <a:off x="803564" y="2590800"/>
+            <a:ext cx="7620000" cy="1754326"/>
           </a:xfrm>
           <a:prstGeom prst="rect">
             <a:avLst/>
@@ -9472,25 +9500,55 @@
           <a:p>
             <a:pPr algn="ctr"/>
             <a:r>
-              <a:rPr lang="en-US" sz="11500" dirty="0" smtClean="0">
+              <a:rPr lang="en-US" sz="5400" i="1" dirty="0" smtClean="0">
                 <a:solidFill>
                   <a:srgbClr val="FFFF00"/>
                 </a:solidFill>
               </a:rPr>
-              <a:t>DEMO</a:t>
-            </a:r>
-            <a:endParaRPr lang="en-US" sz="4800" dirty="0" smtClean="0">
-              <a:solidFill>
-                <a:srgbClr val="FFFF00"/>
-              </a:solidFill>
-            </a:endParaRPr>
+              <a:t>float: </a:t>
+            </a:r>
+            <a:r>
+              <a:rPr lang="en-US" sz="5400" i="1" dirty="0" smtClean="0">
+                <a:solidFill>
+                  <a:srgbClr val="00B050"/>
+                </a:solidFill>
+              </a:rPr>
+              <a:t>left</a:t>
+            </a:r>
+            <a:r>
+              <a:rPr lang="en-US" sz="5400" i="1" dirty="0" smtClean="0"/>
+              <a:t>;</a:t>
+            </a:r>
+          </a:p>
+          <a:p>
+            <a:pPr algn="ctr"/>
+            <a:r>
+              <a:rPr lang="en-US" sz="5400" i="1" dirty="0" smtClean="0">
+                <a:solidFill>
+                  <a:srgbClr val="FFFF00"/>
+                </a:solidFill>
+              </a:rPr>
+              <a:t>clear: </a:t>
+            </a:r>
+            <a:r>
+              <a:rPr lang="en-US" sz="5400" i="1" dirty="0" smtClean="0">
+                <a:solidFill>
+                  <a:srgbClr val="00B050"/>
+                </a:solidFill>
+              </a:rPr>
+              <a:t>both</a:t>
+            </a:r>
+            <a:r>
+              <a:rPr lang="en-US" sz="5400" i="1" dirty="0" smtClean="0"/>
+              <a:t>;</a:t>
+            </a:r>
           </a:p>
         </p:txBody>
       </p:sp>
     </p:spTree>
     <p:extLst>
       <p:ext uri="{BB962C8B-B14F-4D97-AF65-F5344CB8AC3E}">
-        <p14:creationId xmlns:p14="http://schemas.microsoft.com/office/powerpoint/2010/main" val="138788744"/>
+        <p14:creationId xmlns:p14="http://schemas.microsoft.com/office/powerpoint/2010/main" val="1363097861"/>
       </p:ext>
     </p:extLst>
   </p:cSld>
@@ -9532,8 +9590,8 @@
         </p:nvSpPr>
         <p:spPr>
           <a:xfrm>
-            <a:off x="762000" y="1939022"/>
-            <a:ext cx="7620000" cy="2785378"/>
+            <a:off x="685800" y="2523964"/>
+            <a:ext cx="7620000" cy="1862048"/>
           </a:xfrm>
           <a:prstGeom prst="rect">
             <a:avLst/>
@@ -9550,25 +9608,23 @@
             <a:r>
               <a:rPr lang="en-US" sz="11500" dirty="0" smtClean="0">
                 <a:solidFill>
-                  <a:srgbClr val="00B0F0"/>
-                </a:solidFill>
-              </a:rPr>
-              <a:t>Positioning</a:t>
-            </a:r>
-          </a:p>
-          <a:p>
-            <a:pPr algn="ctr"/>
-            <a:r>
-              <a:rPr lang="en-US" sz="5400" dirty="0" smtClean="0"/>
-              <a:t>(!important)</a:t>
-            </a:r>
+                  <a:srgbClr val="FFFF00"/>
+                </a:solidFill>
+              </a:rPr>
+              <a:t>DEMO 15</a:t>
+            </a:r>
+            <a:endParaRPr lang="en-US" sz="4800" dirty="0" smtClean="0">
+              <a:solidFill>
+                <a:srgbClr val="FFFF00"/>
+              </a:solidFill>
+            </a:endParaRPr>
           </a:p>
         </p:txBody>
       </p:sp>
     </p:spTree>
     <p:extLst>
       <p:ext uri="{BB962C8B-B14F-4D97-AF65-F5344CB8AC3E}">
-        <p14:creationId xmlns:p14="http://schemas.microsoft.com/office/powerpoint/2010/main" val="1530872543"/>
+        <p14:creationId xmlns:p14="http://schemas.microsoft.com/office/powerpoint/2010/main" val="138788744"/>
       </p:ext>
     </p:extLst>
   </p:cSld>
@@ -9610,8 +9666,8 @@
         </p:nvSpPr>
         <p:spPr>
           <a:xfrm>
-            <a:off x="762000" y="2810470"/>
-            <a:ext cx="7620000" cy="923330"/>
+            <a:off x="762000" y="1939022"/>
+            <a:ext cx="7620000" cy="2785378"/>
           </a:xfrm>
           <a:prstGeom prst="rect">
             <a:avLst/>
@@ -9626,33 +9682,27 @@
           <a:p>
             <a:pPr algn="ctr"/>
             <a:r>
-              <a:rPr lang="en-US" sz="5400" i="1" dirty="0" smtClean="0">
-                <a:solidFill>
-                  <a:srgbClr val="FFFF00"/>
-                </a:solidFill>
-              </a:rPr>
-              <a:t>position: </a:t>
-            </a:r>
-            <a:r>
-              <a:rPr lang="en-US" sz="5400" i="1" dirty="0" smtClean="0">
-                <a:solidFill>
-                  <a:srgbClr val="00B050"/>
-                </a:solidFill>
-              </a:rPr>
-              <a:t>absolute</a:t>
-            </a:r>
-            <a:r>
-              <a:rPr lang="en-US" sz="5400" i="1" dirty="0" smtClean="0"/>
-              <a:t>;</a:t>
-            </a:r>
-            <a:endParaRPr lang="en-US" sz="5400" i="1" dirty="0" smtClean="0"/>
+              <a:rPr lang="en-US" sz="11500" dirty="0" smtClean="0">
+                <a:solidFill>
+                  <a:srgbClr val="00B0F0"/>
+                </a:solidFill>
+              </a:rPr>
+              <a:t>Positioning</a:t>
+            </a:r>
+          </a:p>
+          <a:p>
+            <a:pPr algn="ctr"/>
+            <a:r>
+              <a:rPr lang="en-US" sz="5400" dirty="0" smtClean="0"/>
+              <a:t>(!important)</a:t>
+            </a:r>
           </a:p>
         </p:txBody>
       </p:sp>
     </p:spTree>
     <p:extLst>
       <p:ext uri="{BB962C8B-B14F-4D97-AF65-F5344CB8AC3E}">
-        <p14:creationId xmlns:p14="http://schemas.microsoft.com/office/powerpoint/2010/main" val="2115067458"/>
+        <p14:creationId xmlns:p14="http://schemas.microsoft.com/office/powerpoint/2010/main" val="1530872543"/>
       </p:ext>
     </p:extLst>
   </p:cSld>
@@ -9686,164 +9736,119 @@
           <a:chExt cx="0" cy="0"/>
         </a:xfrm>
       </p:grpSpPr>
-      <p:sp>
-        <p:nvSpPr>
-          <p:cNvPr id="4" name="TextBox 3"/>
-          <p:cNvSpPr txBox="1"/>
+      <p:grpSp>
+        <p:nvGrpSpPr>
+          <p:cNvPr id="2" name="Group 1"/>
+          <p:cNvGrpSpPr/>
           <p:nvPr/>
-        </p:nvSpPr>
-        <p:spPr>
+        </p:nvGrpSpPr>
+        <p:grpSpPr>
           <a:xfrm>
-            <a:off x="762000" y="1917680"/>
-            <a:ext cx="7620000" cy="3416320"/>
+            <a:off x="762000" y="2514600"/>
+            <a:ext cx="7620000" cy="1881296"/>
+            <a:chOff x="762000" y="2810470"/>
+            <a:chExt cx="7620000" cy="1881296"/>
           </a:xfrm>
-          <a:prstGeom prst="rect">
-            <a:avLst/>
-          </a:prstGeom>
-          <a:noFill/>
-        </p:spPr>
-        <p:txBody>
-          <a:bodyPr wrap="square" rtlCol="0">
-            <a:spAutoFit/>
-          </a:bodyPr>
-          <a:lstStyle/>
-          <a:p>
-            <a:pPr algn="ctr"/>
-            <a:r>
-              <a:rPr lang="en-US" sz="5400" i="1" dirty="0" smtClean="0">
-                <a:solidFill>
-                  <a:srgbClr val="FFFF00"/>
-                </a:solidFill>
-              </a:rPr>
-              <a:t>left</a:t>
-            </a:r>
-            <a:r>
-              <a:rPr lang="en-US" sz="5400" i="1" dirty="0" smtClean="0">
-                <a:solidFill>
-                  <a:srgbClr val="FFFF00"/>
-                </a:solidFill>
-              </a:rPr>
-              <a:t>: </a:t>
-            </a:r>
-            <a:r>
-              <a:rPr lang="en-US" sz="5400" i="1" dirty="0" smtClean="0">
-                <a:solidFill>
-                  <a:srgbClr val="00B050"/>
-                </a:solidFill>
-              </a:rPr>
-              <a:t>5px</a:t>
-            </a:r>
-            <a:r>
-              <a:rPr lang="en-US" sz="5400" i="1" dirty="0" smtClean="0">
-                <a:solidFill>
-                  <a:schemeClr val="tx1">
-                    <a:lumMod val="95000"/>
-                  </a:schemeClr>
-                </a:solidFill>
-              </a:rPr>
-              <a:t>;</a:t>
-            </a:r>
-          </a:p>
-          <a:p>
-            <a:pPr algn="ctr"/>
-            <a:r>
-              <a:rPr lang="en-US" sz="5400" i="1" dirty="0" smtClean="0">
-                <a:solidFill>
-                  <a:srgbClr val="FFFF00"/>
-                </a:solidFill>
-              </a:rPr>
-              <a:t>right: </a:t>
-            </a:r>
-            <a:r>
-              <a:rPr lang="en-US" sz="5400" i="1" dirty="0" smtClean="0">
-                <a:solidFill>
-                  <a:srgbClr val="00B050"/>
-                </a:solidFill>
-              </a:rPr>
-              <a:t>5px</a:t>
-            </a:r>
-            <a:r>
-              <a:rPr lang="en-US" sz="5400" i="1" dirty="0" smtClean="0">
-                <a:solidFill>
-                  <a:schemeClr val="tx1">
-                    <a:lumMod val="95000"/>
-                  </a:schemeClr>
-                </a:solidFill>
-              </a:rPr>
-              <a:t>;</a:t>
-            </a:r>
-          </a:p>
-          <a:p>
-            <a:pPr algn="ctr"/>
-            <a:r>
-              <a:rPr lang="en-US" sz="5400" i="1" dirty="0" smtClean="0">
-                <a:solidFill>
-                  <a:srgbClr val="FFFF00"/>
-                </a:solidFill>
-              </a:rPr>
-              <a:t>top: </a:t>
-            </a:r>
-            <a:r>
-              <a:rPr lang="en-US" sz="5400" i="1" dirty="0">
-                <a:solidFill>
-                  <a:srgbClr val="00B050"/>
-                </a:solidFill>
-              </a:rPr>
-              <a:t>5px</a:t>
-            </a:r>
-            <a:r>
-              <a:rPr lang="en-US" sz="5400" i="1" dirty="0">
-                <a:solidFill>
-                  <a:schemeClr val="tx1">
-                    <a:lumMod val="95000"/>
-                  </a:schemeClr>
-                </a:solidFill>
-              </a:rPr>
-              <a:t>;</a:t>
-            </a:r>
-          </a:p>
-          <a:p>
-            <a:pPr algn="ctr"/>
-            <a:r>
-              <a:rPr lang="en-US" sz="5400" i="1" dirty="0" smtClean="0">
-                <a:solidFill>
-                  <a:srgbClr val="FFFF00"/>
-                </a:solidFill>
-              </a:rPr>
-              <a:t>bottom: </a:t>
-            </a:r>
-            <a:r>
-              <a:rPr lang="en-US" sz="5400" i="1" dirty="0">
-                <a:solidFill>
-                  <a:srgbClr val="00B050"/>
-                </a:solidFill>
-              </a:rPr>
-              <a:t>5px</a:t>
-            </a:r>
-            <a:r>
-              <a:rPr lang="en-US" sz="5400" i="1" dirty="0" smtClean="0">
-                <a:solidFill>
-                  <a:schemeClr val="tx1">
-                    <a:lumMod val="95000"/>
-                  </a:schemeClr>
-                </a:solidFill>
-              </a:rPr>
-              <a:t>;</a:t>
-            </a:r>
-            <a:endParaRPr lang="en-US" sz="5400" i="1" dirty="0" smtClean="0">
-              <a:solidFill>
-                <a:schemeClr val="tx1">
-                  <a:lumMod val="95000"/>
-                </a:schemeClr>
-              </a:solidFill>
-            </a:endParaRPr>
-          </a:p>
-        </p:txBody>
-      </p:sp>
+        </p:grpSpPr>
+        <p:sp>
+          <p:nvSpPr>
+            <p:cNvPr id="4" name="TextBox 3"/>
+            <p:cNvSpPr txBox="1"/>
+            <p:nvPr/>
+          </p:nvSpPr>
+          <p:spPr>
+            <a:xfrm>
+              <a:off x="762000" y="2810470"/>
+              <a:ext cx="7620000" cy="923330"/>
+            </a:xfrm>
+            <a:prstGeom prst="rect">
+              <a:avLst/>
+            </a:prstGeom>
+            <a:noFill/>
+          </p:spPr>
+          <p:txBody>
+            <a:bodyPr wrap="square" rtlCol="0">
+              <a:spAutoFit/>
+            </a:bodyPr>
+            <a:lstStyle/>
+            <a:p>
+              <a:pPr algn="ctr"/>
+              <a:r>
+                <a:rPr lang="en-US" sz="5400" i="1" dirty="0" smtClean="0">
+                  <a:solidFill>
+                    <a:srgbClr val="FFFF00"/>
+                  </a:solidFill>
+                </a:rPr>
+                <a:t>position: </a:t>
+              </a:r>
+              <a:r>
+                <a:rPr lang="en-US" sz="5400" i="1" dirty="0" smtClean="0">
+                  <a:solidFill>
+                    <a:srgbClr val="00B050"/>
+                  </a:solidFill>
+                </a:rPr>
+                <a:t>absolute</a:t>
+              </a:r>
+              <a:r>
+                <a:rPr lang="en-US" sz="5400" i="1" dirty="0" smtClean="0"/>
+                <a:t>;</a:t>
+              </a:r>
+              <a:endParaRPr lang="en-US" sz="5400" i="1" dirty="0" smtClean="0"/>
+            </a:p>
+          </p:txBody>
+        </p:sp>
+        <p:sp>
+          <p:nvSpPr>
+            <p:cNvPr id="3" name="TextBox 2"/>
+            <p:cNvSpPr txBox="1"/>
+            <p:nvPr/>
+          </p:nvSpPr>
+          <p:spPr>
+            <a:xfrm>
+              <a:off x="762000" y="3768436"/>
+              <a:ext cx="7620000" cy="923330"/>
+            </a:xfrm>
+            <a:prstGeom prst="rect">
+              <a:avLst/>
+            </a:prstGeom>
+            <a:noFill/>
+          </p:spPr>
+          <p:txBody>
+            <a:bodyPr wrap="square" rtlCol="0">
+              <a:spAutoFit/>
+            </a:bodyPr>
+            <a:lstStyle/>
+            <a:p>
+              <a:pPr algn="ctr"/>
+              <a:r>
+                <a:rPr lang="en-US" sz="5400" i="1" dirty="0" smtClean="0">
+                  <a:solidFill>
+                    <a:srgbClr val="FFFF00"/>
+                  </a:solidFill>
+                </a:rPr>
+                <a:t>position: </a:t>
+              </a:r>
+              <a:r>
+                <a:rPr lang="en-US" sz="5400" i="1" dirty="0" smtClean="0">
+                  <a:solidFill>
+                    <a:srgbClr val="00B050"/>
+                  </a:solidFill>
+                </a:rPr>
+                <a:t>relative</a:t>
+              </a:r>
+              <a:r>
+                <a:rPr lang="en-US" sz="5400" i="1" dirty="0" smtClean="0"/>
+                <a:t>;</a:t>
+              </a:r>
+              <a:endParaRPr lang="en-US" sz="5400" i="1" dirty="0" smtClean="0"/>
+            </a:p>
+          </p:txBody>
+        </p:sp>
+      </p:grpSp>
     </p:spTree>
     <p:extLst>
       <p:ext uri="{BB962C8B-B14F-4D97-AF65-F5344CB8AC3E}">
-        <p14:creationId xmlns:p14="http://schemas.microsoft.com/office/powerpoint/2010/main" val="2865936218"/>
+        <p14:creationId xmlns:p14="http://schemas.microsoft.com/office/powerpoint/2010/main" val="2115067458"/>
       </p:ext>
     </p:extLst>
   </p:cSld>
@@ -9885,8 +9890,8 @@
         </p:nvSpPr>
         <p:spPr>
           <a:xfrm>
-            <a:off x="762000" y="3048000"/>
-            <a:ext cx="7620000" cy="923330"/>
+            <a:off x="762000" y="1917680"/>
+            <a:ext cx="7620000" cy="3416320"/>
           </a:xfrm>
           <a:prstGeom prst="rect">
             <a:avLst/>
@@ -9906,7 +9911,7 @@
                   <a:srgbClr val="FFFF00"/>
                 </a:solidFill>
               </a:rPr>
-              <a:t>z-index: </a:t>
+              <a:t>left: </a:t>
             </a:r>
             <a:r>
               <a:rPr lang="en-US" sz="5400" i="1" dirty="0" smtClean="0">
@@ -9914,20 +9919,112 @@
                   <a:srgbClr val="00B050"/>
                 </a:solidFill>
               </a:rPr>
-              <a:t>1</a:t>
-            </a:r>
-            <a:r>
-              <a:rPr lang="en-US" sz="5400" i="1" dirty="0" smtClean="0"/>
+              <a:t>5px</a:t>
+            </a:r>
+            <a:r>
+              <a:rPr lang="en-US" sz="5400" i="1" dirty="0" smtClean="0">
+                <a:solidFill>
+                  <a:schemeClr val="tx1">
+                    <a:lumMod val="95000"/>
+                  </a:schemeClr>
+                </a:solidFill>
+              </a:rPr>
               <a:t>;</a:t>
             </a:r>
-            <a:endParaRPr lang="en-US" sz="5400" i="1" dirty="0" smtClean="0"/>
+          </a:p>
+          <a:p>
+            <a:pPr algn="ctr"/>
+            <a:r>
+              <a:rPr lang="en-US" sz="5400" i="1" dirty="0" smtClean="0">
+                <a:solidFill>
+                  <a:srgbClr val="FFFF00"/>
+                </a:solidFill>
+              </a:rPr>
+              <a:t>right: </a:t>
+            </a:r>
+            <a:r>
+              <a:rPr lang="en-US" sz="5400" i="1" dirty="0" smtClean="0">
+                <a:solidFill>
+                  <a:srgbClr val="00B050"/>
+                </a:solidFill>
+              </a:rPr>
+              <a:t>5px</a:t>
+            </a:r>
+            <a:r>
+              <a:rPr lang="en-US" sz="5400" i="1" dirty="0" smtClean="0">
+                <a:solidFill>
+                  <a:schemeClr val="tx1">
+                    <a:lumMod val="95000"/>
+                  </a:schemeClr>
+                </a:solidFill>
+              </a:rPr>
+              <a:t>;</a:t>
+            </a:r>
+          </a:p>
+          <a:p>
+            <a:pPr algn="ctr"/>
+            <a:r>
+              <a:rPr lang="en-US" sz="5400" i="1" dirty="0" smtClean="0">
+                <a:solidFill>
+                  <a:srgbClr val="FFFF00"/>
+                </a:solidFill>
+              </a:rPr>
+              <a:t>top: </a:t>
+            </a:r>
+            <a:r>
+              <a:rPr lang="en-US" sz="5400" i="1" dirty="0">
+                <a:solidFill>
+                  <a:srgbClr val="00B050"/>
+                </a:solidFill>
+              </a:rPr>
+              <a:t>5px</a:t>
+            </a:r>
+            <a:r>
+              <a:rPr lang="en-US" sz="5400" i="1" dirty="0">
+                <a:solidFill>
+                  <a:schemeClr val="tx1">
+                    <a:lumMod val="95000"/>
+                  </a:schemeClr>
+                </a:solidFill>
+              </a:rPr>
+              <a:t>;</a:t>
+            </a:r>
+          </a:p>
+          <a:p>
+            <a:pPr algn="ctr"/>
+            <a:r>
+              <a:rPr lang="en-US" sz="5400" i="1" dirty="0" smtClean="0">
+                <a:solidFill>
+                  <a:srgbClr val="FFFF00"/>
+                </a:solidFill>
+              </a:rPr>
+              <a:t>bottom: </a:t>
+            </a:r>
+            <a:r>
+              <a:rPr lang="en-US" sz="5400" i="1" dirty="0">
+                <a:solidFill>
+                  <a:srgbClr val="00B050"/>
+                </a:solidFill>
+              </a:rPr>
+              <a:t>5px</a:t>
+            </a:r>
+            <a:r>
+              <a:rPr lang="en-US" sz="5400" i="1" dirty="0" smtClean="0">
+                <a:solidFill>
+                  <a:schemeClr val="tx1">
+                    <a:lumMod val="95000"/>
+                  </a:schemeClr>
+                </a:solidFill>
+              </a:rPr>
+              <a:t>;</a:t>
+            </a:r>
           </a:p>
         </p:txBody>
       </p:sp>
     </p:spTree>
     <p:extLst>
       <p:ext uri="{BB962C8B-B14F-4D97-AF65-F5344CB8AC3E}">
-        <p14:creationId xmlns:p14="http://schemas.microsoft.com/office/powerpoint/2010/main" val="3709550277"/>
+        <p14:creationId xmlns:p14="http://schemas.microsoft.com/office/powerpoint/2010/main" val="2865936218"/>
       </p:ext>
     </p:extLst>
   </p:cSld>
@@ -9969,8 +10066,8 @@
         </p:nvSpPr>
         <p:spPr>
           <a:xfrm>
-            <a:off x="685800" y="2523964"/>
-            <a:ext cx="7620000" cy="1862048"/>
+            <a:off x="762000" y="3048000"/>
+            <a:ext cx="7620000" cy="923330"/>
           </a:xfrm>
           <a:prstGeom prst="rect">
             <a:avLst/>
@@ -9985,25 +10082,32 @@
           <a:p>
             <a:pPr algn="ctr"/>
             <a:r>
-              <a:rPr lang="en-US" sz="11500" dirty="0" smtClean="0">
+              <a:rPr lang="en-US" sz="5400" i="1" dirty="0" smtClean="0">
                 <a:solidFill>
                   <a:srgbClr val="FFFF00"/>
                 </a:solidFill>
               </a:rPr>
-              <a:t>DEMO</a:t>
-            </a:r>
-            <a:endParaRPr lang="en-US" sz="4800" dirty="0" smtClean="0">
-              <a:solidFill>
-                <a:srgbClr val="FFFF00"/>
-              </a:solidFill>
-            </a:endParaRPr>
+              <a:t>z-index: </a:t>
+            </a:r>
+            <a:r>
+              <a:rPr lang="en-US" sz="5400" i="1" dirty="0" smtClean="0">
+                <a:solidFill>
+                  <a:srgbClr val="00B050"/>
+                </a:solidFill>
+              </a:rPr>
+              <a:t>1</a:t>
+            </a:r>
+            <a:r>
+              <a:rPr lang="en-US" sz="5400" i="1" dirty="0" smtClean="0"/>
+              <a:t>;</a:t>
+            </a:r>
           </a:p>
         </p:txBody>
       </p:sp>
     </p:spTree>
     <p:extLst>
       <p:ext uri="{BB962C8B-B14F-4D97-AF65-F5344CB8AC3E}">
-        <p14:creationId xmlns:p14="http://schemas.microsoft.com/office/powerpoint/2010/main" val="138788744"/>
+        <p14:creationId xmlns:p14="http://schemas.microsoft.com/office/powerpoint/2010/main" val="3709550277"/>
       </p:ext>
     </p:extLst>
   </p:cSld>
@@ -10045,8 +10149,8 @@
         </p:nvSpPr>
         <p:spPr>
           <a:xfrm>
-            <a:off x="810491" y="1101328"/>
-            <a:ext cx="7620000" cy="4308872"/>
+            <a:off x="685800" y="2523964"/>
+            <a:ext cx="7620000" cy="1862048"/>
           </a:xfrm>
           <a:prstGeom prst="rect">
             <a:avLst/>
@@ -10063,27 +10167,23 @@
             <a:r>
               <a:rPr lang="en-US" sz="11500" dirty="0" smtClean="0">
                 <a:solidFill>
-                  <a:schemeClr val="accent6">
-                    <a:lumMod val="75000"/>
-                  </a:schemeClr>
-                </a:solidFill>
-              </a:rPr>
-              <a:t>CSS Specificity</a:t>
-            </a:r>
-          </a:p>
-          <a:p>
-            <a:pPr algn="ctr"/>
-            <a:r>
-              <a:rPr lang="en-US" sz="4400" dirty="0" smtClean="0"/>
-              <a:t>(More Specific = Higher Priority)</a:t>
-            </a:r>
+                  <a:srgbClr val="FFFF00"/>
+                </a:solidFill>
+              </a:rPr>
+              <a:t>DEMO 16</a:t>
+            </a:r>
+            <a:endParaRPr lang="en-US" sz="4800" dirty="0" smtClean="0">
+              <a:solidFill>
+                <a:srgbClr val="FFFF00"/>
+              </a:solidFill>
+            </a:endParaRPr>
           </a:p>
         </p:txBody>
       </p:sp>
     </p:spTree>
     <p:extLst>
       <p:ext uri="{BB962C8B-B14F-4D97-AF65-F5344CB8AC3E}">
-        <p14:creationId xmlns:p14="http://schemas.microsoft.com/office/powerpoint/2010/main" val="1498101011"/>
+        <p14:creationId xmlns:p14="http://schemas.microsoft.com/office/powerpoint/2010/main" val="34911301"/>
       </p:ext>
     </p:extLst>
   </p:cSld>
@@ -10203,6 +10303,348 @@
 </file>
 
 <file path=ppt/slides/slide70.xml><?xml version="1.0" encoding="utf-8"?>
+<p:sld xmlns:a="http://schemas.openxmlformats.org/drawingml/2006/main" xmlns:r="http://schemas.openxmlformats.org/officeDocument/2006/relationships" xmlns:p="http://schemas.openxmlformats.org/presentationml/2006/main">
+  <p:cSld>
+    <p:spTree>
+      <p:nvGrpSpPr>
+        <p:cNvPr id="1" name=""/>
+        <p:cNvGrpSpPr/>
+        <p:nvPr/>
+      </p:nvGrpSpPr>
+      <p:grpSpPr>
+        <a:xfrm>
+          <a:off x="0" y="0"/>
+          <a:ext cx="0" cy="0"/>
+          <a:chOff x="0" y="0"/>
+          <a:chExt cx="0" cy="0"/>
+        </a:xfrm>
+      </p:grpSpPr>
+      <p:sp>
+        <p:nvSpPr>
+          <p:cNvPr id="4" name="TextBox 3"/>
+          <p:cNvSpPr txBox="1"/>
+          <p:nvPr/>
+        </p:nvSpPr>
+        <p:spPr>
+          <a:xfrm>
+            <a:off x="762000" y="1066800"/>
+            <a:ext cx="7620000" cy="4462760"/>
+          </a:xfrm>
+          <a:prstGeom prst="rect">
+            <a:avLst/>
+          </a:prstGeom>
+          <a:noFill/>
+        </p:spPr>
+        <p:txBody>
+          <a:bodyPr wrap="square" rtlCol="0">
+            <a:spAutoFit/>
+          </a:bodyPr>
+          <a:lstStyle/>
+          <a:p>
+            <a:pPr algn="ctr"/>
+            <a:r>
+              <a:rPr lang="en-US" sz="11500" dirty="0" smtClean="0">
+                <a:solidFill>
+                  <a:srgbClr val="00B0F0"/>
+                </a:solidFill>
+              </a:rPr>
+              <a:t>Template</a:t>
+            </a:r>
+          </a:p>
+          <a:p>
+            <a:pPr algn="ctr"/>
+            <a:r>
+              <a:rPr lang="en-US" sz="11500" dirty="0" smtClean="0">
+                <a:solidFill>
+                  <a:srgbClr val="00B0F0"/>
+                </a:solidFill>
+              </a:rPr>
+              <a:t>Layout</a:t>
+            </a:r>
+            <a:endParaRPr lang="en-US" sz="11500" dirty="0" smtClean="0">
+              <a:solidFill>
+                <a:srgbClr val="00B0F0"/>
+              </a:solidFill>
+            </a:endParaRPr>
+          </a:p>
+          <a:p>
+            <a:pPr algn="ctr"/>
+            <a:r>
+              <a:rPr lang="en-US" sz="5400" dirty="0" smtClean="0"/>
+              <a:t>(!important)</a:t>
+            </a:r>
+          </a:p>
+        </p:txBody>
+      </p:sp>
+    </p:spTree>
+    <p:extLst>
+      <p:ext uri="{BB962C8B-B14F-4D97-AF65-F5344CB8AC3E}">
+        <p14:creationId xmlns:p14="http://schemas.microsoft.com/office/powerpoint/2010/main" val="709331500"/>
+      </p:ext>
+    </p:extLst>
+  </p:cSld>
+  <p:clrMapOvr>
+    <a:masterClrMapping/>
+  </p:clrMapOvr>
+  <p:timing>
+    <p:tnLst>
+      <p:par>
+        <p:cTn id="1" dur="indefinite" restart="never" nodeType="tmRoot"/>
+      </p:par>
+    </p:tnLst>
+  </p:timing>
+</p:sld>
+</file>
+
+<file path=ppt/slides/slide71.xml><?xml version="1.0" encoding="utf-8"?>
+<p:sld xmlns:a="http://schemas.openxmlformats.org/drawingml/2006/main" xmlns:r="http://schemas.openxmlformats.org/officeDocument/2006/relationships" xmlns:p="http://schemas.openxmlformats.org/presentationml/2006/main">
+  <p:cSld>
+    <p:spTree>
+      <p:nvGrpSpPr>
+        <p:cNvPr id="1" name=""/>
+        <p:cNvGrpSpPr/>
+        <p:nvPr/>
+      </p:nvGrpSpPr>
+      <p:grpSpPr>
+        <a:xfrm>
+          <a:off x="0" y="0"/>
+          <a:ext cx="0" cy="0"/>
+          <a:chOff x="0" y="0"/>
+          <a:chExt cx="0" cy="0"/>
+        </a:xfrm>
+      </p:grpSpPr>
+      <p:sp>
+        <p:nvSpPr>
+          <p:cNvPr id="4" name="TextBox 3"/>
+          <p:cNvSpPr txBox="1"/>
+          <p:nvPr/>
+        </p:nvSpPr>
+        <p:spPr>
+          <a:xfrm>
+            <a:off x="762000" y="3048000"/>
+            <a:ext cx="7620000" cy="923330"/>
+          </a:xfrm>
+          <a:prstGeom prst="rect">
+            <a:avLst/>
+          </a:prstGeom>
+          <a:noFill/>
+        </p:spPr>
+        <p:txBody>
+          <a:bodyPr wrap="square" rtlCol="0">
+            <a:spAutoFit/>
+          </a:bodyPr>
+          <a:lstStyle/>
+          <a:p>
+            <a:pPr algn="ctr"/>
+            <a:r>
+              <a:rPr lang="en-US" sz="5400" i="1" dirty="0">
+                <a:solidFill>
+                  <a:srgbClr val="FFFF00"/>
+                </a:solidFill>
+              </a:rPr>
+              <a:t>b</a:t>
+            </a:r>
+            <a:r>
+              <a:rPr lang="en-US" sz="5400" i="1" dirty="0" smtClean="0">
+                <a:solidFill>
+                  <a:srgbClr val="FFFF00"/>
+                </a:solidFill>
+              </a:rPr>
+              <a:t>ox-sizing: </a:t>
+            </a:r>
+            <a:r>
+              <a:rPr lang="en-US" sz="5400" i="1" dirty="0" smtClean="0">
+                <a:solidFill>
+                  <a:srgbClr val="00B050"/>
+                </a:solidFill>
+              </a:rPr>
+              <a:t>border-box</a:t>
+            </a:r>
+            <a:r>
+              <a:rPr lang="en-US" sz="5400" i="1" dirty="0" smtClean="0"/>
+              <a:t>;</a:t>
+            </a:r>
+            <a:endParaRPr lang="en-US" sz="5400" i="1" dirty="0" smtClean="0"/>
+          </a:p>
+        </p:txBody>
+      </p:sp>
+    </p:spTree>
+    <p:extLst>
+      <p:ext uri="{BB962C8B-B14F-4D97-AF65-F5344CB8AC3E}">
+        <p14:creationId xmlns:p14="http://schemas.microsoft.com/office/powerpoint/2010/main" val="1982740030"/>
+      </p:ext>
+    </p:extLst>
+  </p:cSld>
+  <p:clrMapOvr>
+    <a:masterClrMapping/>
+  </p:clrMapOvr>
+  <p:timing>
+    <p:tnLst>
+      <p:par>
+        <p:cTn id="1" dur="indefinite" restart="never" nodeType="tmRoot"/>
+      </p:par>
+    </p:tnLst>
+  </p:timing>
+</p:sld>
+</file>
+
+<file path=ppt/slides/slide72.xml><?xml version="1.0" encoding="utf-8"?>
+<p:sld xmlns:a="http://schemas.openxmlformats.org/drawingml/2006/main" xmlns:r="http://schemas.openxmlformats.org/officeDocument/2006/relationships" xmlns:p="http://schemas.openxmlformats.org/presentationml/2006/main">
+  <p:cSld>
+    <p:spTree>
+      <p:nvGrpSpPr>
+        <p:cNvPr id="1" name=""/>
+        <p:cNvGrpSpPr/>
+        <p:nvPr/>
+      </p:nvGrpSpPr>
+      <p:grpSpPr>
+        <a:xfrm>
+          <a:off x="0" y="0"/>
+          <a:ext cx="0" cy="0"/>
+          <a:chOff x="0" y="0"/>
+          <a:chExt cx="0" cy="0"/>
+        </a:xfrm>
+      </p:grpSpPr>
+      <p:sp>
+        <p:nvSpPr>
+          <p:cNvPr id="4" name="TextBox 3"/>
+          <p:cNvSpPr txBox="1"/>
+          <p:nvPr/>
+        </p:nvSpPr>
+        <p:spPr>
+          <a:xfrm>
+            <a:off x="685800" y="2523964"/>
+            <a:ext cx="7620000" cy="1862048"/>
+          </a:xfrm>
+          <a:prstGeom prst="rect">
+            <a:avLst/>
+          </a:prstGeom>
+          <a:noFill/>
+        </p:spPr>
+        <p:txBody>
+          <a:bodyPr wrap="square" rtlCol="0">
+            <a:spAutoFit/>
+          </a:bodyPr>
+          <a:lstStyle/>
+          <a:p>
+            <a:pPr algn="ctr"/>
+            <a:r>
+              <a:rPr lang="en-US" sz="11500" dirty="0" smtClean="0">
+                <a:solidFill>
+                  <a:srgbClr val="FFFF00"/>
+                </a:solidFill>
+              </a:rPr>
+              <a:t>DEMO 17</a:t>
+            </a:r>
+            <a:endParaRPr lang="en-US" sz="4800" dirty="0" smtClean="0">
+              <a:solidFill>
+                <a:srgbClr val="FFFF00"/>
+              </a:solidFill>
+            </a:endParaRPr>
+          </a:p>
+        </p:txBody>
+      </p:sp>
+    </p:spTree>
+    <p:extLst>
+      <p:ext uri="{BB962C8B-B14F-4D97-AF65-F5344CB8AC3E}">
+        <p14:creationId xmlns:p14="http://schemas.microsoft.com/office/powerpoint/2010/main" val="2672333770"/>
+      </p:ext>
+    </p:extLst>
+  </p:cSld>
+  <p:clrMapOvr>
+    <a:masterClrMapping/>
+  </p:clrMapOvr>
+  <p:timing>
+    <p:tnLst>
+      <p:par>
+        <p:cTn id="1" dur="indefinite" restart="never" nodeType="tmRoot"/>
+      </p:par>
+    </p:tnLst>
+  </p:timing>
+</p:sld>
+</file>
+
+<file path=ppt/slides/slide73.xml><?xml version="1.0" encoding="utf-8"?>
+<p:sld xmlns:a="http://schemas.openxmlformats.org/drawingml/2006/main" xmlns:r="http://schemas.openxmlformats.org/officeDocument/2006/relationships" xmlns:p="http://schemas.openxmlformats.org/presentationml/2006/main">
+  <p:cSld>
+    <p:spTree>
+      <p:nvGrpSpPr>
+        <p:cNvPr id="1" name=""/>
+        <p:cNvGrpSpPr/>
+        <p:nvPr/>
+      </p:nvGrpSpPr>
+      <p:grpSpPr>
+        <a:xfrm>
+          <a:off x="0" y="0"/>
+          <a:ext cx="0" cy="0"/>
+          <a:chOff x="0" y="0"/>
+          <a:chExt cx="0" cy="0"/>
+        </a:xfrm>
+      </p:grpSpPr>
+      <p:sp>
+        <p:nvSpPr>
+          <p:cNvPr id="4" name="TextBox 3"/>
+          <p:cNvSpPr txBox="1"/>
+          <p:nvPr/>
+        </p:nvSpPr>
+        <p:spPr>
+          <a:xfrm>
+            <a:off x="810491" y="1101328"/>
+            <a:ext cx="7620000" cy="4308872"/>
+          </a:xfrm>
+          <a:prstGeom prst="rect">
+            <a:avLst/>
+          </a:prstGeom>
+          <a:noFill/>
+        </p:spPr>
+        <p:txBody>
+          <a:bodyPr wrap="square" rtlCol="0">
+            <a:spAutoFit/>
+          </a:bodyPr>
+          <a:lstStyle/>
+          <a:p>
+            <a:pPr algn="ctr"/>
+            <a:r>
+              <a:rPr lang="en-US" sz="11500" dirty="0" smtClean="0">
+                <a:solidFill>
+                  <a:schemeClr val="accent6">
+                    <a:lumMod val="75000"/>
+                  </a:schemeClr>
+                </a:solidFill>
+              </a:rPr>
+              <a:t>CSS Specificity</a:t>
+            </a:r>
+          </a:p>
+          <a:p>
+            <a:pPr algn="ctr"/>
+            <a:r>
+              <a:rPr lang="en-US" sz="4400" dirty="0" smtClean="0"/>
+              <a:t>(More Specific = Higher Priority)</a:t>
+            </a:r>
+          </a:p>
+        </p:txBody>
+      </p:sp>
+    </p:spTree>
+    <p:extLst>
+      <p:ext uri="{BB962C8B-B14F-4D97-AF65-F5344CB8AC3E}">
+        <p14:creationId xmlns:p14="http://schemas.microsoft.com/office/powerpoint/2010/main" val="1498101011"/>
+      </p:ext>
+    </p:extLst>
+  </p:cSld>
+  <p:clrMapOvr>
+    <a:masterClrMapping/>
+  </p:clrMapOvr>
+  <p:timing>
+    <p:tnLst>
+      <p:par>
+        <p:cTn id="1" dur="indefinite" restart="never" nodeType="tmRoot"/>
+      </p:par>
+    </p:tnLst>
+  </p:timing>
+</p:sld>
+</file>
+
+<file path=ppt/slides/slide74.xml><?xml version="1.0" encoding="utf-8"?>
 <p:sld xmlns:a="http://schemas.openxmlformats.org/drawingml/2006/main" xmlns:r="http://schemas.openxmlformats.org/officeDocument/2006/relationships" xmlns:p="http://schemas.openxmlformats.org/presentationml/2006/main">
   <p:cSld>
     <p:spTree>
@@ -10575,15 +11017,7 @@
                     <a:srgbClr val="FFFF00"/>
                   </a:solidFill>
                 </a:rPr>
-                <a:t>    </a:t>
-              </a:r>
-              <a:r>
-                <a:rPr lang="en-US" sz="2800" dirty="0" smtClean="0">
-                  <a:solidFill>
-                    <a:srgbClr val="FFFF00"/>
-                  </a:solidFill>
-                </a:rPr>
-                <a:t>1pt.</a:t>
+                <a:t>    1pt.</a:t>
               </a:r>
               <a:endParaRPr lang="en-US" sz="1000" dirty="0" smtClean="0">
                 <a:solidFill>
@@ -10614,7 +11048,7 @@
 </p:sld>
 </file>
 
-<file path=ppt/slides/slide71.xml><?xml version="1.0" encoding="utf-8"?>
+<file path=ppt/slides/slide75.xml><?xml version="1.0" encoding="utf-8"?>
 <p:sld xmlns:a="http://schemas.openxmlformats.org/drawingml/2006/main" xmlns:r="http://schemas.openxmlformats.org/officeDocument/2006/relationships" xmlns:p="http://schemas.openxmlformats.org/presentationml/2006/main">
   <p:cSld>
     <p:spTree>
@@ -10655,12 +11089,12 @@
           <a:p>
             <a:pPr algn="ctr"/>
             <a:r>
-              <a:rPr lang="en-US" sz="11500" dirty="0" smtClean="0">
+              <a:rPr lang="en-US" sz="11500" smtClean="0">
                 <a:solidFill>
                   <a:srgbClr val="FFFF00"/>
                 </a:solidFill>
               </a:rPr>
-              <a:t>DEMO</a:t>
+              <a:t>DEMO 18</a:t>
             </a:r>
             <a:endParaRPr lang="en-US" sz="4800" dirty="0" smtClean="0">
               <a:solidFill>
@@ -10674,6 +11108,98 @@
     <p:extLst>
       <p:ext uri="{BB962C8B-B14F-4D97-AF65-F5344CB8AC3E}">
         <p14:creationId xmlns:p14="http://schemas.microsoft.com/office/powerpoint/2010/main" val="2468503566"/>
+      </p:ext>
+    </p:extLst>
+  </p:cSld>
+  <p:clrMapOvr>
+    <a:masterClrMapping/>
+  </p:clrMapOvr>
+  <p:timing>
+    <p:tnLst>
+      <p:par>
+        <p:cTn id="1" dur="indefinite" restart="never" nodeType="tmRoot"/>
+      </p:par>
+    </p:tnLst>
+  </p:timing>
+</p:sld>
+</file>
+
+<file path=ppt/slides/slide76.xml><?xml version="1.0" encoding="utf-8"?>
+<p:sld xmlns:a="http://schemas.openxmlformats.org/drawingml/2006/main" xmlns:r="http://schemas.openxmlformats.org/officeDocument/2006/relationships" xmlns:p="http://schemas.openxmlformats.org/presentationml/2006/main">
+  <p:cSld>
+    <p:spTree>
+      <p:nvGrpSpPr>
+        <p:cNvPr id="1" name=""/>
+        <p:cNvGrpSpPr/>
+        <p:nvPr/>
+      </p:nvGrpSpPr>
+      <p:grpSpPr>
+        <a:xfrm>
+          <a:off x="0" y="0"/>
+          <a:ext cx="0" cy="0"/>
+          <a:chOff x="0" y="0"/>
+          <a:chExt cx="0" cy="0"/>
+        </a:xfrm>
+      </p:grpSpPr>
+      <p:sp>
+        <p:nvSpPr>
+          <p:cNvPr id="4" name="TextBox 3"/>
+          <p:cNvSpPr txBox="1"/>
+          <p:nvPr/>
+        </p:nvSpPr>
+        <p:spPr>
+          <a:xfrm>
+            <a:off x="685800" y="1397437"/>
+            <a:ext cx="7620000" cy="3631763"/>
+          </a:xfrm>
+          <a:prstGeom prst="rect">
+            <a:avLst/>
+          </a:prstGeom>
+          <a:noFill/>
+        </p:spPr>
+        <p:txBody>
+          <a:bodyPr wrap="square" rtlCol="0">
+            <a:spAutoFit/>
+          </a:bodyPr>
+          <a:lstStyle/>
+          <a:p>
+            <a:pPr algn="ctr"/>
+            <a:r>
+              <a:rPr lang="en-US" sz="11500" dirty="0" smtClean="0">
+                <a:solidFill>
+                  <a:srgbClr val="FFFF00"/>
+                </a:solidFill>
+              </a:rPr>
+              <a:t>1</a:t>
+            </a:r>
+            <a:r>
+              <a:rPr lang="en-US" sz="11500" baseline="30000" dirty="0" smtClean="0">
+                <a:solidFill>
+                  <a:srgbClr val="FFFF00"/>
+                </a:solidFill>
+              </a:rPr>
+              <a:t>st</a:t>
+            </a:r>
+            <a:r>
+              <a:rPr lang="en-US" sz="11500" dirty="0" smtClean="0">
+                <a:solidFill>
+                  <a:srgbClr val="FFFF00"/>
+                </a:solidFill>
+              </a:rPr>
+              <a:t> PSD to HTML</a:t>
+            </a:r>
+            <a:endParaRPr lang="en-US" sz="4800" dirty="0" smtClean="0">
+              <a:solidFill>
+                <a:srgbClr val="FFFF00"/>
+              </a:solidFill>
+            </a:endParaRPr>
+          </a:p>
+        </p:txBody>
+      </p:sp>
+    </p:spTree>
+    <p:extLst>
+      <p:ext uri="{BB962C8B-B14F-4D97-AF65-F5344CB8AC3E}">
+        <p14:creationId xmlns:p14="http://schemas.microsoft.com/office/powerpoint/2010/main" val="510613281"/>
       </p:ext>
     </p:extLst>
   </p:cSld>
@@ -10787,51 +11313,49 @@
           <a:chExt cx="0" cy="0"/>
         </a:xfrm>
       </p:grpSpPr>
-      <p:pic>
-        <p:nvPicPr>
-          <p:cNvPr id="2050" name="Picture 2" descr="C:\Users\CIT\Desktop\marlou-arizala-xander-ford.jpg"/>
-          <p:cNvPicPr>
-            <a:picLocks noChangeAspect="1" noChangeArrowheads="1"/>
-          </p:cNvPicPr>
+      <p:sp>
+        <p:nvSpPr>
+          <p:cNvPr id="4" name="TextBox 3"/>
+          <p:cNvSpPr txBox="1"/>
           <p:nvPr/>
-        </p:nvPicPr>
-        <p:blipFill>
-          <a:blip r:embed="rId2">
-            <a:extLst>
-              <a:ext uri="{28A0092B-C50C-407E-A947-70E740481C1C}">
-                <a14:useLocalDpi xmlns:a14="http://schemas.microsoft.com/office/drawing/2010/main" val="0"/>
-              </a:ext>
-            </a:extLst>
-          </a:blip>
-          <a:srcRect/>
-          <a:stretch>
-            <a:fillRect/>
-          </a:stretch>
-        </p:blipFill>
-        <p:spPr bwMode="auto">
+        </p:nvSpPr>
+        <p:spPr>
           <a:xfrm>
-            <a:off x="304800" y="304800"/>
-            <a:ext cx="8517635" cy="6172200"/>
+            <a:off x="685800" y="2523964"/>
+            <a:ext cx="7620000" cy="1862048"/>
           </a:xfrm>
           <a:prstGeom prst="rect">
             <a:avLst/>
           </a:prstGeom>
           <a:noFill/>
-          <a:extLst>
-            <a:ext uri="{909E8E84-426E-40DD-AFC4-6F175D3DCCD1}">
-              <a14:hiddenFill xmlns:a14="http://schemas.microsoft.com/office/drawing/2010/main">
-                <a:solidFill>
-                  <a:srgbClr val="FFFFFF"/>
-                </a:solidFill>
-              </a14:hiddenFill>
-            </a:ext>
-          </a:extLst>
         </p:spPr>
-      </p:pic>
+        <p:txBody>
+          <a:bodyPr wrap="square" rtlCol="0">
+            <a:spAutoFit/>
+          </a:bodyPr>
+          <a:lstStyle/>
+          <a:p>
+            <a:pPr algn="ctr"/>
+            <a:r>
+              <a:rPr lang="en-US" sz="11500" dirty="0" smtClean="0">
+                <a:solidFill>
+                  <a:srgbClr val="FFFF00"/>
+                </a:solidFill>
+              </a:rPr>
+              <a:t>DEMO 3</a:t>
+            </a:r>
+            <a:endParaRPr lang="en-US" sz="4800" dirty="0" smtClean="0">
+              <a:solidFill>
+                <a:srgbClr val="FFFF00"/>
+              </a:solidFill>
+            </a:endParaRPr>
+          </a:p>
+        </p:txBody>
+      </p:sp>
     </p:spTree>
     <p:extLst>
       <p:ext uri="{BB962C8B-B14F-4D97-AF65-F5344CB8AC3E}">
-        <p14:creationId xmlns:p14="http://schemas.microsoft.com/office/powerpoint/2010/main" val="3048777268"/>
+        <p14:creationId xmlns:p14="http://schemas.microsoft.com/office/powerpoint/2010/main" val="2203765973"/>
       </p:ext>
     </p:extLst>
   </p:cSld>

--- a/CPEE1/02. Week 2/00. Presentation/Week 2.pptx
+++ b/CPEE1/02. Week 2/00. Presentation/Week 2.pptx
@@ -80,7 +80,6 @@
     <p:sldId id="362" r:id="rId74"/>
     <p:sldId id="363" r:id="rId75"/>
     <p:sldId id="364" r:id="rId76"/>
-    <p:sldId id="372" r:id="rId77"/>
   </p:sldIdLst>
   <p:sldSz cx="9144000" cy="6858000" type="screen4x3"/>
   <p:notesSz cx="6858000" cy="9144000"/>
@@ -7951,7 +7950,6 @@
               <a:rPr lang="en-US" sz="5400" i="1" dirty="0" smtClean="0"/>
               <a:t>;</a:t>
             </a:r>
-            <a:endParaRPr lang="en-US" sz="5400" i="1" dirty="0" smtClean="0"/>
           </a:p>
           <a:p>
             <a:pPr algn="ctr"/>
@@ -9793,7 +9791,6 @@
                 <a:rPr lang="en-US" sz="5400" i="1" dirty="0" smtClean="0"/>
                 <a:t>;</a:t>
               </a:r>
-              <a:endParaRPr lang="en-US" sz="5400" i="1" dirty="0" smtClean="0"/>
             </a:p>
           </p:txBody>
         </p:sp>
@@ -9840,7 +9837,6 @@
                 <a:rPr lang="en-US" sz="5400" i="1" dirty="0" smtClean="0"/>
                 <a:t>;</a:t>
               </a:r>
-              <a:endParaRPr lang="en-US" sz="5400" i="1" dirty="0" smtClean="0"/>
             </a:p>
           </p:txBody>
         </p:sp>
@@ -10361,11 +10357,6 @@
               </a:rPr>
               <a:t>Layout</a:t>
             </a:r>
-            <a:endParaRPr lang="en-US" sz="11500" dirty="0" smtClean="0">
-              <a:solidFill>
-                <a:srgbClr val="00B0F0"/>
-              </a:solidFill>
-            </a:endParaRPr>
           </a:p>
           <a:p>
             <a:pPr algn="ctr"/>
@@ -10464,7 +10455,6 @@
               <a:rPr lang="en-US" sz="5400" i="1" dirty="0" smtClean="0"/>
               <a:t>;</a:t>
             </a:r>
-            <a:endParaRPr lang="en-US" sz="5400" i="1" dirty="0" smtClean="0"/>
           </a:p>
         </p:txBody>
       </p:sp>
@@ -11108,98 +11098,6 @@
     <p:extLst>
       <p:ext uri="{BB962C8B-B14F-4D97-AF65-F5344CB8AC3E}">
         <p14:creationId xmlns:p14="http://schemas.microsoft.com/office/powerpoint/2010/main" val="2468503566"/>
-      </p:ext>
-    </p:extLst>
-  </p:cSld>
-  <p:clrMapOvr>
-    <a:masterClrMapping/>
-  </p:clrMapOvr>
-  <p:timing>
-    <p:tnLst>
-      <p:par>
-        <p:cTn id="1" dur="indefinite" restart="never" nodeType="tmRoot"/>
-      </p:par>
-    </p:tnLst>
-  </p:timing>
-</p:sld>
-</file>
-
-<file path=ppt/slides/slide76.xml><?xml version="1.0" encoding="utf-8"?>
-<p:sld xmlns:a="http://schemas.openxmlformats.org/drawingml/2006/main" xmlns:r="http://schemas.openxmlformats.org/officeDocument/2006/relationships" xmlns:p="http://schemas.openxmlformats.org/presentationml/2006/main">
-  <p:cSld>
-    <p:spTree>
-      <p:nvGrpSpPr>
-        <p:cNvPr id="1" name=""/>
-        <p:cNvGrpSpPr/>
-        <p:nvPr/>
-      </p:nvGrpSpPr>
-      <p:grpSpPr>
-        <a:xfrm>
-          <a:off x="0" y="0"/>
-          <a:ext cx="0" cy="0"/>
-          <a:chOff x="0" y="0"/>
-          <a:chExt cx="0" cy="0"/>
-        </a:xfrm>
-      </p:grpSpPr>
-      <p:sp>
-        <p:nvSpPr>
-          <p:cNvPr id="4" name="TextBox 3"/>
-          <p:cNvSpPr txBox="1"/>
-          <p:nvPr/>
-        </p:nvSpPr>
-        <p:spPr>
-          <a:xfrm>
-            <a:off x="685800" y="1397437"/>
-            <a:ext cx="7620000" cy="3631763"/>
-          </a:xfrm>
-          <a:prstGeom prst="rect">
-            <a:avLst/>
-          </a:prstGeom>
-          <a:noFill/>
-        </p:spPr>
-        <p:txBody>
-          <a:bodyPr wrap="square" rtlCol="0">
-            <a:spAutoFit/>
-          </a:bodyPr>
-          <a:lstStyle/>
-          <a:p>
-            <a:pPr algn="ctr"/>
-            <a:r>
-              <a:rPr lang="en-US" sz="11500" dirty="0" smtClean="0">
-                <a:solidFill>
-                  <a:srgbClr val="FFFF00"/>
-                </a:solidFill>
-              </a:rPr>
-              <a:t>1</a:t>
-            </a:r>
-            <a:r>
-              <a:rPr lang="en-US" sz="11500" baseline="30000" dirty="0" smtClean="0">
-                <a:solidFill>
-                  <a:srgbClr val="FFFF00"/>
-                </a:solidFill>
-              </a:rPr>
-              <a:t>st</a:t>
-            </a:r>
-            <a:r>
-              <a:rPr lang="en-US" sz="11500" dirty="0" smtClean="0">
-                <a:solidFill>
-                  <a:srgbClr val="FFFF00"/>
-                </a:solidFill>
-              </a:rPr>
-              <a:t> PSD to HTML</a:t>
-            </a:r>
-            <a:endParaRPr lang="en-US" sz="4800" dirty="0" smtClean="0">
-              <a:solidFill>
-                <a:srgbClr val="FFFF00"/>
-              </a:solidFill>
-            </a:endParaRPr>
-          </a:p>
-        </p:txBody>
-      </p:sp>
-    </p:spTree>
-    <p:extLst>
-      <p:ext uri="{BB962C8B-B14F-4D97-AF65-F5344CB8AC3E}">
-        <p14:creationId xmlns:p14="http://schemas.microsoft.com/office/powerpoint/2010/main" val="510613281"/>
       </p:ext>
     </p:extLst>
   </p:cSld>

--- a/CPEE1/02. Week 2/00. Presentation/Week 2.pptx
+++ b/CPEE1/02. Week 2/00. Presentation/Week 2.pptx
@@ -362,7 +362,7 @@
           <a:p>
             <a:fld id="{713DCFBF-1251-4F71-8BFB-150CFD910DA2}" type="datetimeFigureOut">
               <a:rPr lang="en-US" smtClean="0"/>
-              <a:t>1/29/2018</a:t>
+              <a:t>2/6/2018</a:t>
             </a:fld>
             <a:endParaRPr lang="en-US"/>
           </a:p>
@@ -532,7 +532,7 @@
           <a:p>
             <a:fld id="{713DCFBF-1251-4F71-8BFB-150CFD910DA2}" type="datetimeFigureOut">
               <a:rPr lang="en-US" smtClean="0"/>
-              <a:t>1/29/2018</a:t>
+              <a:t>2/6/2018</a:t>
             </a:fld>
             <a:endParaRPr lang="en-US"/>
           </a:p>
@@ -712,7 +712,7 @@
           <a:p>
             <a:fld id="{713DCFBF-1251-4F71-8BFB-150CFD910DA2}" type="datetimeFigureOut">
               <a:rPr lang="en-US" smtClean="0"/>
-              <a:t>1/29/2018</a:t>
+              <a:t>2/6/2018</a:t>
             </a:fld>
             <a:endParaRPr lang="en-US"/>
           </a:p>
@@ -882,7 +882,7 @@
           <a:p>
             <a:fld id="{713DCFBF-1251-4F71-8BFB-150CFD910DA2}" type="datetimeFigureOut">
               <a:rPr lang="en-US" smtClean="0"/>
-              <a:t>1/29/2018</a:t>
+              <a:t>2/6/2018</a:t>
             </a:fld>
             <a:endParaRPr lang="en-US"/>
           </a:p>
@@ -1128,7 +1128,7 @@
           <a:p>
             <a:fld id="{713DCFBF-1251-4F71-8BFB-150CFD910DA2}" type="datetimeFigureOut">
               <a:rPr lang="en-US" smtClean="0"/>
-              <a:t>1/29/2018</a:t>
+              <a:t>2/6/2018</a:t>
             </a:fld>
             <a:endParaRPr lang="en-US"/>
           </a:p>
@@ -1416,7 +1416,7 @@
           <a:p>
             <a:fld id="{713DCFBF-1251-4F71-8BFB-150CFD910DA2}" type="datetimeFigureOut">
               <a:rPr lang="en-US" smtClean="0"/>
-              <a:t>1/29/2018</a:t>
+              <a:t>2/6/2018</a:t>
             </a:fld>
             <a:endParaRPr lang="en-US"/>
           </a:p>
@@ -1838,7 +1838,7 @@
           <a:p>
             <a:fld id="{713DCFBF-1251-4F71-8BFB-150CFD910DA2}" type="datetimeFigureOut">
               <a:rPr lang="en-US" smtClean="0"/>
-              <a:t>1/29/2018</a:t>
+              <a:t>2/6/2018</a:t>
             </a:fld>
             <a:endParaRPr lang="en-US"/>
           </a:p>
@@ -1956,7 +1956,7 @@
           <a:p>
             <a:fld id="{713DCFBF-1251-4F71-8BFB-150CFD910DA2}" type="datetimeFigureOut">
               <a:rPr lang="en-US" smtClean="0"/>
-              <a:t>1/29/2018</a:t>
+              <a:t>2/6/2018</a:t>
             </a:fld>
             <a:endParaRPr lang="en-US"/>
           </a:p>
@@ -2051,7 +2051,7 @@
           <a:p>
             <a:fld id="{713DCFBF-1251-4F71-8BFB-150CFD910DA2}" type="datetimeFigureOut">
               <a:rPr lang="en-US" smtClean="0"/>
-              <a:t>1/29/2018</a:t>
+              <a:t>2/6/2018</a:t>
             </a:fld>
             <a:endParaRPr lang="en-US"/>
           </a:p>
@@ -2328,7 +2328,7 @@
           <a:p>
             <a:fld id="{713DCFBF-1251-4F71-8BFB-150CFD910DA2}" type="datetimeFigureOut">
               <a:rPr lang="en-US" smtClean="0"/>
-              <a:t>1/29/2018</a:t>
+              <a:t>2/6/2018</a:t>
             </a:fld>
             <a:endParaRPr lang="en-US"/>
           </a:p>
@@ -2581,7 +2581,7 @@
           <a:p>
             <a:fld id="{713DCFBF-1251-4F71-8BFB-150CFD910DA2}" type="datetimeFigureOut">
               <a:rPr lang="en-US" smtClean="0"/>
-              <a:t>1/29/2018</a:t>
+              <a:t>2/6/2018</a:t>
             </a:fld>
             <a:endParaRPr lang="en-US"/>
           </a:p>
@@ -2794,7 +2794,7 @@
           <a:p>
             <a:fld id="{713DCFBF-1251-4F71-8BFB-150CFD910DA2}" type="datetimeFigureOut">
               <a:rPr lang="en-US" smtClean="0"/>
-              <a:t>1/29/2018</a:t>
+              <a:t>2/6/2018</a:t>
             </a:fld>
             <a:endParaRPr lang="en-US"/>
           </a:p>
